--- a/presentations/Introduction to Shiny.pptx
+++ b/presentations/Introduction to Shiny.pptx
@@ -5,7 +5,7 @@
     <p:sldMasterId id="2147483672" r:id="rId1"/>
   </p:sldMasterIdLst>
   <p:notesMasterIdLst>
-    <p:notesMasterId r:id="rId24"/>
+    <p:notesMasterId r:id="rId26"/>
   </p:notesMasterIdLst>
   <p:sldIdLst>
     <p:sldId id="256" r:id="rId2"/>
@@ -13,23 +13,25 @@
     <p:sldId id="257" r:id="rId4"/>
     <p:sldId id="258" r:id="rId5"/>
     <p:sldId id="259" r:id="rId6"/>
-    <p:sldId id="261" r:id="rId7"/>
-    <p:sldId id="262" r:id="rId8"/>
-    <p:sldId id="263" r:id="rId9"/>
-    <p:sldId id="268" r:id="rId10"/>
-    <p:sldId id="265" r:id="rId11"/>
-    <p:sldId id="267" r:id="rId12"/>
-    <p:sldId id="279" r:id="rId13"/>
-    <p:sldId id="270" r:id="rId14"/>
-    <p:sldId id="277" r:id="rId15"/>
-    <p:sldId id="278" r:id="rId16"/>
-    <p:sldId id="271" r:id="rId17"/>
-    <p:sldId id="280" r:id="rId18"/>
-    <p:sldId id="269" r:id="rId19"/>
-    <p:sldId id="273" r:id="rId20"/>
-    <p:sldId id="276" r:id="rId21"/>
-    <p:sldId id="274" r:id="rId22"/>
-    <p:sldId id="275" r:id="rId23"/>
+    <p:sldId id="282" r:id="rId7"/>
+    <p:sldId id="261" r:id="rId8"/>
+    <p:sldId id="262" r:id="rId9"/>
+    <p:sldId id="263" r:id="rId10"/>
+    <p:sldId id="268" r:id="rId11"/>
+    <p:sldId id="265" r:id="rId12"/>
+    <p:sldId id="267" r:id="rId13"/>
+    <p:sldId id="279" r:id="rId14"/>
+    <p:sldId id="283" r:id="rId15"/>
+    <p:sldId id="270" r:id="rId16"/>
+    <p:sldId id="277" r:id="rId17"/>
+    <p:sldId id="278" r:id="rId18"/>
+    <p:sldId id="271" r:id="rId19"/>
+    <p:sldId id="280" r:id="rId20"/>
+    <p:sldId id="269" r:id="rId21"/>
+    <p:sldId id="273" r:id="rId22"/>
+    <p:sldId id="276" r:id="rId23"/>
+    <p:sldId id="275" r:id="rId24"/>
+    <p:sldId id="274" r:id="rId25"/>
   </p:sldIdLst>
   <p:sldSz cx="9144000" cy="6858000" type="screen4x3"/>
   <p:notesSz cx="6858000" cy="9144000"/>
@@ -139,7 +141,7 @@
 <file path=ppt/revisionInfo.xml><?xml version="1.0" encoding="utf-8"?>
 <p1510:revInfo xmlns:a="http://schemas.openxmlformats.org/drawingml/2006/main" xmlns:r="http://schemas.openxmlformats.org/officeDocument/2006/relationships" xmlns:p1510="http://schemas.microsoft.com/office/powerpoint/2015/10/main">
   <p1510:revLst>
-    <p1510:client id="{EF60C250-7F09-484C-B6D9-4F454F211C88}" v="121" dt="2024-03-15T16:08:20.192"/>
+    <p1510:client id="{581CB9D6-C3A5-4C66-9600-C748D3734EC5}" v="26" dt="2024-04-05T22:02:30.759"/>
   </p1510:revLst>
 </p1510:revInfo>
 </file>
@@ -1051,6 +1053,323 @@
       </pc:sldChg>
     </pc:docChg>
   </pc:docChgLst>
+  <pc:docChgLst>
+    <pc:chgData name="Bashevkin, Sam@Waterboards" userId="3bbd751a-1197-4c9f-9d8a-7d2daedf8e41" providerId="ADAL" clId="{581CB9D6-C3A5-4C66-9600-C748D3734EC5}"/>
+    <pc:docChg chg="undo custSel addSld delSld modSld">
+      <pc:chgData name="Bashevkin, Sam@Waterboards" userId="3bbd751a-1197-4c9f-9d8a-7d2daedf8e41" providerId="ADAL" clId="{581CB9D6-C3A5-4C66-9600-C748D3734EC5}" dt="2024-04-05T22:02:53.296" v="193" actId="1076"/>
+      <pc:docMkLst>
+        <pc:docMk/>
+      </pc:docMkLst>
+      <pc:sldChg chg="addSp modSp mod">
+        <pc:chgData name="Bashevkin, Sam@Waterboards" userId="3bbd751a-1197-4c9f-9d8a-7d2daedf8e41" providerId="ADAL" clId="{581CB9D6-C3A5-4C66-9600-C748D3734EC5}" dt="2024-04-05T22:02:21.381" v="186" actId="1582"/>
+        <pc:sldMkLst>
+          <pc:docMk/>
+          <pc:sldMk cId="3806766026" sldId="262"/>
+        </pc:sldMkLst>
+        <pc:picChg chg="add mod modCrop">
+          <ac:chgData name="Bashevkin, Sam@Waterboards" userId="3bbd751a-1197-4c9f-9d8a-7d2daedf8e41" providerId="ADAL" clId="{581CB9D6-C3A5-4C66-9600-C748D3734EC5}" dt="2024-04-05T22:02:21.381" v="186" actId="1582"/>
+          <ac:picMkLst>
+            <pc:docMk/>
+            <pc:sldMk cId="3806766026" sldId="262"/>
+            <ac:picMk id="3" creationId="{37B2C589-CC6F-B9B8-FB23-8B5F244D245B}"/>
+          </ac:picMkLst>
+        </pc:picChg>
+      </pc:sldChg>
+      <pc:sldChg chg="addSp modSp mod">
+        <pc:chgData name="Bashevkin, Sam@Waterboards" userId="3bbd751a-1197-4c9f-9d8a-7d2daedf8e41" providerId="ADAL" clId="{581CB9D6-C3A5-4C66-9600-C748D3734EC5}" dt="2024-04-05T22:02:53.296" v="193" actId="1076"/>
+        <pc:sldMkLst>
+          <pc:docMk/>
+          <pc:sldMk cId="3105869128" sldId="263"/>
+        </pc:sldMkLst>
+        <pc:picChg chg="add mod modCrop">
+          <ac:chgData name="Bashevkin, Sam@Waterboards" userId="3bbd751a-1197-4c9f-9d8a-7d2daedf8e41" providerId="ADAL" clId="{581CB9D6-C3A5-4C66-9600-C748D3734EC5}" dt="2024-04-05T22:02:53.296" v="193" actId="1076"/>
+          <ac:picMkLst>
+            <pc:docMk/>
+            <pc:sldMk cId="3105869128" sldId="263"/>
+            <ac:picMk id="3" creationId="{F1DA5DEC-0435-6068-A1FC-13FA6D074CFC}"/>
+          </ac:picMkLst>
+        </pc:picChg>
+      </pc:sldChg>
+      <pc:sldChg chg="modSp mod">
+        <pc:chgData name="Bashevkin, Sam@Waterboards" userId="3bbd751a-1197-4c9f-9d8a-7d2daedf8e41" providerId="ADAL" clId="{581CB9D6-C3A5-4C66-9600-C748D3734EC5}" dt="2024-04-05T21:05:28.502" v="1" actId="14100"/>
+        <pc:sldMkLst>
+          <pc:docMk/>
+          <pc:sldMk cId="1660229895" sldId="265"/>
+        </pc:sldMkLst>
+        <pc:spChg chg="mod">
+          <ac:chgData name="Bashevkin, Sam@Waterboards" userId="3bbd751a-1197-4c9f-9d8a-7d2daedf8e41" providerId="ADAL" clId="{581CB9D6-C3A5-4C66-9600-C748D3734EC5}" dt="2024-04-05T21:05:24.706" v="0" actId="14100"/>
+          <ac:spMkLst>
+            <pc:docMk/>
+            <pc:sldMk cId="1660229895" sldId="265"/>
+            <ac:spMk id="11" creationId="{673007E7-2C4F-4FD6-A880-C0F9B6C79023}"/>
+          </ac:spMkLst>
+        </pc:spChg>
+        <pc:cxnChg chg="mod">
+          <ac:chgData name="Bashevkin, Sam@Waterboards" userId="3bbd751a-1197-4c9f-9d8a-7d2daedf8e41" providerId="ADAL" clId="{581CB9D6-C3A5-4C66-9600-C748D3734EC5}" dt="2024-04-05T21:05:28.502" v="1" actId="14100"/>
+          <ac:cxnSpMkLst>
+            <pc:docMk/>
+            <pc:sldMk cId="1660229895" sldId="265"/>
+            <ac:cxnSpMk id="28" creationId="{D30B26D0-6A8E-4376-9BFB-496AD6E96E5B}"/>
+          </ac:cxnSpMkLst>
+        </pc:cxnChg>
+      </pc:sldChg>
+      <pc:sldChg chg="mod modShow">
+        <pc:chgData name="Bashevkin, Sam@Waterboards" userId="3bbd751a-1197-4c9f-9d8a-7d2daedf8e41" providerId="ADAL" clId="{581CB9D6-C3A5-4C66-9600-C748D3734EC5}" dt="2024-04-05T21:35:42.695" v="53" actId="729"/>
+        <pc:sldMkLst>
+          <pc:docMk/>
+          <pc:sldMk cId="433323243" sldId="274"/>
+        </pc:sldMkLst>
+      </pc:sldChg>
+      <pc:sldChg chg="addSp modSp mod modShow">
+        <pc:chgData name="Bashevkin, Sam@Waterboards" userId="3bbd751a-1197-4c9f-9d8a-7d2daedf8e41" providerId="ADAL" clId="{581CB9D6-C3A5-4C66-9600-C748D3734EC5}" dt="2024-04-05T21:41:01.154" v="57" actId="1076"/>
+        <pc:sldMkLst>
+          <pc:docMk/>
+          <pc:sldMk cId="789417551" sldId="275"/>
+        </pc:sldMkLst>
+        <pc:picChg chg="add mod">
+          <ac:chgData name="Bashevkin, Sam@Waterboards" userId="3bbd751a-1197-4c9f-9d8a-7d2daedf8e41" providerId="ADAL" clId="{581CB9D6-C3A5-4C66-9600-C748D3734EC5}" dt="2024-04-05T21:41:01.154" v="57" actId="1076"/>
+          <ac:picMkLst>
+            <pc:docMk/>
+            <pc:sldMk cId="789417551" sldId="275"/>
+            <ac:picMk id="5" creationId="{BA27DA82-40D9-CBAE-4746-E9F60275074F}"/>
+          </ac:picMkLst>
+        </pc:picChg>
+      </pc:sldChg>
+      <pc:sldChg chg="addSp delSp modSp mod">
+        <pc:chgData name="Bashevkin, Sam@Waterboards" userId="3bbd751a-1197-4c9f-9d8a-7d2daedf8e41" providerId="ADAL" clId="{581CB9D6-C3A5-4C66-9600-C748D3734EC5}" dt="2024-04-05T21:50:41.843" v="88" actId="21"/>
+        <pc:sldMkLst>
+          <pc:docMk/>
+          <pc:sldMk cId="4106314971" sldId="277"/>
+        </pc:sldMkLst>
+        <pc:spChg chg="mod">
+          <ac:chgData name="Bashevkin, Sam@Waterboards" userId="3bbd751a-1197-4c9f-9d8a-7d2daedf8e41" providerId="ADAL" clId="{581CB9D6-C3A5-4C66-9600-C748D3734EC5}" dt="2024-04-05T21:48:46.207" v="66" actId="14100"/>
+          <ac:spMkLst>
+            <pc:docMk/>
+            <pc:sldMk cId="4106314971" sldId="277"/>
+            <ac:spMk id="11" creationId="{6F4821C7-5507-4CA3-98C9-E66E39553168}"/>
+          </ac:spMkLst>
+        </pc:spChg>
+        <pc:spChg chg="add del mod">
+          <ac:chgData name="Bashevkin, Sam@Waterboards" userId="3bbd751a-1197-4c9f-9d8a-7d2daedf8e41" providerId="ADAL" clId="{581CB9D6-C3A5-4C66-9600-C748D3734EC5}" dt="2024-04-05T21:50:03.614" v="76" actId="21"/>
+          <ac:spMkLst>
+            <pc:docMk/>
+            <pc:sldMk cId="4106314971" sldId="277"/>
+            <ac:spMk id="13" creationId="{164F7530-03FC-B7B9-FE75-73918F773992}"/>
+          </ac:spMkLst>
+        </pc:spChg>
+        <pc:picChg chg="add del mod modCrop">
+          <ac:chgData name="Bashevkin, Sam@Waterboards" userId="3bbd751a-1197-4c9f-9d8a-7d2daedf8e41" providerId="ADAL" clId="{581CB9D6-C3A5-4C66-9600-C748D3734EC5}" dt="2024-04-05T21:50:41.843" v="88" actId="21"/>
+          <ac:picMkLst>
+            <pc:docMk/>
+            <pc:sldMk cId="4106314971" sldId="277"/>
+            <ac:picMk id="3" creationId="{5D76154F-D3C9-EBBD-C45F-0C40C8D7F6B9}"/>
+          </ac:picMkLst>
+        </pc:picChg>
+        <pc:cxnChg chg="add del mod">
+          <ac:chgData name="Bashevkin, Sam@Waterboards" userId="3bbd751a-1197-4c9f-9d8a-7d2daedf8e41" providerId="ADAL" clId="{581CB9D6-C3A5-4C66-9600-C748D3734EC5}" dt="2024-04-05T21:50:41.843" v="88" actId="21"/>
+          <ac:cxnSpMkLst>
+            <pc:docMk/>
+            <pc:sldMk cId="4106314971" sldId="277"/>
+            <ac:cxnSpMk id="4" creationId="{84539A04-4731-41F6-2ED5-1B8FD2B3B828}"/>
+          </ac:cxnSpMkLst>
+        </pc:cxnChg>
+      </pc:sldChg>
+      <pc:sldChg chg="addSp delSp modSp mod modAnim">
+        <pc:chgData name="Bashevkin, Sam@Waterboards" userId="3bbd751a-1197-4c9f-9d8a-7d2daedf8e41" providerId="ADAL" clId="{581CB9D6-C3A5-4C66-9600-C748D3734EC5}" dt="2024-04-05T21:55:29.625" v="176"/>
+        <pc:sldMkLst>
+          <pc:docMk/>
+          <pc:sldMk cId="2765201815" sldId="278"/>
+        </pc:sldMkLst>
+        <pc:spChg chg="add mod">
+          <ac:chgData name="Bashevkin, Sam@Waterboards" userId="3bbd751a-1197-4c9f-9d8a-7d2daedf8e41" providerId="ADAL" clId="{581CB9D6-C3A5-4C66-9600-C748D3734EC5}" dt="2024-04-05T21:55:16.871" v="174" actId="164"/>
+          <ac:spMkLst>
+            <pc:docMk/>
+            <pc:sldMk cId="2765201815" sldId="278"/>
+            <ac:spMk id="13" creationId="{164F7530-03FC-B7B9-FE75-73918F773992}"/>
+          </ac:spMkLst>
+        </pc:spChg>
+        <pc:grpChg chg="add mod">
+          <ac:chgData name="Bashevkin, Sam@Waterboards" userId="3bbd751a-1197-4c9f-9d8a-7d2daedf8e41" providerId="ADAL" clId="{581CB9D6-C3A5-4C66-9600-C748D3734EC5}" dt="2024-04-05T21:54:35.807" v="168" actId="164"/>
+          <ac:grpSpMkLst>
+            <pc:docMk/>
+            <pc:sldMk cId="2765201815" sldId="278"/>
+            <ac:grpSpMk id="35" creationId="{DE3F62A5-F94F-2C96-2F92-D152F353FACE}"/>
+          </ac:grpSpMkLst>
+        </pc:grpChg>
+        <pc:grpChg chg="add mod">
+          <ac:chgData name="Bashevkin, Sam@Waterboards" userId="3bbd751a-1197-4c9f-9d8a-7d2daedf8e41" providerId="ADAL" clId="{581CB9D6-C3A5-4C66-9600-C748D3734EC5}" dt="2024-04-05T21:54:39.664" v="169" actId="164"/>
+          <ac:grpSpMkLst>
+            <pc:docMk/>
+            <pc:sldMk cId="2765201815" sldId="278"/>
+            <ac:grpSpMk id="36" creationId="{C394964D-1CF1-FDB9-D0A6-A696092B54DC}"/>
+          </ac:grpSpMkLst>
+        </pc:grpChg>
+        <pc:grpChg chg="add mod">
+          <ac:chgData name="Bashevkin, Sam@Waterboards" userId="3bbd751a-1197-4c9f-9d8a-7d2daedf8e41" providerId="ADAL" clId="{581CB9D6-C3A5-4C66-9600-C748D3734EC5}" dt="2024-04-05T21:55:16.871" v="174" actId="164"/>
+          <ac:grpSpMkLst>
+            <pc:docMk/>
+            <pc:sldMk cId="2765201815" sldId="278"/>
+            <ac:grpSpMk id="37" creationId="{E82D28D2-58BF-6DA5-DB4D-273F033A2D9C}"/>
+          </ac:grpSpMkLst>
+        </pc:grpChg>
+        <pc:picChg chg="add mod">
+          <ac:chgData name="Bashevkin, Sam@Waterboards" userId="3bbd751a-1197-4c9f-9d8a-7d2daedf8e41" providerId="ADAL" clId="{581CB9D6-C3A5-4C66-9600-C748D3734EC5}" dt="2024-04-05T21:11:01.286" v="3"/>
+          <ac:picMkLst>
+            <pc:docMk/>
+            <pc:sldMk cId="2765201815" sldId="278"/>
+            <ac:picMk id="3" creationId="{1E232C5D-6DDE-89C6-B256-9D831CEFA8B7}"/>
+          </ac:picMkLst>
+        </pc:picChg>
+        <pc:picChg chg="mod">
+          <ac:chgData name="Bashevkin, Sam@Waterboards" userId="3bbd751a-1197-4c9f-9d8a-7d2daedf8e41" providerId="ADAL" clId="{581CB9D6-C3A5-4C66-9600-C748D3734EC5}" dt="2024-04-05T21:55:16.871" v="174" actId="164"/>
+          <ac:picMkLst>
+            <pc:docMk/>
+            <pc:sldMk cId="2765201815" sldId="278"/>
+            <ac:picMk id="5" creationId="{D31CC67A-BCCC-4932-B335-DC2DD8FEA6DC}"/>
+          </ac:picMkLst>
+        </pc:picChg>
+        <pc:picChg chg="add del mod">
+          <ac:chgData name="Bashevkin, Sam@Waterboards" userId="3bbd751a-1197-4c9f-9d8a-7d2daedf8e41" providerId="ADAL" clId="{581CB9D6-C3A5-4C66-9600-C748D3734EC5}" dt="2024-04-05T21:50:34.067" v="87" actId="478"/>
+          <ac:picMkLst>
+            <pc:docMk/>
+            <pc:sldMk cId="2765201815" sldId="278"/>
+            <ac:picMk id="8" creationId="{8665DFDB-5EB4-4CF8-0AB0-C0DA0E9C2FE5}"/>
+          </ac:picMkLst>
+        </pc:picChg>
+        <pc:picChg chg="add mod modCrop">
+          <ac:chgData name="Bashevkin, Sam@Waterboards" userId="3bbd751a-1197-4c9f-9d8a-7d2daedf8e41" providerId="ADAL" clId="{581CB9D6-C3A5-4C66-9600-C748D3734EC5}" dt="2024-04-05T21:54:35.807" v="168" actId="164"/>
+          <ac:picMkLst>
+            <pc:docMk/>
+            <pc:sldMk cId="2765201815" sldId="278"/>
+            <ac:picMk id="9" creationId="{5D76154F-D3C9-EBBD-C45F-0C40C8D7F6B9}"/>
+          </ac:picMkLst>
+        </pc:picChg>
+        <pc:picChg chg="add mod modCrop">
+          <ac:chgData name="Bashevkin, Sam@Waterboards" userId="3bbd751a-1197-4c9f-9d8a-7d2daedf8e41" providerId="ADAL" clId="{581CB9D6-C3A5-4C66-9600-C748D3734EC5}" dt="2024-04-05T21:54:39.664" v="169" actId="164"/>
+          <ac:picMkLst>
+            <pc:docMk/>
+            <pc:sldMk cId="2765201815" sldId="278"/>
+            <ac:picMk id="24" creationId="{511FED1F-DCAE-DB31-828C-25F55B6B1422}"/>
+          </ac:picMkLst>
+        </pc:picChg>
+        <pc:cxnChg chg="add del mod">
+          <ac:chgData name="Bashevkin, Sam@Waterboards" userId="3bbd751a-1197-4c9f-9d8a-7d2daedf8e41" providerId="ADAL" clId="{581CB9D6-C3A5-4C66-9600-C748D3734EC5}" dt="2024-04-05T21:51:34.006" v="106" actId="478"/>
+          <ac:cxnSpMkLst>
+            <pc:docMk/>
+            <pc:sldMk cId="2765201815" sldId="278"/>
+            <ac:cxnSpMk id="10" creationId="{84539A04-4731-41F6-2ED5-1B8FD2B3B828}"/>
+          </ac:cxnSpMkLst>
+        </pc:cxnChg>
+        <pc:cxnChg chg="add del mod">
+          <ac:chgData name="Bashevkin, Sam@Waterboards" userId="3bbd751a-1197-4c9f-9d8a-7d2daedf8e41" providerId="ADAL" clId="{581CB9D6-C3A5-4C66-9600-C748D3734EC5}" dt="2024-04-05T21:51:34.846" v="107" actId="478"/>
+          <ac:cxnSpMkLst>
+            <pc:docMk/>
+            <pc:sldMk cId="2765201815" sldId="278"/>
+            <ac:cxnSpMk id="15" creationId="{F8F06192-3A32-ECB1-592A-FAB03630797A}"/>
+          </ac:cxnSpMkLst>
+        </pc:cxnChg>
+        <pc:cxnChg chg="add del mod">
+          <ac:chgData name="Bashevkin, Sam@Waterboards" userId="3bbd751a-1197-4c9f-9d8a-7d2daedf8e41" providerId="ADAL" clId="{581CB9D6-C3A5-4C66-9600-C748D3734EC5}" dt="2024-04-05T21:52:13.578" v="115" actId="478"/>
+          <ac:cxnSpMkLst>
+            <pc:docMk/>
+            <pc:sldMk cId="2765201815" sldId="278"/>
+            <ac:cxnSpMk id="18" creationId="{0D99BC04-4F6B-3B24-FCDC-61029A14AC24}"/>
+          </ac:cxnSpMkLst>
+        </pc:cxnChg>
+        <pc:cxnChg chg="add mod">
+          <ac:chgData name="Bashevkin, Sam@Waterboards" userId="3bbd751a-1197-4c9f-9d8a-7d2daedf8e41" providerId="ADAL" clId="{581CB9D6-C3A5-4C66-9600-C748D3734EC5}" dt="2024-04-05T21:54:35.807" v="168" actId="164"/>
+          <ac:cxnSpMkLst>
+            <pc:docMk/>
+            <pc:sldMk cId="2765201815" sldId="278"/>
+            <ac:cxnSpMk id="25" creationId="{466BEDED-BCDF-320E-29E6-114DCC17AB2E}"/>
+          </ac:cxnSpMkLst>
+        </pc:cxnChg>
+        <pc:cxnChg chg="add mod">
+          <ac:chgData name="Bashevkin, Sam@Waterboards" userId="3bbd751a-1197-4c9f-9d8a-7d2daedf8e41" providerId="ADAL" clId="{581CB9D6-C3A5-4C66-9600-C748D3734EC5}" dt="2024-04-05T21:54:39.664" v="169" actId="164"/>
+          <ac:cxnSpMkLst>
+            <pc:docMk/>
+            <pc:sldMk cId="2765201815" sldId="278"/>
+            <ac:cxnSpMk id="29" creationId="{A9A31865-5F61-3492-BA5F-1CDDF418A988}"/>
+          </ac:cxnSpMkLst>
+        </pc:cxnChg>
+      </pc:sldChg>
+      <pc:sldChg chg="addSp modSp">
+        <pc:chgData name="Bashevkin, Sam@Waterboards" userId="3bbd751a-1197-4c9f-9d8a-7d2daedf8e41" providerId="ADAL" clId="{581CB9D6-C3A5-4C66-9600-C748D3734EC5}" dt="2024-04-05T21:10:51.775" v="2"/>
+        <pc:sldMkLst>
+          <pc:docMk/>
+          <pc:sldMk cId="2791008325" sldId="279"/>
+        </pc:sldMkLst>
+        <pc:picChg chg="add mod">
+          <ac:chgData name="Bashevkin, Sam@Waterboards" userId="3bbd751a-1197-4c9f-9d8a-7d2daedf8e41" providerId="ADAL" clId="{581CB9D6-C3A5-4C66-9600-C748D3734EC5}" dt="2024-04-05T21:10:51.775" v="2"/>
+          <ac:picMkLst>
+            <pc:docMk/>
+            <pc:sldMk cId="2791008325" sldId="279"/>
+            <ac:picMk id="3" creationId="{2422E556-E15A-4FCC-34B7-54557CB3AD12}"/>
+          </ac:picMkLst>
+        </pc:picChg>
+      </pc:sldChg>
+      <pc:sldChg chg="addSp modSp mod">
+        <pc:chgData name="Bashevkin, Sam@Waterboards" userId="3bbd751a-1197-4c9f-9d8a-7d2daedf8e41" providerId="ADAL" clId="{581CB9D6-C3A5-4C66-9600-C748D3734EC5}" dt="2024-04-05T21:11:09.460" v="5" actId="14100"/>
+        <pc:sldMkLst>
+          <pc:docMk/>
+          <pc:sldMk cId="2280881892" sldId="280"/>
+        </pc:sldMkLst>
+        <pc:spChg chg="mod">
+          <ac:chgData name="Bashevkin, Sam@Waterboards" userId="3bbd751a-1197-4c9f-9d8a-7d2daedf8e41" providerId="ADAL" clId="{581CB9D6-C3A5-4C66-9600-C748D3734EC5}" dt="2024-04-05T21:11:09.460" v="5" actId="14100"/>
+          <ac:spMkLst>
+            <pc:docMk/>
+            <pc:sldMk cId="2280881892" sldId="280"/>
+            <ac:spMk id="2" creationId="{DC8DD6D4-AC12-72CD-C8DA-DD1841789C02}"/>
+          </ac:spMkLst>
+        </pc:spChg>
+        <pc:picChg chg="add mod">
+          <ac:chgData name="Bashevkin, Sam@Waterboards" userId="3bbd751a-1197-4c9f-9d8a-7d2daedf8e41" providerId="ADAL" clId="{581CB9D6-C3A5-4C66-9600-C748D3734EC5}" dt="2024-04-05T21:11:03.571" v="4"/>
+          <ac:picMkLst>
+            <pc:docMk/>
+            <pc:sldMk cId="2280881892" sldId="280"/>
+            <ac:picMk id="3" creationId="{52B61C4E-C00F-BD10-7C16-24B415C9BC0B}"/>
+          </ac:picMkLst>
+        </pc:picChg>
+      </pc:sldChg>
+      <pc:sldChg chg="new del">
+        <pc:chgData name="Bashevkin, Sam@Waterboards" userId="3bbd751a-1197-4c9f-9d8a-7d2daedf8e41" providerId="ADAL" clId="{581CB9D6-C3A5-4C66-9600-C748D3734EC5}" dt="2024-04-05T21:34:47.822" v="8" actId="2696"/>
+        <pc:sldMkLst>
+          <pc:docMk/>
+          <pc:sldMk cId="1766398398" sldId="281"/>
+        </pc:sldMkLst>
+      </pc:sldChg>
+      <pc:sldChg chg="modSp add mod">
+        <pc:chgData name="Bashevkin, Sam@Waterboards" userId="3bbd751a-1197-4c9f-9d8a-7d2daedf8e41" providerId="ADAL" clId="{581CB9D6-C3A5-4C66-9600-C748D3734EC5}" dt="2024-04-05T21:34:53.362" v="23" actId="20577"/>
+        <pc:sldMkLst>
+          <pc:docMk/>
+          <pc:sldMk cId="1583427394" sldId="282"/>
+        </pc:sldMkLst>
+        <pc:spChg chg="mod">
+          <ac:chgData name="Bashevkin, Sam@Waterboards" userId="3bbd751a-1197-4c9f-9d8a-7d2daedf8e41" providerId="ADAL" clId="{581CB9D6-C3A5-4C66-9600-C748D3734EC5}" dt="2024-04-05T21:34:53.362" v="23" actId="20577"/>
+          <ac:spMkLst>
+            <pc:docMk/>
+            <pc:sldMk cId="1583427394" sldId="282"/>
+            <ac:spMk id="2" creationId="{2147F611-EEEC-FFDA-28D3-FCA857DA9A5B}"/>
+          </ac:spMkLst>
+        </pc:spChg>
+      </pc:sldChg>
+      <pc:sldChg chg="modSp add mod">
+        <pc:chgData name="Bashevkin, Sam@Waterboards" userId="3bbd751a-1197-4c9f-9d8a-7d2daedf8e41" providerId="ADAL" clId="{581CB9D6-C3A5-4C66-9600-C748D3734EC5}" dt="2024-04-05T21:35:34.376" v="52" actId="20577"/>
+        <pc:sldMkLst>
+          <pc:docMk/>
+          <pc:sldMk cId="2709458639" sldId="283"/>
+        </pc:sldMkLst>
+        <pc:spChg chg="mod">
+          <ac:chgData name="Bashevkin, Sam@Waterboards" userId="3bbd751a-1197-4c9f-9d8a-7d2daedf8e41" providerId="ADAL" clId="{581CB9D6-C3A5-4C66-9600-C748D3734EC5}" dt="2024-04-05T21:35:34.376" v="52" actId="20577"/>
+          <ac:spMkLst>
+            <pc:docMk/>
+            <pc:sldMk cId="2709458639" sldId="283"/>
+            <ac:spMk id="2" creationId="{DC8DD6D4-AC12-72CD-C8DA-DD1841789C02}"/>
+          </ac:spMkLst>
+        </pc:spChg>
+      </pc:sldChg>
+    </pc:docChg>
+  </pc:docChgLst>
 </pc:chgInfo>
 </file>
 
@@ -1136,7 +1455,7 @@
           <a:p>
             <a:fld id="{6DC5377E-DBF4-46E8-BF2B-64200EBDDCB1}" type="datetimeFigureOut">
               <a:rPr lang="en-US" smtClean="0"/>
-              <a:t>3/15/2024</a:t>
+              <a:t>4/18/2024</a:t>
             </a:fld>
             <a:endParaRPr lang="en-US"/>
           </a:p>
@@ -1471,7 +1790,7 @@
           <a:p>
             <a:fld id="{9F5DAA9B-C29E-4F15-A6CF-A9FF2F3E6821}" type="slidenum">
               <a:rPr lang="en-US" smtClean="0"/>
-              <a:t>6</a:t>
+              <a:t>7</a:t>
             </a:fld>
             <a:endParaRPr lang="en-US"/>
           </a:p>
@@ -1555,7 +1874,7 @@
           <a:p>
             <a:fld id="{9F5DAA9B-C29E-4F15-A6CF-A9FF2F3E6821}" type="slidenum">
               <a:rPr lang="en-US" smtClean="0"/>
-              <a:t>9</a:t>
+              <a:t>10</a:t>
             </a:fld>
             <a:endParaRPr lang="en-US"/>
           </a:p>
@@ -1642,7 +1961,7 @@
           <a:p>
             <a:fld id="{9F5DAA9B-C29E-4F15-A6CF-A9FF2F3E6821}" type="slidenum">
               <a:rPr lang="en-US" smtClean="0"/>
-              <a:t>14</a:t>
+              <a:t>16</a:t>
             </a:fld>
             <a:endParaRPr lang="en-US"/>
           </a:p>
@@ -1729,7 +2048,7 @@
           <a:p>
             <a:fld id="{9F5DAA9B-C29E-4F15-A6CF-A9FF2F3E6821}" type="slidenum">
               <a:rPr lang="en-US" smtClean="0"/>
-              <a:t>15</a:t>
+              <a:t>17</a:t>
             </a:fld>
             <a:endParaRPr lang="en-US"/>
           </a:p>
@@ -1813,7 +2132,7 @@
           <a:p>
             <a:fld id="{9F5DAA9B-C29E-4F15-A6CF-A9FF2F3E6821}" type="slidenum">
               <a:rPr lang="en-US" smtClean="0"/>
-              <a:t>19</a:t>
+              <a:t>21</a:t>
             </a:fld>
             <a:endParaRPr lang="en-US"/>
           </a:p>
@@ -1963,7 +2282,7 @@
           <a:p>
             <a:fld id="{88E66D42-A51D-4EDB-82DB-249EF4582E0B}" type="datetimeFigureOut">
               <a:rPr lang="en-US" smtClean="0"/>
-              <a:t>3/15/2024</a:t>
+              <a:t>4/18/2024</a:t>
             </a:fld>
             <a:endParaRPr lang="en-US"/>
           </a:p>
@@ -2133,7 +2452,7 @@
           <a:p>
             <a:fld id="{88E66D42-A51D-4EDB-82DB-249EF4582E0B}" type="datetimeFigureOut">
               <a:rPr lang="en-US" smtClean="0"/>
-              <a:t>3/15/2024</a:t>
+              <a:t>4/18/2024</a:t>
             </a:fld>
             <a:endParaRPr lang="en-US"/>
           </a:p>
@@ -2313,7 +2632,7 @@
           <a:p>
             <a:fld id="{88E66D42-A51D-4EDB-82DB-249EF4582E0B}" type="datetimeFigureOut">
               <a:rPr lang="en-US" smtClean="0"/>
-              <a:t>3/15/2024</a:t>
+              <a:t>4/18/2024</a:t>
             </a:fld>
             <a:endParaRPr lang="en-US"/>
           </a:p>
@@ -2483,7 +2802,7 @@
           <a:p>
             <a:fld id="{88E66D42-A51D-4EDB-82DB-249EF4582E0B}" type="datetimeFigureOut">
               <a:rPr lang="en-US" smtClean="0"/>
-              <a:t>3/15/2024</a:t>
+              <a:t>4/18/2024</a:t>
             </a:fld>
             <a:endParaRPr lang="en-US"/>
           </a:p>
@@ -2727,7 +3046,7 @@
           <a:p>
             <a:fld id="{88E66D42-A51D-4EDB-82DB-249EF4582E0B}" type="datetimeFigureOut">
               <a:rPr lang="en-US" smtClean="0"/>
-              <a:t>3/15/2024</a:t>
+              <a:t>4/18/2024</a:t>
             </a:fld>
             <a:endParaRPr lang="en-US"/>
           </a:p>
@@ -2959,7 +3278,7 @@
           <a:p>
             <a:fld id="{88E66D42-A51D-4EDB-82DB-249EF4582E0B}" type="datetimeFigureOut">
               <a:rPr lang="en-US" smtClean="0"/>
-              <a:t>3/15/2024</a:t>
+              <a:t>4/18/2024</a:t>
             </a:fld>
             <a:endParaRPr lang="en-US"/>
           </a:p>
@@ -3326,7 +3645,7 @@
           <a:p>
             <a:fld id="{88E66D42-A51D-4EDB-82DB-249EF4582E0B}" type="datetimeFigureOut">
               <a:rPr lang="en-US" smtClean="0"/>
-              <a:t>3/15/2024</a:t>
+              <a:t>4/18/2024</a:t>
             </a:fld>
             <a:endParaRPr lang="en-US"/>
           </a:p>
@@ -3444,7 +3763,7 @@
           <a:p>
             <a:fld id="{88E66D42-A51D-4EDB-82DB-249EF4582E0B}" type="datetimeFigureOut">
               <a:rPr lang="en-US" smtClean="0"/>
-              <a:t>3/15/2024</a:t>
+              <a:t>4/18/2024</a:t>
             </a:fld>
             <a:endParaRPr lang="en-US"/>
           </a:p>
@@ -3539,7 +3858,7 @@
           <a:p>
             <a:fld id="{88E66D42-A51D-4EDB-82DB-249EF4582E0B}" type="datetimeFigureOut">
               <a:rPr lang="en-US" smtClean="0"/>
-              <a:t>3/15/2024</a:t>
+              <a:t>4/18/2024</a:t>
             </a:fld>
             <a:endParaRPr lang="en-US"/>
           </a:p>
@@ -3816,7 +4135,7 @@
           <a:p>
             <a:fld id="{88E66D42-A51D-4EDB-82DB-249EF4582E0B}" type="datetimeFigureOut">
               <a:rPr lang="en-US" smtClean="0"/>
-              <a:t>3/15/2024</a:t>
+              <a:t>4/18/2024</a:t>
             </a:fld>
             <a:endParaRPr lang="en-US"/>
           </a:p>
@@ -4073,7 +4392,7 @@
           <a:p>
             <a:fld id="{88E66D42-A51D-4EDB-82DB-249EF4582E0B}" type="datetimeFigureOut">
               <a:rPr lang="en-US" smtClean="0"/>
-              <a:t>3/15/2024</a:t>
+              <a:t>4/18/2024</a:t>
             </a:fld>
             <a:endParaRPr lang="en-US"/>
           </a:p>
@@ -4286,7 +4605,7 @@
           <a:p>
             <a:fld id="{88E66D42-A51D-4EDB-82DB-249EF4582E0B}" type="datetimeFigureOut">
               <a:rPr lang="en-US" smtClean="0"/>
-              <a:t>3/15/2024</a:t>
+              <a:t>4/18/2024</a:t>
             </a:fld>
             <a:endParaRPr lang="en-US"/>
           </a:p>
@@ -4849,6 +5168,174 @@
         </p:nvSpPr>
         <p:spPr>
           <a:xfrm>
+            <a:off x="327639" y="0"/>
+            <a:ext cx="7886700" cy="1325563"/>
+          </a:xfrm>
+        </p:spPr>
+        <p:txBody>
+          <a:bodyPr/>
+          <a:lstStyle/>
+          <a:p>
+            <a:r>
+              <a:rPr lang="en-US" dirty="0"/>
+              <a:t>Shiny mechanics</a:t>
+            </a:r>
+          </a:p>
+        </p:txBody>
+      </p:sp>
+      <p:pic>
+        <p:nvPicPr>
+          <p:cNvPr id="6" name="Picture 5">
+            <a:extLst>
+              <a:ext uri="{FF2B5EF4-FFF2-40B4-BE49-F238E27FC236}">
+                <a16:creationId xmlns:a16="http://schemas.microsoft.com/office/drawing/2014/main" id="{10B3F582-EA88-4585-B5C4-AEBA6B84B739}"/>
+              </a:ext>
+            </a:extLst>
+          </p:cNvPr>
+          <p:cNvPicPr>
+            <a:picLocks noChangeAspect="1"/>
+          </p:cNvPicPr>
+          <p:nvPr/>
+        </p:nvPicPr>
+        <p:blipFill>
+          <a:blip r:embed="rId3">
+            <a:extLst>
+              <a:ext uri="{28A0092B-C50C-407E-A947-70E740481C1C}">
+                <a14:useLocalDpi xmlns:a14="http://schemas.microsoft.com/office/drawing/2010/main" val="0"/>
+              </a:ext>
+            </a:extLst>
+          </a:blip>
+          <a:stretch>
+            <a:fillRect/>
+          </a:stretch>
+        </p:blipFill>
+        <p:spPr>
+          <a:xfrm>
+            <a:off x="7568979" y="0"/>
+            <a:ext cx="1575021" cy="1825625"/>
+          </a:xfrm>
+          <a:prstGeom prst="rect">
+            <a:avLst/>
+          </a:prstGeom>
+        </p:spPr>
+      </p:pic>
+      <p:pic>
+        <p:nvPicPr>
+          <p:cNvPr id="8" name="Content Placeholder 7">
+            <a:extLst>
+              <a:ext uri="{FF2B5EF4-FFF2-40B4-BE49-F238E27FC236}">
+                <a16:creationId xmlns:a16="http://schemas.microsoft.com/office/drawing/2014/main" id="{D1F52C72-1968-40FA-9E26-0CBD4EB01FC2}"/>
+              </a:ext>
+            </a:extLst>
+          </p:cNvPr>
+          <p:cNvPicPr>
+            <a:picLocks noGrp="1" noChangeAspect="1"/>
+          </p:cNvPicPr>
+          <p:nvPr>
+            <p:ph idx="1"/>
+          </p:nvPr>
+        </p:nvPicPr>
+        <p:blipFill rotWithShape="1">
+          <a:blip r:embed="rId4">
+            <a:extLst>
+              <a:ext uri="{28A0092B-C50C-407E-A947-70E740481C1C}">
+                <a14:useLocalDpi xmlns:a14="http://schemas.microsoft.com/office/drawing/2010/main" val="0"/>
+              </a:ext>
+            </a:extLst>
+          </a:blip>
+          <a:srcRect l="-619" t="19556" r="18584" b="34957"/>
+          <a:stretch/>
+        </p:blipFill>
+        <p:spPr>
+          <a:xfrm>
+            <a:off x="745756" y="2108624"/>
+            <a:ext cx="6961257" cy="4749376"/>
+          </a:xfrm>
+        </p:spPr>
+      </p:pic>
+      <p:sp>
+        <p:nvSpPr>
+          <p:cNvPr id="21" name="TextBox 20">
+            <a:extLst>
+              <a:ext uri="{FF2B5EF4-FFF2-40B4-BE49-F238E27FC236}">
+                <a16:creationId xmlns:a16="http://schemas.microsoft.com/office/drawing/2014/main" id="{EAD80F62-796E-4CC2-8456-ABAAC6645F8A}"/>
+              </a:ext>
+            </a:extLst>
+          </p:cNvPr>
+          <p:cNvSpPr txBox="1"/>
+          <p:nvPr/>
+        </p:nvSpPr>
+        <p:spPr>
+          <a:xfrm>
+            <a:off x="440881" y="1136127"/>
+            <a:ext cx="7014857" cy="830997"/>
+          </a:xfrm>
+          <a:prstGeom prst="rect">
+            <a:avLst/>
+          </a:prstGeom>
+          <a:noFill/>
+        </p:spPr>
+        <p:txBody>
+          <a:bodyPr wrap="square" rtlCol="0">
+            <a:spAutoFit/>
+          </a:bodyPr>
+          <a:lstStyle/>
+          <a:p>
+            <a:r>
+              <a:rPr lang="en-US" sz="2400" dirty="0"/>
+              <a:t>The UI portion is analogous to a list of user-viewable components, wrapped in functions to set the layout</a:t>
+            </a:r>
+          </a:p>
+        </p:txBody>
+      </p:sp>
+    </p:spTree>
+    <p:extLst>
+      <p:ext uri="{BB962C8B-B14F-4D97-AF65-F5344CB8AC3E}">
+        <p14:creationId xmlns:p14="http://schemas.microsoft.com/office/powerpoint/2010/main" val="3091087595"/>
+      </p:ext>
+    </p:extLst>
+  </p:cSld>
+  <p:clrMapOvr>
+    <a:masterClrMapping/>
+  </p:clrMapOvr>
+</p:sld>
+</file>
+
+<file path=ppt/slides/slide11.xml><?xml version="1.0" encoding="utf-8"?>
+<p:sld xmlns:a="http://schemas.openxmlformats.org/drawingml/2006/main" xmlns:r="http://schemas.openxmlformats.org/officeDocument/2006/relationships" xmlns:p="http://schemas.openxmlformats.org/presentationml/2006/main">
+  <p:cSld>
+    <p:spTree>
+      <p:nvGrpSpPr>
+        <p:cNvPr id="1" name=""/>
+        <p:cNvGrpSpPr/>
+        <p:nvPr/>
+      </p:nvGrpSpPr>
+      <p:grpSpPr>
+        <a:xfrm>
+          <a:off x="0" y="0"/>
+          <a:ext cx="0" cy="0"/>
+          <a:chOff x="0" y="0"/>
+          <a:chExt cx="0" cy="0"/>
+        </a:xfrm>
+      </p:grpSpPr>
+      <p:sp>
+        <p:nvSpPr>
+          <p:cNvPr id="2" name="Title 1">
+            <a:extLst>
+              <a:ext uri="{FF2B5EF4-FFF2-40B4-BE49-F238E27FC236}">
+                <a16:creationId xmlns:a16="http://schemas.microsoft.com/office/drawing/2014/main" id="{58C3FF1C-5D28-4691-A6F9-6CC296E9F546}"/>
+              </a:ext>
+            </a:extLst>
+          </p:cNvPr>
+          <p:cNvSpPr>
+            <a:spLocks noGrp="1"/>
+          </p:cNvSpPr>
+          <p:nvPr>
+            <p:ph type="title"/>
+          </p:nvPr>
+        </p:nvSpPr>
+        <p:spPr>
+          <a:xfrm>
             <a:off x="186197" y="-5389"/>
             <a:ext cx="7886700" cy="1325563"/>
           </a:xfrm>
@@ -4949,7 +5436,7 @@
         <p:spPr>
           <a:xfrm>
             <a:off x="6376770" y="1869716"/>
-            <a:ext cx="2902482" cy="1815882"/>
+            <a:ext cx="2603746" cy="1815882"/>
           </a:xfrm>
           <a:prstGeom prst="rect">
             <a:avLst/>
@@ -5499,7 +5986,7 @@
         <p:spPr>
           <a:xfrm flipH="1" flipV="1">
             <a:off x="2736376" y="1393843"/>
-            <a:ext cx="3640394" cy="1383814"/>
+            <a:ext cx="3640394" cy="1368509"/>
           </a:xfrm>
           <a:prstGeom prst="straightConnector1">
             <a:avLst/>
@@ -5536,169 +6023,6 @@
 </p:sld>
 </file>
 
-<file path=ppt/slides/slide11.xml><?xml version="1.0" encoding="utf-8"?>
-<p:sld xmlns:a="http://schemas.openxmlformats.org/drawingml/2006/main" xmlns:r="http://schemas.openxmlformats.org/officeDocument/2006/relationships" xmlns:p="http://schemas.openxmlformats.org/presentationml/2006/main">
-  <p:cSld>
-    <p:spTree>
-      <p:nvGrpSpPr>
-        <p:cNvPr id="1" name=""/>
-        <p:cNvGrpSpPr/>
-        <p:nvPr/>
-      </p:nvGrpSpPr>
-      <p:grpSpPr>
-        <a:xfrm>
-          <a:off x="0" y="0"/>
-          <a:ext cx="0" cy="0"/>
-          <a:chOff x="0" y="0"/>
-          <a:chExt cx="0" cy="0"/>
-        </a:xfrm>
-      </p:grpSpPr>
-      <p:sp>
-        <p:nvSpPr>
-          <p:cNvPr id="2" name="Title 1">
-            <a:extLst>
-              <a:ext uri="{FF2B5EF4-FFF2-40B4-BE49-F238E27FC236}">
-                <a16:creationId xmlns:a16="http://schemas.microsoft.com/office/drawing/2014/main" id="{58C3FF1C-5D28-4691-A6F9-6CC296E9F546}"/>
-              </a:ext>
-            </a:extLst>
-          </p:cNvPr>
-          <p:cNvSpPr>
-            <a:spLocks noGrp="1"/>
-          </p:cNvSpPr>
-          <p:nvPr>
-            <p:ph type="title"/>
-          </p:nvPr>
-        </p:nvSpPr>
-        <p:spPr/>
-        <p:txBody>
-          <a:bodyPr/>
-          <a:lstStyle/>
-          <a:p>
-            <a:r>
-              <a:rPr lang="en-US" dirty="0"/>
-              <a:t>Shiny mechanics</a:t>
-            </a:r>
-          </a:p>
-        </p:txBody>
-      </p:sp>
-      <p:pic>
-        <p:nvPicPr>
-          <p:cNvPr id="6" name="Picture 5">
-            <a:extLst>
-              <a:ext uri="{FF2B5EF4-FFF2-40B4-BE49-F238E27FC236}">
-                <a16:creationId xmlns:a16="http://schemas.microsoft.com/office/drawing/2014/main" id="{10B3F582-EA88-4585-B5C4-AEBA6B84B739}"/>
-              </a:ext>
-            </a:extLst>
-          </p:cNvPr>
-          <p:cNvPicPr>
-            <a:picLocks noChangeAspect="1"/>
-          </p:cNvPicPr>
-          <p:nvPr/>
-        </p:nvPicPr>
-        <p:blipFill>
-          <a:blip r:embed="rId2">
-            <a:extLst>
-              <a:ext uri="{28A0092B-C50C-407E-A947-70E740481C1C}">
-                <a14:useLocalDpi xmlns:a14="http://schemas.microsoft.com/office/drawing/2010/main" val="0"/>
-              </a:ext>
-            </a:extLst>
-          </a:blip>
-          <a:stretch>
-            <a:fillRect/>
-          </a:stretch>
-        </p:blipFill>
-        <p:spPr>
-          <a:xfrm>
-            <a:off x="7568979" y="0"/>
-            <a:ext cx="1575021" cy="1825625"/>
-          </a:xfrm>
-          <a:prstGeom prst="rect">
-            <a:avLst/>
-          </a:prstGeom>
-        </p:spPr>
-      </p:pic>
-      <p:pic>
-        <p:nvPicPr>
-          <p:cNvPr id="8" name="Content Placeholder 7">
-            <a:extLst>
-              <a:ext uri="{FF2B5EF4-FFF2-40B4-BE49-F238E27FC236}">
-                <a16:creationId xmlns:a16="http://schemas.microsoft.com/office/drawing/2014/main" id="{D1F52C72-1968-40FA-9E26-0CBD4EB01FC2}"/>
-              </a:ext>
-            </a:extLst>
-          </p:cNvPr>
-          <p:cNvPicPr>
-            <a:picLocks noGrp="1" noChangeAspect="1"/>
-          </p:cNvPicPr>
-          <p:nvPr>
-            <p:ph idx="1"/>
-          </p:nvPr>
-        </p:nvPicPr>
-        <p:blipFill rotWithShape="1">
-          <a:blip r:embed="rId3">
-            <a:extLst>
-              <a:ext uri="{28A0092B-C50C-407E-A947-70E740481C1C}">
-                <a14:useLocalDpi xmlns:a14="http://schemas.microsoft.com/office/drawing/2010/main" val="0"/>
-              </a:ext>
-            </a:extLst>
-          </a:blip>
-          <a:srcRect t="66135" b="9720"/>
-          <a:stretch/>
-        </p:blipFill>
-        <p:spPr>
-          <a:xfrm>
-            <a:off x="144495" y="3486828"/>
-            <a:ext cx="8855010" cy="2630733"/>
-          </a:xfrm>
-        </p:spPr>
-      </p:pic>
-      <p:sp>
-        <p:nvSpPr>
-          <p:cNvPr id="21" name="TextBox 20">
-            <a:extLst>
-              <a:ext uri="{FF2B5EF4-FFF2-40B4-BE49-F238E27FC236}">
-                <a16:creationId xmlns:a16="http://schemas.microsoft.com/office/drawing/2014/main" id="{EAD80F62-796E-4CC2-8456-ABAAC6645F8A}"/>
-              </a:ext>
-            </a:extLst>
-          </p:cNvPr>
-          <p:cNvSpPr txBox="1"/>
-          <p:nvPr/>
-        </p:nvSpPr>
-        <p:spPr>
-          <a:xfrm>
-            <a:off x="348018" y="1825625"/>
-            <a:ext cx="7886700" cy="954107"/>
-          </a:xfrm>
-          <a:prstGeom prst="rect">
-            <a:avLst/>
-          </a:prstGeom>
-          <a:noFill/>
-        </p:spPr>
-        <p:txBody>
-          <a:bodyPr wrap="square" rtlCol="0">
-            <a:spAutoFit/>
-          </a:bodyPr>
-          <a:lstStyle/>
-          <a:p>
-            <a:r>
-              <a:rPr lang="en-US" sz="2800" dirty="0"/>
-              <a:t>The server portion is analogous to a series of functions with the inputs from the UI as arguments</a:t>
-            </a:r>
-          </a:p>
-        </p:txBody>
-      </p:sp>
-    </p:spTree>
-    <p:extLst>
-      <p:ext uri="{BB962C8B-B14F-4D97-AF65-F5344CB8AC3E}">
-        <p14:creationId xmlns:p14="http://schemas.microsoft.com/office/powerpoint/2010/main" val="3581144118"/>
-      </p:ext>
-    </p:extLst>
-  </p:cSld>
-  <p:clrMapOvr>
-    <a:masterClrMapping/>
-  </p:clrMapOvr>
-</p:sld>
-</file>
-
 <file path=ppt/slides/slide12.xml><?xml version="1.0" encoding="utf-8"?>
 <p:sld xmlns:a="http://schemas.openxmlformats.org/drawingml/2006/main" xmlns:r="http://schemas.openxmlformats.org/officeDocument/2006/relationships" xmlns:p="http://schemas.openxmlformats.org/presentationml/2006/main">
   <p:cSld>
@@ -5721,7 +6045,7 @@
           <p:cNvPr id="2" name="Title 1">
             <a:extLst>
               <a:ext uri="{FF2B5EF4-FFF2-40B4-BE49-F238E27FC236}">
-                <a16:creationId xmlns:a16="http://schemas.microsoft.com/office/drawing/2014/main" id="{2147F611-EEEC-FFDA-28D3-FCA857DA9A5B}"/>
+                <a16:creationId xmlns:a16="http://schemas.microsoft.com/office/drawing/2014/main" id="{58C3FF1C-5D28-4691-A6F9-6CC296E9F546}"/>
               </a:ext>
             </a:extLst>
           </p:cNvPr>
@@ -5739,17 +6063,17 @@
           <a:p>
             <a:r>
               <a:rPr lang="en-US" dirty="0"/>
-              <a:t>So what does this app look like?</a:t>
+              <a:t>Shiny mechanics</a:t>
             </a:r>
           </a:p>
         </p:txBody>
       </p:sp>
       <p:pic>
         <p:nvPicPr>
-          <p:cNvPr id="5" name="Picture 4">
+          <p:cNvPr id="6" name="Picture 5">
             <a:extLst>
               <a:ext uri="{FF2B5EF4-FFF2-40B4-BE49-F238E27FC236}">
-                <a16:creationId xmlns:a16="http://schemas.microsoft.com/office/drawing/2014/main" id="{08B1B095-3E7C-4FAE-59DD-31A60A7192EA}"/>
+                <a16:creationId xmlns:a16="http://schemas.microsoft.com/office/drawing/2014/main" id="{10B3F582-EA88-4585-B5C4-AEBA6B84B739}"/>
               </a:ext>
             </a:extLst>
           </p:cNvPr>
@@ -5759,25 +6083,100 @@
           <p:nvPr/>
         </p:nvPicPr>
         <p:blipFill>
-          <a:blip r:embed="rId2"/>
+          <a:blip r:embed="rId2">
+            <a:extLst>
+              <a:ext uri="{28A0092B-C50C-407E-A947-70E740481C1C}">
+                <a14:useLocalDpi xmlns:a14="http://schemas.microsoft.com/office/drawing/2010/main" val="0"/>
+              </a:ext>
+            </a:extLst>
+          </a:blip>
           <a:stretch>
             <a:fillRect/>
           </a:stretch>
         </p:blipFill>
         <p:spPr>
           <a:xfrm>
-            <a:off x="628650" y="1543373"/>
-            <a:ext cx="7983064" cy="4801270"/>
+            <a:off x="7568979" y="0"/>
+            <a:ext cx="1575021" cy="1825625"/>
           </a:xfrm>
           <a:prstGeom prst="rect">
             <a:avLst/>
           </a:prstGeom>
         </p:spPr>
       </p:pic>
+      <p:pic>
+        <p:nvPicPr>
+          <p:cNvPr id="8" name="Content Placeholder 7">
+            <a:extLst>
+              <a:ext uri="{FF2B5EF4-FFF2-40B4-BE49-F238E27FC236}">
+                <a16:creationId xmlns:a16="http://schemas.microsoft.com/office/drawing/2014/main" id="{D1F52C72-1968-40FA-9E26-0CBD4EB01FC2}"/>
+              </a:ext>
+            </a:extLst>
+          </p:cNvPr>
+          <p:cNvPicPr>
+            <a:picLocks noGrp="1" noChangeAspect="1"/>
+          </p:cNvPicPr>
+          <p:nvPr>
+            <p:ph idx="1"/>
+          </p:nvPr>
+        </p:nvPicPr>
+        <p:blipFill rotWithShape="1">
+          <a:blip r:embed="rId3">
+            <a:extLst>
+              <a:ext uri="{28A0092B-C50C-407E-A947-70E740481C1C}">
+                <a14:useLocalDpi xmlns:a14="http://schemas.microsoft.com/office/drawing/2010/main" val="0"/>
+              </a:ext>
+            </a:extLst>
+          </a:blip>
+          <a:srcRect t="66135" b="9720"/>
+          <a:stretch/>
+        </p:blipFill>
+        <p:spPr>
+          <a:xfrm>
+            <a:off x="144495" y="3486828"/>
+            <a:ext cx="8855010" cy="2630733"/>
+          </a:xfrm>
+        </p:spPr>
+      </p:pic>
+      <p:sp>
+        <p:nvSpPr>
+          <p:cNvPr id="21" name="TextBox 20">
+            <a:extLst>
+              <a:ext uri="{FF2B5EF4-FFF2-40B4-BE49-F238E27FC236}">
+                <a16:creationId xmlns:a16="http://schemas.microsoft.com/office/drawing/2014/main" id="{EAD80F62-796E-4CC2-8456-ABAAC6645F8A}"/>
+              </a:ext>
+            </a:extLst>
+          </p:cNvPr>
+          <p:cNvSpPr txBox="1"/>
+          <p:nvPr/>
+        </p:nvSpPr>
+        <p:spPr>
+          <a:xfrm>
+            <a:off x="348018" y="1825625"/>
+            <a:ext cx="7886700" cy="954107"/>
+          </a:xfrm>
+          <a:prstGeom prst="rect">
+            <a:avLst/>
+          </a:prstGeom>
+          <a:noFill/>
+        </p:spPr>
+        <p:txBody>
+          <a:bodyPr wrap="square" rtlCol="0">
+            <a:spAutoFit/>
+          </a:bodyPr>
+          <a:lstStyle/>
+          <a:p>
+            <a:r>
+              <a:rPr lang="en-US" sz="2800" dirty="0"/>
+              <a:t>The server portion is analogous to a series of functions with the inputs from the UI as arguments</a:t>
+            </a:r>
+          </a:p>
+        </p:txBody>
+      </p:sp>
     </p:spTree>
     <p:extLst>
       <p:ext uri="{BB962C8B-B14F-4D97-AF65-F5344CB8AC3E}">
-        <p14:creationId xmlns:p14="http://schemas.microsoft.com/office/powerpoint/2010/main" val="2791008325"/>
+        <p14:creationId xmlns:p14="http://schemas.microsoft.com/office/powerpoint/2010/main" val="3581144118"/>
       </p:ext>
     </p:extLst>
   </p:cSld>
@@ -5809,7 +6208,7 @@
           <p:cNvPr id="2" name="Title 1">
             <a:extLst>
               <a:ext uri="{FF2B5EF4-FFF2-40B4-BE49-F238E27FC236}">
-                <a16:creationId xmlns:a16="http://schemas.microsoft.com/office/drawing/2014/main" id="{58C3FF1C-5D28-4691-A6F9-6CC296E9F546}"/>
+                <a16:creationId xmlns:a16="http://schemas.microsoft.com/office/drawing/2014/main" id="{2147F611-EEEC-FFDA-28D3-FCA857DA9A5B}"/>
               </a:ext>
             </a:extLst>
           </p:cNvPr>
@@ -5827,17 +6226,17 @@
           <a:p>
             <a:r>
               <a:rPr lang="en-US" dirty="0"/>
-              <a:t>More complex functionality</a:t>
+              <a:t>Basic shiny app</a:t>
             </a:r>
           </a:p>
         </p:txBody>
       </p:sp>
       <p:pic>
         <p:nvPicPr>
-          <p:cNvPr id="6" name="Picture 5">
+          <p:cNvPr id="5" name="Picture 4">
             <a:extLst>
               <a:ext uri="{FF2B5EF4-FFF2-40B4-BE49-F238E27FC236}">
-                <a16:creationId xmlns:a16="http://schemas.microsoft.com/office/drawing/2014/main" id="{10B3F582-EA88-4585-B5C4-AEBA6B84B739}"/>
+                <a16:creationId xmlns:a16="http://schemas.microsoft.com/office/drawing/2014/main" id="{08B1B095-3E7C-4FAE-59DD-31A60A7192EA}"/>
               </a:ext>
             </a:extLst>
           </p:cNvPr>
@@ -5847,7 +6246,37 @@
           <p:nvPr/>
         </p:nvPicPr>
         <p:blipFill>
-          <a:blip r:embed="rId2">
+          <a:blip r:embed="rId2"/>
+          <a:stretch>
+            <a:fillRect/>
+          </a:stretch>
+        </p:blipFill>
+        <p:spPr>
+          <a:xfrm>
+            <a:off x="628650" y="1543373"/>
+            <a:ext cx="7983064" cy="4801270"/>
+          </a:xfrm>
+          <a:prstGeom prst="rect">
+            <a:avLst/>
+          </a:prstGeom>
+        </p:spPr>
+      </p:pic>
+      <p:pic>
+        <p:nvPicPr>
+          <p:cNvPr id="3" name="Picture 2">
+            <a:extLst>
+              <a:ext uri="{FF2B5EF4-FFF2-40B4-BE49-F238E27FC236}">
+                <a16:creationId xmlns:a16="http://schemas.microsoft.com/office/drawing/2014/main" id="{2422E556-E15A-4FCC-34B7-54557CB3AD12}"/>
+              </a:ext>
+            </a:extLst>
+          </p:cNvPr>
+          <p:cNvPicPr>
+            <a:picLocks noChangeAspect="1"/>
+          </p:cNvPicPr>
+          <p:nvPr/>
+        </p:nvPicPr>
+        <p:blipFill>
+          <a:blip r:embed="rId3">
             <a:extLst>
               <a:ext uri="{28A0092B-C50C-407E-A947-70E740481C1C}">
                 <a14:useLocalDpi xmlns:a14="http://schemas.microsoft.com/office/drawing/2010/main" val="0"/>
@@ -5868,177 +6297,10 @@
           </a:prstGeom>
         </p:spPr>
       </p:pic>
-      <p:sp>
-        <p:nvSpPr>
-          <p:cNvPr id="18" name="Rectangle 17">
-            <a:extLst>
-              <a:ext uri="{FF2B5EF4-FFF2-40B4-BE49-F238E27FC236}">
-                <a16:creationId xmlns:a16="http://schemas.microsoft.com/office/drawing/2014/main" id="{E0DC6FF9-905D-43CC-8FC7-374558C64173}"/>
-              </a:ext>
-            </a:extLst>
-          </p:cNvPr>
-          <p:cNvSpPr/>
-          <p:nvPr/>
-        </p:nvSpPr>
-        <p:spPr>
-          <a:xfrm>
-            <a:off x="4312429" y="5480500"/>
-            <a:ext cx="814110" cy="241874"/>
-          </a:xfrm>
-          <a:prstGeom prst="rect">
-            <a:avLst/>
-          </a:prstGeom>
-          <a:noFill/>
-          <a:ln w="57150">
-            <a:solidFill>
-              <a:schemeClr val="bg1"/>
-            </a:solidFill>
-          </a:ln>
-        </p:spPr>
-        <p:style>
-          <a:lnRef idx="2">
-            <a:schemeClr val="accent1">
-              <a:shade val="50000"/>
-            </a:schemeClr>
-          </a:lnRef>
-          <a:fillRef idx="1">
-            <a:schemeClr val="accent1"/>
-          </a:fillRef>
-          <a:effectRef idx="0">
-            <a:schemeClr val="accent1"/>
-          </a:effectRef>
-          <a:fontRef idx="minor">
-            <a:schemeClr val="lt1"/>
-          </a:fontRef>
-        </p:style>
-        <p:txBody>
-          <a:bodyPr rtlCol="0" anchor="ctr"/>
-          <a:lstStyle/>
-          <a:p>
-            <a:pPr algn="ctr"/>
-            <a:endParaRPr lang="en-US"/>
-          </a:p>
-        </p:txBody>
-      </p:sp>
-      <p:sp>
-        <p:nvSpPr>
-          <p:cNvPr id="24" name="Rectangle 23">
-            <a:extLst>
-              <a:ext uri="{FF2B5EF4-FFF2-40B4-BE49-F238E27FC236}">
-                <a16:creationId xmlns:a16="http://schemas.microsoft.com/office/drawing/2014/main" id="{B84408E2-BF1F-4BF9-A898-6503FB6EF143}"/>
-              </a:ext>
-            </a:extLst>
-          </p:cNvPr>
-          <p:cNvSpPr/>
-          <p:nvPr/>
-        </p:nvSpPr>
-        <p:spPr>
-          <a:xfrm>
-            <a:off x="2476747" y="2721559"/>
-            <a:ext cx="531924" cy="241874"/>
-          </a:xfrm>
-          <a:prstGeom prst="rect">
-            <a:avLst/>
-          </a:prstGeom>
-          <a:noFill/>
-          <a:ln w="57150">
-            <a:solidFill>
-              <a:schemeClr val="bg1"/>
-            </a:solidFill>
-          </a:ln>
-        </p:spPr>
-        <p:style>
-          <a:lnRef idx="2">
-            <a:schemeClr val="accent1">
-              <a:shade val="50000"/>
-            </a:schemeClr>
-          </a:lnRef>
-          <a:fillRef idx="1">
-            <a:schemeClr val="accent1"/>
-          </a:fillRef>
-          <a:effectRef idx="0">
-            <a:schemeClr val="accent1"/>
-          </a:effectRef>
-          <a:fontRef idx="minor">
-            <a:schemeClr val="lt1"/>
-          </a:fontRef>
-        </p:style>
-        <p:txBody>
-          <a:bodyPr rtlCol="0" anchor="ctr"/>
-          <a:lstStyle/>
-          <a:p>
-            <a:pPr algn="ctr"/>
-            <a:endParaRPr lang="en-US"/>
-          </a:p>
-        </p:txBody>
-      </p:sp>
-      <p:sp>
-        <p:nvSpPr>
-          <p:cNvPr id="4" name="Content Placeholder 3">
-            <a:extLst>
-              <a:ext uri="{FF2B5EF4-FFF2-40B4-BE49-F238E27FC236}">
-                <a16:creationId xmlns:a16="http://schemas.microsoft.com/office/drawing/2014/main" id="{22699B69-C7CA-467F-8F22-2AB1605A8E37}"/>
-              </a:ext>
-            </a:extLst>
-          </p:cNvPr>
-          <p:cNvSpPr>
-            <a:spLocks noGrp="1"/>
-          </p:cNvSpPr>
-          <p:nvPr>
-            <p:ph idx="1"/>
-          </p:nvPr>
-        </p:nvSpPr>
-        <p:spPr>
-          <a:xfrm>
-            <a:off x="628650" y="1690689"/>
-            <a:ext cx="7886700" cy="4351338"/>
-          </a:xfrm>
-        </p:spPr>
-        <p:txBody>
-          <a:bodyPr/>
-          <a:lstStyle/>
-          <a:p>
-            <a:r>
-              <a:rPr lang="en-US" dirty="0"/>
-              <a:t>Use </a:t>
-            </a:r>
-            <a:r>
-              <a:rPr lang="en-US" i="1" dirty="0"/>
-              <a:t>reactive </a:t>
-            </a:r>
-            <a:r>
-              <a:rPr lang="en-US" dirty="0"/>
-              <a:t>to create intermediate values that will be triggered by any change in their dependencies (inputs).</a:t>
-            </a:r>
-          </a:p>
-          <a:p>
-            <a:pPr lvl="1"/>
-            <a:r>
-              <a:rPr lang="en-US" dirty="0"/>
-              <a:t>If you don’t want everything to update as soon as the input changes, you can use </a:t>
-            </a:r>
-            <a:r>
-              <a:rPr lang="en-US" i="1" dirty="0" err="1"/>
-              <a:t>eventReactive</a:t>
-            </a:r>
-            <a:endParaRPr lang="en-US" i="1" dirty="0"/>
-          </a:p>
-          <a:p>
-            <a:pPr lvl="1"/>
-            <a:r>
-              <a:rPr lang="en-US" dirty="0"/>
-              <a:t>Useful when the user must choose multiple inputs and you don’t want a process to trigger until they have made all their selections. </a:t>
-            </a:r>
-          </a:p>
-          <a:p>
-            <a:endParaRPr lang="en-US" dirty="0"/>
-          </a:p>
-        </p:txBody>
-      </p:sp>
     </p:spTree>
     <p:extLst>
       <p:ext uri="{BB962C8B-B14F-4D97-AF65-F5344CB8AC3E}">
-        <p14:creationId xmlns:p14="http://schemas.microsoft.com/office/powerpoint/2010/main" val="4199397869"/>
+        <p14:creationId xmlns:p14="http://schemas.microsoft.com/office/powerpoint/2010/main" val="2791008325"/>
       </p:ext>
     </p:extLst>
   </p:cSld>
@@ -6070,7 +6332,7 @@
           <p:cNvPr id="2" name="Title 1">
             <a:extLst>
               <a:ext uri="{FF2B5EF4-FFF2-40B4-BE49-F238E27FC236}">
-                <a16:creationId xmlns:a16="http://schemas.microsoft.com/office/drawing/2014/main" id="{58C3FF1C-5D28-4691-A6F9-6CC296E9F546}"/>
+                <a16:creationId xmlns:a16="http://schemas.microsoft.com/office/drawing/2014/main" id="{DC8DD6D4-AC12-72CD-C8DA-DD1841789C02}"/>
               </a:ext>
             </a:extLst>
           </p:cNvPr>
@@ -6083,14 +6345,12 @@
         </p:nvSpPr>
         <p:spPr>
           <a:xfrm>
-            <a:off x="98826" y="63863"/>
-            <a:ext cx="7886700" cy="664201"/>
-          </a:xfrm>
-        </p:spPr>
-        <p:txBody>
-          <a:bodyPr>
-            <a:normAutofit fontScale="90000"/>
-          </a:bodyPr>
+            <a:off x="628650" y="365126"/>
+            <a:ext cx="6802164" cy="1325563"/>
+          </a:xfrm>
+        </p:spPr>
+        <p:txBody>
+          <a:bodyPr/>
           <a:lstStyle/>
           <a:p>
             <a:r>
@@ -6102,10 +6362,40 @@
       </p:sp>
       <p:pic>
         <p:nvPicPr>
-          <p:cNvPr id="6" name="Picture 5">
+          <p:cNvPr id="5" name="Picture 4">
             <a:extLst>
               <a:ext uri="{FF2B5EF4-FFF2-40B4-BE49-F238E27FC236}">
-                <a16:creationId xmlns:a16="http://schemas.microsoft.com/office/drawing/2014/main" id="{10B3F582-EA88-4585-B5C4-AEBA6B84B739}"/>
+                <a16:creationId xmlns:a16="http://schemas.microsoft.com/office/drawing/2014/main" id="{34C38248-92E2-A012-0DBE-80DE9AF97A8E}"/>
+              </a:ext>
+            </a:extLst>
+          </p:cNvPr>
+          <p:cNvPicPr>
+            <a:picLocks noChangeAspect="1"/>
+          </p:cNvPicPr>
+          <p:nvPr/>
+        </p:nvPicPr>
+        <p:blipFill>
+          <a:blip r:embed="rId2"/>
+          <a:stretch>
+            <a:fillRect/>
+          </a:stretch>
+        </p:blipFill>
+        <p:spPr>
+          <a:xfrm>
+            <a:off x="565588" y="1690689"/>
+            <a:ext cx="7935432" cy="4810796"/>
+          </a:xfrm>
+          <a:prstGeom prst="rect">
+            <a:avLst/>
+          </a:prstGeom>
+        </p:spPr>
+      </p:pic>
+      <p:pic>
+        <p:nvPicPr>
+          <p:cNvPr id="3" name="Picture 2">
+            <a:extLst>
+              <a:ext uri="{FF2B5EF4-FFF2-40B4-BE49-F238E27FC236}">
+                <a16:creationId xmlns:a16="http://schemas.microsoft.com/office/drawing/2014/main" id="{52B61C4E-C00F-BD10-7C16-24B415C9BC0B}"/>
               </a:ext>
             </a:extLst>
           </p:cNvPr>
@@ -6136,304 +6426,10 @@
           </a:prstGeom>
         </p:spPr>
       </p:pic>
-      <p:sp>
-        <p:nvSpPr>
-          <p:cNvPr id="18" name="Rectangle 17">
-            <a:extLst>
-              <a:ext uri="{FF2B5EF4-FFF2-40B4-BE49-F238E27FC236}">
-                <a16:creationId xmlns:a16="http://schemas.microsoft.com/office/drawing/2014/main" id="{E0DC6FF9-905D-43CC-8FC7-374558C64173}"/>
-              </a:ext>
-            </a:extLst>
-          </p:cNvPr>
-          <p:cNvSpPr/>
-          <p:nvPr/>
-        </p:nvSpPr>
-        <p:spPr>
-          <a:xfrm>
-            <a:off x="4312429" y="5480500"/>
-            <a:ext cx="814110" cy="241874"/>
-          </a:xfrm>
-          <a:prstGeom prst="rect">
-            <a:avLst/>
-          </a:prstGeom>
-          <a:noFill/>
-          <a:ln w="57150">
-            <a:solidFill>
-              <a:schemeClr val="bg1"/>
-            </a:solidFill>
-          </a:ln>
-        </p:spPr>
-        <p:style>
-          <a:lnRef idx="2">
-            <a:schemeClr val="accent1">
-              <a:shade val="50000"/>
-            </a:schemeClr>
-          </a:lnRef>
-          <a:fillRef idx="1">
-            <a:schemeClr val="accent1"/>
-          </a:fillRef>
-          <a:effectRef idx="0">
-            <a:schemeClr val="accent1"/>
-          </a:effectRef>
-          <a:fontRef idx="minor">
-            <a:schemeClr val="lt1"/>
-          </a:fontRef>
-        </p:style>
-        <p:txBody>
-          <a:bodyPr rtlCol="0" anchor="ctr"/>
-          <a:lstStyle/>
-          <a:p>
-            <a:pPr algn="ctr"/>
-            <a:endParaRPr lang="en-US"/>
-          </a:p>
-        </p:txBody>
-      </p:sp>
-      <p:sp>
-        <p:nvSpPr>
-          <p:cNvPr id="24" name="Rectangle 23">
-            <a:extLst>
-              <a:ext uri="{FF2B5EF4-FFF2-40B4-BE49-F238E27FC236}">
-                <a16:creationId xmlns:a16="http://schemas.microsoft.com/office/drawing/2014/main" id="{B84408E2-BF1F-4BF9-A898-6503FB6EF143}"/>
-              </a:ext>
-            </a:extLst>
-          </p:cNvPr>
-          <p:cNvSpPr/>
-          <p:nvPr/>
-        </p:nvSpPr>
-        <p:spPr>
-          <a:xfrm>
-            <a:off x="2476747" y="2721559"/>
-            <a:ext cx="531924" cy="241874"/>
-          </a:xfrm>
-          <a:prstGeom prst="rect">
-            <a:avLst/>
-          </a:prstGeom>
-          <a:noFill/>
-          <a:ln w="57150">
-            <a:solidFill>
-              <a:schemeClr val="bg1"/>
-            </a:solidFill>
-          </a:ln>
-        </p:spPr>
-        <p:style>
-          <a:lnRef idx="2">
-            <a:schemeClr val="accent1">
-              <a:shade val="50000"/>
-            </a:schemeClr>
-          </a:lnRef>
-          <a:fillRef idx="1">
-            <a:schemeClr val="accent1"/>
-          </a:fillRef>
-          <a:effectRef idx="0">
-            <a:schemeClr val="accent1"/>
-          </a:effectRef>
-          <a:fontRef idx="minor">
-            <a:schemeClr val="lt1"/>
-          </a:fontRef>
-        </p:style>
-        <p:txBody>
-          <a:bodyPr rtlCol="0" anchor="ctr"/>
-          <a:lstStyle/>
-          <a:p>
-            <a:pPr algn="ctr"/>
-            <a:endParaRPr lang="en-US"/>
-          </a:p>
-        </p:txBody>
-      </p:sp>
-      <p:pic>
-        <p:nvPicPr>
-          <p:cNvPr id="8" name="Content Placeholder 7">
-            <a:extLst>
-              <a:ext uri="{FF2B5EF4-FFF2-40B4-BE49-F238E27FC236}">
-                <a16:creationId xmlns:a16="http://schemas.microsoft.com/office/drawing/2014/main" id="{B8226D5D-7948-493D-AD8D-81D50C07ABBC}"/>
-              </a:ext>
-            </a:extLst>
-          </p:cNvPr>
-          <p:cNvPicPr>
-            <a:picLocks noGrp="1" noChangeAspect="1"/>
-          </p:cNvPicPr>
-          <p:nvPr>
-            <p:ph idx="1"/>
-          </p:nvPr>
-        </p:nvPicPr>
-        <p:blipFill rotWithShape="1">
-          <a:blip r:embed="rId4">
-            <a:extLst>
-              <a:ext uri="{28A0092B-C50C-407E-A947-70E740481C1C}">
-                <a14:useLocalDpi xmlns:a14="http://schemas.microsoft.com/office/drawing/2010/main" val="0"/>
-              </a:ext>
-            </a:extLst>
-          </a:blip>
-          <a:srcRect b="8193"/>
-          <a:stretch/>
-        </p:blipFill>
-        <p:spPr>
-          <a:xfrm>
-            <a:off x="98825" y="660966"/>
-            <a:ext cx="6311680" cy="6189786"/>
-          </a:xfrm>
-        </p:spPr>
-      </p:pic>
-      <p:sp>
-        <p:nvSpPr>
-          <p:cNvPr id="11" name="Rectangle 10">
-            <a:extLst>
-              <a:ext uri="{FF2B5EF4-FFF2-40B4-BE49-F238E27FC236}">
-                <a16:creationId xmlns:a16="http://schemas.microsoft.com/office/drawing/2014/main" id="{6F4821C7-5507-4CA3-98C9-E66E39553168}"/>
-              </a:ext>
-            </a:extLst>
-          </p:cNvPr>
-          <p:cNvSpPr/>
-          <p:nvPr/>
-        </p:nvSpPr>
-        <p:spPr>
-          <a:xfrm>
-            <a:off x="1301775" y="2814794"/>
-            <a:ext cx="5108729" cy="712827"/>
-          </a:xfrm>
-          <a:prstGeom prst="rect">
-            <a:avLst/>
-          </a:prstGeom>
-          <a:noFill/>
-          <a:ln w="57150">
-            <a:solidFill>
-              <a:schemeClr val="bg1"/>
-            </a:solidFill>
-          </a:ln>
-        </p:spPr>
-        <p:style>
-          <a:lnRef idx="2">
-            <a:schemeClr val="accent1">
-              <a:shade val="50000"/>
-            </a:schemeClr>
-          </a:lnRef>
-          <a:fillRef idx="1">
-            <a:schemeClr val="accent1"/>
-          </a:fillRef>
-          <a:effectRef idx="0">
-            <a:schemeClr val="accent1"/>
-          </a:effectRef>
-          <a:fontRef idx="minor">
-            <a:schemeClr val="lt1"/>
-          </a:fontRef>
-        </p:style>
-        <p:txBody>
-          <a:bodyPr rtlCol="0" anchor="ctr"/>
-          <a:lstStyle/>
-          <a:p>
-            <a:pPr algn="ctr"/>
-            <a:endParaRPr lang="en-US"/>
-          </a:p>
-        </p:txBody>
-      </p:sp>
-      <p:sp>
-        <p:nvSpPr>
-          <p:cNvPr id="12" name="Rectangle 11">
-            <a:extLst>
-              <a:ext uri="{FF2B5EF4-FFF2-40B4-BE49-F238E27FC236}">
-                <a16:creationId xmlns:a16="http://schemas.microsoft.com/office/drawing/2014/main" id="{15FD9DB7-B450-4F0C-AC39-05CF6ABE2006}"/>
-              </a:ext>
-            </a:extLst>
-          </p:cNvPr>
-          <p:cNvSpPr/>
-          <p:nvPr/>
-        </p:nvSpPr>
-        <p:spPr>
-          <a:xfrm>
-            <a:off x="665644" y="5078868"/>
-            <a:ext cx="4154130" cy="1112009"/>
-          </a:xfrm>
-          <a:prstGeom prst="rect">
-            <a:avLst/>
-          </a:prstGeom>
-          <a:noFill/>
-          <a:ln w="57150">
-            <a:solidFill>
-              <a:schemeClr val="bg1"/>
-            </a:solidFill>
-          </a:ln>
-        </p:spPr>
-        <p:style>
-          <a:lnRef idx="2">
-            <a:schemeClr val="accent1">
-              <a:shade val="50000"/>
-            </a:schemeClr>
-          </a:lnRef>
-          <a:fillRef idx="1">
-            <a:schemeClr val="accent1"/>
-          </a:fillRef>
-          <a:effectRef idx="0">
-            <a:schemeClr val="accent1"/>
-          </a:effectRef>
-          <a:fontRef idx="minor">
-            <a:schemeClr val="lt1"/>
-          </a:fontRef>
-        </p:style>
-        <p:txBody>
-          <a:bodyPr rtlCol="0" anchor="ctr"/>
-          <a:lstStyle/>
-          <a:p>
-            <a:pPr algn="ctr"/>
-            <a:endParaRPr lang="en-US"/>
-          </a:p>
-        </p:txBody>
-      </p:sp>
-      <p:sp>
-        <p:nvSpPr>
-          <p:cNvPr id="14" name="Rectangle 13">
-            <a:extLst>
-              <a:ext uri="{FF2B5EF4-FFF2-40B4-BE49-F238E27FC236}">
-                <a16:creationId xmlns:a16="http://schemas.microsoft.com/office/drawing/2014/main" id="{86D1AFB5-25C3-4675-9854-636C70D1A9E6}"/>
-              </a:ext>
-            </a:extLst>
-          </p:cNvPr>
-          <p:cNvSpPr/>
-          <p:nvPr/>
-        </p:nvSpPr>
-        <p:spPr>
-          <a:xfrm>
-            <a:off x="999845" y="6401136"/>
-            <a:ext cx="802804" cy="241874"/>
-          </a:xfrm>
-          <a:prstGeom prst="rect">
-            <a:avLst/>
-          </a:prstGeom>
-          <a:noFill/>
-          <a:ln w="57150">
-            <a:solidFill>
-              <a:schemeClr val="bg1"/>
-            </a:solidFill>
-          </a:ln>
-        </p:spPr>
-        <p:style>
-          <a:lnRef idx="2">
-            <a:schemeClr val="accent1">
-              <a:shade val="50000"/>
-            </a:schemeClr>
-          </a:lnRef>
-          <a:fillRef idx="1">
-            <a:schemeClr val="accent1"/>
-          </a:fillRef>
-          <a:effectRef idx="0">
-            <a:schemeClr val="accent1"/>
-          </a:effectRef>
-          <a:fontRef idx="minor">
-            <a:schemeClr val="lt1"/>
-          </a:fontRef>
-        </p:style>
-        <p:txBody>
-          <a:bodyPr rtlCol="0" anchor="ctr"/>
-          <a:lstStyle/>
-          <a:p>
-            <a:pPr algn="ctr"/>
-            <a:endParaRPr lang="en-US"/>
-          </a:p>
-        </p:txBody>
-      </p:sp>
     </p:spTree>
     <p:extLst>
       <p:ext uri="{BB962C8B-B14F-4D97-AF65-F5344CB8AC3E}">
-        <p14:creationId xmlns:p14="http://schemas.microsoft.com/office/powerpoint/2010/main" val="4106314971"/>
+        <p14:creationId xmlns:p14="http://schemas.microsoft.com/office/powerpoint/2010/main" val="2709458639"/>
       </p:ext>
     </p:extLst>
   </p:cSld>
@@ -6465,6 +6461,662 @@
           <p:cNvPr id="2" name="Title 1">
             <a:extLst>
               <a:ext uri="{FF2B5EF4-FFF2-40B4-BE49-F238E27FC236}">
+                <a16:creationId xmlns:a16="http://schemas.microsoft.com/office/drawing/2014/main" id="{58C3FF1C-5D28-4691-A6F9-6CC296E9F546}"/>
+              </a:ext>
+            </a:extLst>
+          </p:cNvPr>
+          <p:cNvSpPr>
+            <a:spLocks noGrp="1"/>
+          </p:cNvSpPr>
+          <p:nvPr>
+            <p:ph type="title"/>
+          </p:nvPr>
+        </p:nvSpPr>
+        <p:spPr/>
+        <p:txBody>
+          <a:bodyPr/>
+          <a:lstStyle/>
+          <a:p>
+            <a:r>
+              <a:rPr lang="en-US" dirty="0"/>
+              <a:t>More complex functionality</a:t>
+            </a:r>
+          </a:p>
+        </p:txBody>
+      </p:sp>
+      <p:pic>
+        <p:nvPicPr>
+          <p:cNvPr id="6" name="Picture 5">
+            <a:extLst>
+              <a:ext uri="{FF2B5EF4-FFF2-40B4-BE49-F238E27FC236}">
+                <a16:creationId xmlns:a16="http://schemas.microsoft.com/office/drawing/2014/main" id="{10B3F582-EA88-4585-B5C4-AEBA6B84B739}"/>
+              </a:ext>
+            </a:extLst>
+          </p:cNvPr>
+          <p:cNvPicPr>
+            <a:picLocks noChangeAspect="1"/>
+          </p:cNvPicPr>
+          <p:nvPr/>
+        </p:nvPicPr>
+        <p:blipFill>
+          <a:blip r:embed="rId2">
+            <a:extLst>
+              <a:ext uri="{28A0092B-C50C-407E-A947-70E740481C1C}">
+                <a14:useLocalDpi xmlns:a14="http://schemas.microsoft.com/office/drawing/2010/main" val="0"/>
+              </a:ext>
+            </a:extLst>
+          </a:blip>
+          <a:stretch>
+            <a:fillRect/>
+          </a:stretch>
+        </p:blipFill>
+        <p:spPr>
+          <a:xfrm>
+            <a:off x="7568979" y="0"/>
+            <a:ext cx="1575021" cy="1825625"/>
+          </a:xfrm>
+          <a:prstGeom prst="rect">
+            <a:avLst/>
+          </a:prstGeom>
+        </p:spPr>
+      </p:pic>
+      <p:sp>
+        <p:nvSpPr>
+          <p:cNvPr id="18" name="Rectangle 17">
+            <a:extLst>
+              <a:ext uri="{FF2B5EF4-FFF2-40B4-BE49-F238E27FC236}">
+                <a16:creationId xmlns:a16="http://schemas.microsoft.com/office/drawing/2014/main" id="{E0DC6FF9-905D-43CC-8FC7-374558C64173}"/>
+              </a:ext>
+            </a:extLst>
+          </p:cNvPr>
+          <p:cNvSpPr/>
+          <p:nvPr/>
+        </p:nvSpPr>
+        <p:spPr>
+          <a:xfrm>
+            <a:off x="4312429" y="5480500"/>
+            <a:ext cx="814110" cy="241874"/>
+          </a:xfrm>
+          <a:prstGeom prst="rect">
+            <a:avLst/>
+          </a:prstGeom>
+          <a:noFill/>
+          <a:ln w="57150">
+            <a:solidFill>
+              <a:schemeClr val="bg1"/>
+            </a:solidFill>
+          </a:ln>
+        </p:spPr>
+        <p:style>
+          <a:lnRef idx="2">
+            <a:schemeClr val="accent1">
+              <a:shade val="50000"/>
+            </a:schemeClr>
+          </a:lnRef>
+          <a:fillRef idx="1">
+            <a:schemeClr val="accent1"/>
+          </a:fillRef>
+          <a:effectRef idx="0">
+            <a:schemeClr val="accent1"/>
+          </a:effectRef>
+          <a:fontRef idx="minor">
+            <a:schemeClr val="lt1"/>
+          </a:fontRef>
+        </p:style>
+        <p:txBody>
+          <a:bodyPr rtlCol="0" anchor="ctr"/>
+          <a:lstStyle/>
+          <a:p>
+            <a:pPr algn="ctr"/>
+            <a:endParaRPr lang="en-US"/>
+          </a:p>
+        </p:txBody>
+      </p:sp>
+      <p:sp>
+        <p:nvSpPr>
+          <p:cNvPr id="24" name="Rectangle 23">
+            <a:extLst>
+              <a:ext uri="{FF2B5EF4-FFF2-40B4-BE49-F238E27FC236}">
+                <a16:creationId xmlns:a16="http://schemas.microsoft.com/office/drawing/2014/main" id="{B84408E2-BF1F-4BF9-A898-6503FB6EF143}"/>
+              </a:ext>
+            </a:extLst>
+          </p:cNvPr>
+          <p:cNvSpPr/>
+          <p:nvPr/>
+        </p:nvSpPr>
+        <p:spPr>
+          <a:xfrm>
+            <a:off x="2476747" y="2721559"/>
+            <a:ext cx="531924" cy="241874"/>
+          </a:xfrm>
+          <a:prstGeom prst="rect">
+            <a:avLst/>
+          </a:prstGeom>
+          <a:noFill/>
+          <a:ln w="57150">
+            <a:solidFill>
+              <a:schemeClr val="bg1"/>
+            </a:solidFill>
+          </a:ln>
+        </p:spPr>
+        <p:style>
+          <a:lnRef idx="2">
+            <a:schemeClr val="accent1">
+              <a:shade val="50000"/>
+            </a:schemeClr>
+          </a:lnRef>
+          <a:fillRef idx="1">
+            <a:schemeClr val="accent1"/>
+          </a:fillRef>
+          <a:effectRef idx="0">
+            <a:schemeClr val="accent1"/>
+          </a:effectRef>
+          <a:fontRef idx="minor">
+            <a:schemeClr val="lt1"/>
+          </a:fontRef>
+        </p:style>
+        <p:txBody>
+          <a:bodyPr rtlCol="0" anchor="ctr"/>
+          <a:lstStyle/>
+          <a:p>
+            <a:pPr algn="ctr"/>
+            <a:endParaRPr lang="en-US"/>
+          </a:p>
+        </p:txBody>
+      </p:sp>
+      <p:sp>
+        <p:nvSpPr>
+          <p:cNvPr id="4" name="Content Placeholder 3">
+            <a:extLst>
+              <a:ext uri="{FF2B5EF4-FFF2-40B4-BE49-F238E27FC236}">
+                <a16:creationId xmlns:a16="http://schemas.microsoft.com/office/drawing/2014/main" id="{22699B69-C7CA-467F-8F22-2AB1605A8E37}"/>
+              </a:ext>
+            </a:extLst>
+          </p:cNvPr>
+          <p:cNvSpPr>
+            <a:spLocks noGrp="1"/>
+          </p:cNvSpPr>
+          <p:nvPr>
+            <p:ph idx="1"/>
+          </p:nvPr>
+        </p:nvSpPr>
+        <p:spPr>
+          <a:xfrm>
+            <a:off x="628650" y="1690689"/>
+            <a:ext cx="7886700" cy="4351338"/>
+          </a:xfrm>
+        </p:spPr>
+        <p:txBody>
+          <a:bodyPr/>
+          <a:lstStyle/>
+          <a:p>
+            <a:r>
+              <a:rPr lang="en-US" dirty="0"/>
+              <a:t>Use </a:t>
+            </a:r>
+            <a:r>
+              <a:rPr lang="en-US" i="1" dirty="0"/>
+              <a:t>reactive </a:t>
+            </a:r>
+            <a:r>
+              <a:rPr lang="en-US" dirty="0"/>
+              <a:t>to create intermediate values that will be triggered by any change in their dependencies (inputs).</a:t>
+            </a:r>
+          </a:p>
+          <a:p>
+            <a:pPr lvl="1"/>
+            <a:r>
+              <a:rPr lang="en-US" dirty="0"/>
+              <a:t>If you don’t want everything to update as soon as the input changes, you can use </a:t>
+            </a:r>
+            <a:r>
+              <a:rPr lang="en-US" i="1" dirty="0" err="1"/>
+              <a:t>eventReactive</a:t>
+            </a:r>
+            <a:endParaRPr lang="en-US" i="1" dirty="0"/>
+          </a:p>
+          <a:p>
+            <a:pPr lvl="1"/>
+            <a:r>
+              <a:rPr lang="en-US" dirty="0"/>
+              <a:t>Useful when the user must choose multiple inputs and you don’t want a process to trigger until they have made all their selections. </a:t>
+            </a:r>
+          </a:p>
+          <a:p>
+            <a:endParaRPr lang="en-US" dirty="0"/>
+          </a:p>
+        </p:txBody>
+      </p:sp>
+    </p:spTree>
+    <p:extLst>
+      <p:ext uri="{BB962C8B-B14F-4D97-AF65-F5344CB8AC3E}">
+        <p14:creationId xmlns:p14="http://schemas.microsoft.com/office/powerpoint/2010/main" val="4199397869"/>
+      </p:ext>
+    </p:extLst>
+  </p:cSld>
+  <p:clrMapOvr>
+    <a:masterClrMapping/>
+  </p:clrMapOvr>
+</p:sld>
+</file>
+
+<file path=ppt/slides/slide16.xml><?xml version="1.0" encoding="utf-8"?>
+<p:sld xmlns:a="http://schemas.openxmlformats.org/drawingml/2006/main" xmlns:r="http://schemas.openxmlformats.org/officeDocument/2006/relationships" xmlns:p="http://schemas.openxmlformats.org/presentationml/2006/main">
+  <p:cSld>
+    <p:spTree>
+      <p:nvGrpSpPr>
+        <p:cNvPr id="1" name=""/>
+        <p:cNvGrpSpPr/>
+        <p:nvPr/>
+      </p:nvGrpSpPr>
+      <p:grpSpPr>
+        <a:xfrm>
+          <a:off x="0" y="0"/>
+          <a:ext cx="0" cy="0"/>
+          <a:chOff x="0" y="0"/>
+          <a:chExt cx="0" cy="0"/>
+        </a:xfrm>
+      </p:grpSpPr>
+      <p:sp>
+        <p:nvSpPr>
+          <p:cNvPr id="2" name="Title 1">
+            <a:extLst>
+              <a:ext uri="{FF2B5EF4-FFF2-40B4-BE49-F238E27FC236}">
+                <a16:creationId xmlns:a16="http://schemas.microsoft.com/office/drawing/2014/main" id="{58C3FF1C-5D28-4691-A6F9-6CC296E9F546}"/>
+              </a:ext>
+            </a:extLst>
+          </p:cNvPr>
+          <p:cNvSpPr>
+            <a:spLocks noGrp="1"/>
+          </p:cNvSpPr>
+          <p:nvPr>
+            <p:ph type="title"/>
+          </p:nvPr>
+        </p:nvSpPr>
+        <p:spPr>
+          <a:xfrm>
+            <a:off x="98826" y="63863"/>
+            <a:ext cx="7886700" cy="664201"/>
+          </a:xfrm>
+        </p:spPr>
+        <p:txBody>
+          <a:bodyPr>
+            <a:normAutofit fontScale="90000"/>
+          </a:bodyPr>
+          <a:lstStyle/>
+          <a:p>
+            <a:r>
+              <a:rPr lang="en-US" dirty="0"/>
+              <a:t>More complex functionality</a:t>
+            </a:r>
+          </a:p>
+        </p:txBody>
+      </p:sp>
+      <p:pic>
+        <p:nvPicPr>
+          <p:cNvPr id="6" name="Picture 5">
+            <a:extLst>
+              <a:ext uri="{FF2B5EF4-FFF2-40B4-BE49-F238E27FC236}">
+                <a16:creationId xmlns:a16="http://schemas.microsoft.com/office/drawing/2014/main" id="{10B3F582-EA88-4585-B5C4-AEBA6B84B739}"/>
+              </a:ext>
+            </a:extLst>
+          </p:cNvPr>
+          <p:cNvPicPr>
+            <a:picLocks noChangeAspect="1"/>
+          </p:cNvPicPr>
+          <p:nvPr/>
+        </p:nvPicPr>
+        <p:blipFill>
+          <a:blip r:embed="rId3">
+            <a:extLst>
+              <a:ext uri="{28A0092B-C50C-407E-A947-70E740481C1C}">
+                <a14:useLocalDpi xmlns:a14="http://schemas.microsoft.com/office/drawing/2010/main" val="0"/>
+              </a:ext>
+            </a:extLst>
+          </a:blip>
+          <a:stretch>
+            <a:fillRect/>
+          </a:stretch>
+        </p:blipFill>
+        <p:spPr>
+          <a:xfrm>
+            <a:off x="7568979" y="0"/>
+            <a:ext cx="1575021" cy="1825625"/>
+          </a:xfrm>
+          <a:prstGeom prst="rect">
+            <a:avLst/>
+          </a:prstGeom>
+        </p:spPr>
+      </p:pic>
+      <p:sp>
+        <p:nvSpPr>
+          <p:cNvPr id="18" name="Rectangle 17">
+            <a:extLst>
+              <a:ext uri="{FF2B5EF4-FFF2-40B4-BE49-F238E27FC236}">
+                <a16:creationId xmlns:a16="http://schemas.microsoft.com/office/drawing/2014/main" id="{E0DC6FF9-905D-43CC-8FC7-374558C64173}"/>
+              </a:ext>
+            </a:extLst>
+          </p:cNvPr>
+          <p:cNvSpPr/>
+          <p:nvPr/>
+        </p:nvSpPr>
+        <p:spPr>
+          <a:xfrm>
+            <a:off x="4312429" y="5480500"/>
+            <a:ext cx="814110" cy="241874"/>
+          </a:xfrm>
+          <a:prstGeom prst="rect">
+            <a:avLst/>
+          </a:prstGeom>
+          <a:noFill/>
+          <a:ln w="57150">
+            <a:solidFill>
+              <a:schemeClr val="bg1"/>
+            </a:solidFill>
+          </a:ln>
+        </p:spPr>
+        <p:style>
+          <a:lnRef idx="2">
+            <a:schemeClr val="accent1">
+              <a:shade val="50000"/>
+            </a:schemeClr>
+          </a:lnRef>
+          <a:fillRef idx="1">
+            <a:schemeClr val="accent1"/>
+          </a:fillRef>
+          <a:effectRef idx="0">
+            <a:schemeClr val="accent1"/>
+          </a:effectRef>
+          <a:fontRef idx="minor">
+            <a:schemeClr val="lt1"/>
+          </a:fontRef>
+        </p:style>
+        <p:txBody>
+          <a:bodyPr rtlCol="0" anchor="ctr"/>
+          <a:lstStyle/>
+          <a:p>
+            <a:pPr algn="ctr"/>
+            <a:endParaRPr lang="en-US"/>
+          </a:p>
+        </p:txBody>
+      </p:sp>
+      <p:sp>
+        <p:nvSpPr>
+          <p:cNvPr id="24" name="Rectangle 23">
+            <a:extLst>
+              <a:ext uri="{FF2B5EF4-FFF2-40B4-BE49-F238E27FC236}">
+                <a16:creationId xmlns:a16="http://schemas.microsoft.com/office/drawing/2014/main" id="{B84408E2-BF1F-4BF9-A898-6503FB6EF143}"/>
+              </a:ext>
+            </a:extLst>
+          </p:cNvPr>
+          <p:cNvSpPr/>
+          <p:nvPr/>
+        </p:nvSpPr>
+        <p:spPr>
+          <a:xfrm>
+            <a:off x="2476747" y="2721559"/>
+            <a:ext cx="531924" cy="241874"/>
+          </a:xfrm>
+          <a:prstGeom prst="rect">
+            <a:avLst/>
+          </a:prstGeom>
+          <a:noFill/>
+          <a:ln w="57150">
+            <a:solidFill>
+              <a:schemeClr val="bg1"/>
+            </a:solidFill>
+          </a:ln>
+        </p:spPr>
+        <p:style>
+          <a:lnRef idx="2">
+            <a:schemeClr val="accent1">
+              <a:shade val="50000"/>
+            </a:schemeClr>
+          </a:lnRef>
+          <a:fillRef idx="1">
+            <a:schemeClr val="accent1"/>
+          </a:fillRef>
+          <a:effectRef idx="0">
+            <a:schemeClr val="accent1"/>
+          </a:effectRef>
+          <a:fontRef idx="minor">
+            <a:schemeClr val="lt1"/>
+          </a:fontRef>
+        </p:style>
+        <p:txBody>
+          <a:bodyPr rtlCol="0" anchor="ctr"/>
+          <a:lstStyle/>
+          <a:p>
+            <a:pPr algn="ctr"/>
+            <a:endParaRPr lang="en-US"/>
+          </a:p>
+        </p:txBody>
+      </p:sp>
+      <p:pic>
+        <p:nvPicPr>
+          <p:cNvPr id="8" name="Content Placeholder 7">
+            <a:extLst>
+              <a:ext uri="{FF2B5EF4-FFF2-40B4-BE49-F238E27FC236}">
+                <a16:creationId xmlns:a16="http://schemas.microsoft.com/office/drawing/2014/main" id="{B8226D5D-7948-493D-AD8D-81D50C07ABBC}"/>
+              </a:ext>
+            </a:extLst>
+          </p:cNvPr>
+          <p:cNvPicPr>
+            <a:picLocks noGrp="1" noChangeAspect="1"/>
+          </p:cNvPicPr>
+          <p:nvPr>
+            <p:ph idx="1"/>
+          </p:nvPr>
+        </p:nvPicPr>
+        <p:blipFill rotWithShape="1">
+          <a:blip r:embed="rId4">
+            <a:extLst>
+              <a:ext uri="{28A0092B-C50C-407E-A947-70E740481C1C}">
+                <a14:useLocalDpi xmlns:a14="http://schemas.microsoft.com/office/drawing/2010/main" val="0"/>
+              </a:ext>
+            </a:extLst>
+          </a:blip>
+          <a:srcRect b="8193"/>
+          <a:stretch/>
+        </p:blipFill>
+        <p:spPr>
+          <a:xfrm>
+            <a:off x="98825" y="660966"/>
+            <a:ext cx="6311680" cy="6189786"/>
+          </a:xfrm>
+        </p:spPr>
+      </p:pic>
+      <p:sp>
+        <p:nvSpPr>
+          <p:cNvPr id="11" name="Rectangle 10">
+            <a:extLst>
+              <a:ext uri="{FF2B5EF4-FFF2-40B4-BE49-F238E27FC236}">
+                <a16:creationId xmlns:a16="http://schemas.microsoft.com/office/drawing/2014/main" id="{6F4821C7-5507-4CA3-98C9-E66E39553168}"/>
+              </a:ext>
+            </a:extLst>
+          </p:cNvPr>
+          <p:cNvSpPr/>
+          <p:nvPr/>
+        </p:nvSpPr>
+        <p:spPr>
+          <a:xfrm>
+            <a:off x="1301775" y="2814794"/>
+            <a:ext cx="5065688" cy="712827"/>
+          </a:xfrm>
+          <a:prstGeom prst="rect">
+            <a:avLst/>
+          </a:prstGeom>
+          <a:noFill/>
+          <a:ln w="57150">
+            <a:solidFill>
+              <a:schemeClr val="bg1"/>
+            </a:solidFill>
+          </a:ln>
+        </p:spPr>
+        <p:style>
+          <a:lnRef idx="2">
+            <a:schemeClr val="accent1">
+              <a:shade val="50000"/>
+            </a:schemeClr>
+          </a:lnRef>
+          <a:fillRef idx="1">
+            <a:schemeClr val="accent1"/>
+          </a:fillRef>
+          <a:effectRef idx="0">
+            <a:schemeClr val="accent1"/>
+          </a:effectRef>
+          <a:fontRef idx="minor">
+            <a:schemeClr val="lt1"/>
+          </a:fontRef>
+        </p:style>
+        <p:txBody>
+          <a:bodyPr rtlCol="0" anchor="ctr"/>
+          <a:lstStyle/>
+          <a:p>
+            <a:pPr algn="ctr"/>
+            <a:endParaRPr lang="en-US"/>
+          </a:p>
+        </p:txBody>
+      </p:sp>
+      <p:sp>
+        <p:nvSpPr>
+          <p:cNvPr id="12" name="Rectangle 11">
+            <a:extLst>
+              <a:ext uri="{FF2B5EF4-FFF2-40B4-BE49-F238E27FC236}">
+                <a16:creationId xmlns:a16="http://schemas.microsoft.com/office/drawing/2014/main" id="{15FD9DB7-B450-4F0C-AC39-05CF6ABE2006}"/>
+              </a:ext>
+            </a:extLst>
+          </p:cNvPr>
+          <p:cNvSpPr/>
+          <p:nvPr/>
+        </p:nvSpPr>
+        <p:spPr>
+          <a:xfrm>
+            <a:off x="665644" y="5078868"/>
+            <a:ext cx="4154130" cy="1112009"/>
+          </a:xfrm>
+          <a:prstGeom prst="rect">
+            <a:avLst/>
+          </a:prstGeom>
+          <a:noFill/>
+          <a:ln w="57150">
+            <a:solidFill>
+              <a:schemeClr val="bg1"/>
+            </a:solidFill>
+          </a:ln>
+        </p:spPr>
+        <p:style>
+          <a:lnRef idx="2">
+            <a:schemeClr val="accent1">
+              <a:shade val="50000"/>
+            </a:schemeClr>
+          </a:lnRef>
+          <a:fillRef idx="1">
+            <a:schemeClr val="accent1"/>
+          </a:fillRef>
+          <a:effectRef idx="0">
+            <a:schemeClr val="accent1"/>
+          </a:effectRef>
+          <a:fontRef idx="minor">
+            <a:schemeClr val="lt1"/>
+          </a:fontRef>
+        </p:style>
+        <p:txBody>
+          <a:bodyPr rtlCol="0" anchor="ctr"/>
+          <a:lstStyle/>
+          <a:p>
+            <a:pPr algn="ctr"/>
+            <a:endParaRPr lang="en-US"/>
+          </a:p>
+        </p:txBody>
+      </p:sp>
+      <p:sp>
+        <p:nvSpPr>
+          <p:cNvPr id="14" name="Rectangle 13">
+            <a:extLst>
+              <a:ext uri="{FF2B5EF4-FFF2-40B4-BE49-F238E27FC236}">
+                <a16:creationId xmlns:a16="http://schemas.microsoft.com/office/drawing/2014/main" id="{86D1AFB5-25C3-4675-9854-636C70D1A9E6}"/>
+              </a:ext>
+            </a:extLst>
+          </p:cNvPr>
+          <p:cNvSpPr/>
+          <p:nvPr/>
+        </p:nvSpPr>
+        <p:spPr>
+          <a:xfrm>
+            <a:off x="999845" y="6401136"/>
+            <a:ext cx="802804" cy="241874"/>
+          </a:xfrm>
+          <a:prstGeom prst="rect">
+            <a:avLst/>
+          </a:prstGeom>
+          <a:noFill/>
+          <a:ln w="57150">
+            <a:solidFill>
+              <a:schemeClr val="bg1"/>
+            </a:solidFill>
+          </a:ln>
+        </p:spPr>
+        <p:style>
+          <a:lnRef idx="2">
+            <a:schemeClr val="accent1">
+              <a:shade val="50000"/>
+            </a:schemeClr>
+          </a:lnRef>
+          <a:fillRef idx="1">
+            <a:schemeClr val="accent1"/>
+          </a:fillRef>
+          <a:effectRef idx="0">
+            <a:schemeClr val="accent1"/>
+          </a:effectRef>
+          <a:fontRef idx="minor">
+            <a:schemeClr val="lt1"/>
+          </a:fontRef>
+        </p:style>
+        <p:txBody>
+          <a:bodyPr rtlCol="0" anchor="ctr"/>
+          <a:lstStyle/>
+          <a:p>
+            <a:pPr algn="ctr"/>
+            <a:endParaRPr lang="en-US"/>
+          </a:p>
+        </p:txBody>
+      </p:sp>
+    </p:spTree>
+    <p:extLst>
+      <p:ext uri="{BB962C8B-B14F-4D97-AF65-F5344CB8AC3E}">
+        <p14:creationId xmlns:p14="http://schemas.microsoft.com/office/powerpoint/2010/main" val="4106314971"/>
+      </p:ext>
+    </p:extLst>
+  </p:cSld>
+  <p:clrMapOvr>
+    <a:masterClrMapping/>
+  </p:clrMapOvr>
+</p:sld>
+</file>
+
+<file path=ppt/slides/slide17.xml><?xml version="1.0" encoding="utf-8"?>
+<p:sld xmlns:a="http://schemas.openxmlformats.org/drawingml/2006/main" xmlns:r="http://schemas.openxmlformats.org/officeDocument/2006/relationships" xmlns:p="http://schemas.openxmlformats.org/presentationml/2006/main">
+  <p:cSld>
+    <p:spTree>
+      <p:nvGrpSpPr>
+        <p:cNvPr id="1" name=""/>
+        <p:cNvGrpSpPr/>
+        <p:nvPr/>
+      </p:nvGrpSpPr>
+      <p:grpSpPr>
+        <a:xfrm>
+          <a:off x="0" y="0"/>
+          <a:ext cx="0" cy="0"/>
+          <a:chOff x="0" y="0"/>
+          <a:chExt cx="0" cy="0"/>
+        </a:xfrm>
+      </p:grpSpPr>
+      <p:sp>
+        <p:nvSpPr>
+          <p:cNvPr id="2" name="Title 1">
+            <a:extLst>
+              <a:ext uri="{FF2B5EF4-FFF2-40B4-BE49-F238E27FC236}">
                 <a16:creationId xmlns:a16="http://schemas.microsoft.com/office/drawing/2014/main" id="{1A4FD118-8648-4027-8434-82E134C7E490}"/>
               </a:ext>
             </a:extLst>
@@ -6523,12 +7175,82 @@
           </a:prstGeom>
         </p:spPr>
       </p:pic>
+      <p:sp>
+        <p:nvSpPr>
+          <p:cNvPr id="6" name="TextBox 5">
+            <a:extLst>
+              <a:ext uri="{FF2B5EF4-FFF2-40B4-BE49-F238E27FC236}">
+                <a16:creationId xmlns:a16="http://schemas.microsoft.com/office/drawing/2014/main" id="{B80F160E-2E60-4FAC-88E0-3053099ADFE5}"/>
+              </a:ext>
+            </a:extLst>
+          </p:cNvPr>
+          <p:cNvSpPr txBox="1"/>
+          <p:nvPr/>
+        </p:nvSpPr>
+        <p:spPr>
+          <a:xfrm>
+            <a:off x="3457668" y="2110798"/>
+            <a:ext cx="2026692" cy="523220"/>
+          </a:xfrm>
+          <a:prstGeom prst="rect">
+            <a:avLst/>
+          </a:prstGeom>
+          <a:noFill/>
+        </p:spPr>
+        <p:txBody>
+          <a:bodyPr wrap="square" rtlCol="0">
+            <a:spAutoFit/>
+          </a:bodyPr>
+          <a:lstStyle/>
+          <a:p>
+            <a:r>
+              <a:rPr lang="en-US" sz="2800" dirty="0"/>
+              <a:t>UI additions</a:t>
+            </a:r>
+          </a:p>
+        </p:txBody>
+      </p:sp>
+      <p:sp>
+        <p:nvSpPr>
+          <p:cNvPr id="7" name="TextBox 6">
+            <a:extLst>
+              <a:ext uri="{FF2B5EF4-FFF2-40B4-BE49-F238E27FC236}">
+                <a16:creationId xmlns:a16="http://schemas.microsoft.com/office/drawing/2014/main" id="{A12A8AEB-53BF-4D8C-B537-BE15CE59FC1C}"/>
+              </a:ext>
+            </a:extLst>
+          </p:cNvPr>
+          <p:cNvSpPr txBox="1"/>
+          <p:nvPr/>
+        </p:nvSpPr>
+        <p:spPr>
+          <a:xfrm>
+            <a:off x="3200635" y="4004378"/>
+            <a:ext cx="3254756" cy="523220"/>
+          </a:xfrm>
+          <a:prstGeom prst="rect">
+            <a:avLst/>
+          </a:prstGeom>
+          <a:noFill/>
+        </p:spPr>
+        <p:txBody>
+          <a:bodyPr wrap="square" rtlCol="0">
+            <a:spAutoFit/>
+          </a:bodyPr>
+          <a:lstStyle/>
+          <a:p>
+            <a:r>
+              <a:rPr lang="en-US" sz="2800" dirty="0"/>
+              <a:t>Server additions</a:t>
+            </a:r>
+          </a:p>
+        </p:txBody>
+      </p:sp>
       <p:pic>
         <p:nvPicPr>
-          <p:cNvPr id="5" name="Content Placeholder 7">
+          <p:cNvPr id="3" name="Picture 2">
             <a:extLst>
               <a:ext uri="{FF2B5EF4-FFF2-40B4-BE49-F238E27FC236}">
-                <a16:creationId xmlns:a16="http://schemas.microsoft.com/office/drawing/2014/main" id="{D31CC67A-BCCC-4932-B335-DC2DD8FEA6DC}"/>
+                <a16:creationId xmlns:a16="http://schemas.microsoft.com/office/drawing/2014/main" id="{1E232C5D-6DDE-89C6-B256-9D831CEFA8B7}"/>
               </a:ext>
             </a:extLst>
           </p:cNvPr>
@@ -6537,97 +7259,331 @@
           </p:cNvPicPr>
           <p:nvPr/>
         </p:nvPicPr>
-        <p:blipFill rotWithShape="1">
-          <a:blip r:embed="rId3">
+        <p:blipFill>
+          <a:blip r:embed="rId4">
             <a:extLst>
               <a:ext uri="{28A0092B-C50C-407E-A947-70E740481C1C}">
                 <a14:useLocalDpi xmlns:a14="http://schemas.microsoft.com/office/drawing/2010/main" val="0"/>
               </a:ext>
             </a:extLst>
           </a:blip>
-          <a:srcRect l="9292" t="65269" r="18208" b="17375"/>
-          <a:stretch/>
+          <a:stretch>
+            <a:fillRect/>
+          </a:stretch>
         </p:blipFill>
         <p:spPr>
           <a:xfrm>
-            <a:off x="628650" y="4527598"/>
-            <a:ext cx="7684728" cy="1965276"/>
+            <a:off x="7568979" y="0"/>
+            <a:ext cx="1575021" cy="1825625"/>
           </a:xfrm>
           <a:prstGeom prst="rect">
             <a:avLst/>
           </a:prstGeom>
         </p:spPr>
       </p:pic>
-      <p:sp>
-        <p:nvSpPr>
-          <p:cNvPr id="6" name="TextBox 5">
+      <p:grpSp>
+        <p:nvGrpSpPr>
+          <p:cNvPr id="37" name="Group 36">
             <a:extLst>
               <a:ext uri="{FF2B5EF4-FFF2-40B4-BE49-F238E27FC236}">
-                <a16:creationId xmlns:a16="http://schemas.microsoft.com/office/drawing/2014/main" id="{B80F160E-2E60-4FAC-88E0-3053099ADFE5}"/>
+                <a16:creationId xmlns:a16="http://schemas.microsoft.com/office/drawing/2014/main" id="{E82D28D2-58BF-6DA5-DB4D-273F033A2D9C}"/>
               </a:ext>
             </a:extLst>
           </p:cNvPr>
-          <p:cNvSpPr txBox="1"/>
+          <p:cNvGrpSpPr/>
           <p:nvPr/>
-        </p:nvSpPr>
-        <p:spPr>
-          <a:xfrm>
-            <a:off x="3457668" y="2110798"/>
-            <a:ext cx="2026692" cy="523220"/>
-          </a:xfrm>
-          <a:prstGeom prst="rect">
-            <a:avLst/>
-          </a:prstGeom>
-          <a:noFill/>
-        </p:spPr>
-        <p:txBody>
-          <a:bodyPr wrap="square" rtlCol="0">
-            <a:spAutoFit/>
-          </a:bodyPr>
-          <a:lstStyle/>
-          <a:p>
-            <a:r>
-              <a:rPr lang="en-US" sz="2800" dirty="0"/>
-              <a:t>UI additions</a:t>
-            </a:r>
-          </a:p>
-        </p:txBody>
-      </p:sp>
-      <p:sp>
-        <p:nvSpPr>
-          <p:cNvPr id="7" name="TextBox 6">
+        </p:nvGrpSpPr>
+        <p:grpSpPr>
+          <a:xfrm>
+            <a:off x="628650" y="4527598"/>
+            <a:ext cx="7684728" cy="1965276"/>
+            <a:chOff x="628650" y="4527598"/>
+            <a:chExt cx="7684728" cy="1965276"/>
+          </a:xfrm>
+        </p:grpSpPr>
+        <p:pic>
+          <p:nvPicPr>
+            <p:cNvPr id="5" name="Content Placeholder 7">
+              <a:extLst>
+                <a:ext uri="{FF2B5EF4-FFF2-40B4-BE49-F238E27FC236}">
+                  <a16:creationId xmlns:a16="http://schemas.microsoft.com/office/drawing/2014/main" id="{D31CC67A-BCCC-4932-B335-DC2DD8FEA6DC}"/>
+                </a:ext>
+              </a:extLst>
+            </p:cNvPr>
+            <p:cNvPicPr>
+              <a:picLocks noChangeAspect="1"/>
+            </p:cNvPicPr>
+            <p:nvPr/>
+          </p:nvPicPr>
+          <p:blipFill rotWithShape="1">
+            <a:blip r:embed="rId3">
+              <a:extLst>
+                <a:ext uri="{28A0092B-C50C-407E-A947-70E740481C1C}">
+                  <a14:useLocalDpi xmlns:a14="http://schemas.microsoft.com/office/drawing/2010/main" val="0"/>
+                </a:ext>
+              </a:extLst>
+            </a:blip>
+            <a:srcRect l="9292" t="65269" r="18208" b="17375"/>
+            <a:stretch/>
+          </p:blipFill>
+          <p:spPr>
+            <a:xfrm>
+              <a:off x="628650" y="4527598"/>
+              <a:ext cx="7684728" cy="1965276"/>
+            </a:xfrm>
+            <a:prstGeom prst="rect">
+              <a:avLst/>
+            </a:prstGeom>
+          </p:spPr>
+        </p:pic>
+        <p:sp>
+          <p:nvSpPr>
+            <p:cNvPr id="13" name="Rectangle 12">
+              <a:extLst>
+                <a:ext uri="{FF2B5EF4-FFF2-40B4-BE49-F238E27FC236}">
+                  <a16:creationId xmlns:a16="http://schemas.microsoft.com/office/drawing/2014/main" id="{164F7530-03FC-B7B9-FE75-73918F773992}"/>
+                </a:ext>
+              </a:extLst>
+            </p:cNvPr>
+            <p:cNvSpPr/>
+            <p:nvPr/>
+          </p:nvSpPr>
+          <p:spPr>
+            <a:xfrm>
+              <a:off x="2307110" y="4584176"/>
+              <a:ext cx="1626715" cy="256368"/>
+            </a:xfrm>
+            <a:prstGeom prst="rect">
+              <a:avLst/>
+            </a:prstGeom>
+            <a:noFill/>
+            <a:ln w="38100">
+              <a:solidFill>
+                <a:schemeClr val="accent4">
+                  <a:lumMod val="75000"/>
+                </a:schemeClr>
+              </a:solidFill>
+            </a:ln>
+          </p:spPr>
+          <p:style>
+            <a:lnRef idx="2">
+              <a:schemeClr val="accent1">
+                <a:shade val="50000"/>
+              </a:schemeClr>
+            </a:lnRef>
+            <a:fillRef idx="1">
+              <a:schemeClr val="accent1"/>
+            </a:fillRef>
+            <a:effectRef idx="0">
+              <a:schemeClr val="accent1"/>
+            </a:effectRef>
+            <a:fontRef idx="minor">
+              <a:schemeClr val="lt1"/>
+            </a:fontRef>
+          </p:style>
+          <p:txBody>
+            <a:bodyPr rtlCol="0" anchor="ctr"/>
+            <a:lstStyle/>
+            <a:p>
+              <a:pPr algn="ctr"/>
+              <a:endParaRPr lang="en-US"/>
+            </a:p>
+          </p:txBody>
+        </p:sp>
+      </p:grpSp>
+      <p:grpSp>
+        <p:nvGrpSpPr>
+          <p:cNvPr id="35" name="Group 34">
             <a:extLst>
               <a:ext uri="{FF2B5EF4-FFF2-40B4-BE49-F238E27FC236}">
-                <a16:creationId xmlns:a16="http://schemas.microsoft.com/office/drawing/2014/main" id="{A12A8AEB-53BF-4D8C-B537-BE15CE59FC1C}"/>
+                <a16:creationId xmlns:a16="http://schemas.microsoft.com/office/drawing/2014/main" id="{DE3F62A5-F94F-2C96-2F92-D152F353FACE}"/>
               </a:ext>
             </a:extLst>
           </p:cNvPr>
-          <p:cNvSpPr txBox="1"/>
+          <p:cNvGrpSpPr/>
           <p:nvPr/>
-        </p:nvSpPr>
-        <p:spPr>
-          <a:xfrm>
-            <a:off x="3200635" y="4004378"/>
-            <a:ext cx="3254756" cy="523220"/>
-          </a:xfrm>
-          <a:prstGeom prst="rect">
-            <a:avLst/>
-          </a:prstGeom>
-          <a:noFill/>
-        </p:spPr>
-        <p:txBody>
-          <a:bodyPr wrap="square" rtlCol="0">
-            <a:spAutoFit/>
-          </a:bodyPr>
-          <a:lstStyle/>
-          <a:p>
-            <a:r>
-              <a:rPr lang="en-US" sz="2800" dirty="0"/>
-              <a:t>Server additions</a:t>
-            </a:r>
-          </a:p>
-        </p:txBody>
-      </p:sp>
+        </p:nvGrpSpPr>
+        <p:grpSpPr>
+          <a:xfrm>
+            <a:off x="214466" y="1418995"/>
+            <a:ext cx="1647825" cy="1215023"/>
+            <a:chOff x="214466" y="1418995"/>
+            <a:chExt cx="1647825" cy="1215023"/>
+          </a:xfrm>
+        </p:grpSpPr>
+        <p:pic>
+          <p:nvPicPr>
+            <p:cNvPr id="9" name="Picture 8">
+              <a:extLst>
+                <a:ext uri="{FF2B5EF4-FFF2-40B4-BE49-F238E27FC236}">
+                  <a16:creationId xmlns:a16="http://schemas.microsoft.com/office/drawing/2014/main" id="{5D76154F-D3C9-EBBD-C45F-0C40C8D7F6B9}"/>
+                </a:ext>
+              </a:extLst>
+            </p:cNvPr>
+            <p:cNvPicPr>
+              <a:picLocks noChangeAspect="1"/>
+            </p:cNvPicPr>
+            <p:nvPr/>
+          </p:nvPicPr>
+          <p:blipFill rotWithShape="1">
+            <a:blip r:embed="rId5"/>
+            <a:srcRect l="2190" t="38184" r="73320" b="45187"/>
+            <a:stretch/>
+          </p:blipFill>
+          <p:spPr>
+            <a:xfrm>
+              <a:off x="214466" y="1418995"/>
+              <a:ext cx="1647825" cy="678325"/>
+            </a:xfrm>
+            <a:prstGeom prst="rect">
+              <a:avLst/>
+            </a:prstGeom>
+          </p:spPr>
+        </p:pic>
+        <p:cxnSp>
+          <p:nvCxnSpPr>
+            <p:cNvPr id="25" name="Straight Arrow Connector 24">
+              <a:extLst>
+                <a:ext uri="{FF2B5EF4-FFF2-40B4-BE49-F238E27FC236}">
+                  <a16:creationId xmlns:a16="http://schemas.microsoft.com/office/drawing/2014/main" id="{466BEDED-BCDF-320E-29E6-114DCC17AB2E}"/>
+                </a:ext>
+              </a:extLst>
+            </p:cNvPr>
+            <p:cNvCxnSpPr>
+              <a:cxnSpLocks/>
+              <a:endCxn id="9" idx="2"/>
+            </p:cNvCxnSpPr>
+            <p:nvPr/>
+          </p:nvCxnSpPr>
+          <p:spPr>
+            <a:xfrm flipV="1">
+              <a:off x="1038378" y="2097320"/>
+              <a:ext cx="1" cy="536698"/>
+            </a:xfrm>
+            <a:prstGeom prst="straightConnector1">
+              <a:avLst/>
+            </a:prstGeom>
+            <a:ln w="38100">
+              <a:solidFill>
+                <a:schemeClr val="accent4">
+                  <a:lumMod val="75000"/>
+                </a:schemeClr>
+              </a:solidFill>
+              <a:tailEnd type="triangle"/>
+            </a:ln>
+          </p:spPr>
+          <p:style>
+            <a:lnRef idx="1">
+              <a:schemeClr val="accent1"/>
+            </a:lnRef>
+            <a:fillRef idx="0">
+              <a:schemeClr val="accent1"/>
+            </a:fillRef>
+            <a:effectRef idx="0">
+              <a:schemeClr val="accent1"/>
+            </a:effectRef>
+            <a:fontRef idx="minor">
+              <a:schemeClr val="tx1"/>
+            </a:fontRef>
+          </p:style>
+        </p:cxnSp>
+      </p:grpSp>
+      <p:grpSp>
+        <p:nvGrpSpPr>
+          <p:cNvPr id="36" name="Group 35">
+            <a:extLst>
+              <a:ext uri="{FF2B5EF4-FFF2-40B4-BE49-F238E27FC236}">
+                <a16:creationId xmlns:a16="http://schemas.microsoft.com/office/drawing/2014/main" id="{C394964D-1CF1-FDB9-D0A6-A696092B54DC}"/>
+              </a:ext>
+            </a:extLst>
+          </p:cNvPr>
+          <p:cNvGrpSpPr/>
+          <p:nvPr/>
+        </p:nvGrpSpPr>
+        <p:grpSpPr>
+          <a:xfrm>
+            <a:off x="214466" y="3600450"/>
+            <a:ext cx="616156" cy="718319"/>
+            <a:chOff x="214466" y="3600450"/>
+            <a:chExt cx="616156" cy="718319"/>
+          </a:xfrm>
+        </p:grpSpPr>
+        <p:pic>
+          <p:nvPicPr>
+            <p:cNvPr id="24" name="Picture 23">
+              <a:extLst>
+                <a:ext uri="{FF2B5EF4-FFF2-40B4-BE49-F238E27FC236}">
+                  <a16:creationId xmlns:a16="http://schemas.microsoft.com/office/drawing/2014/main" id="{511FED1F-DCAE-DB31-828C-25F55B6B1422}"/>
+                </a:ext>
+              </a:extLst>
+            </p:cNvPr>
+            <p:cNvPicPr>
+              <a:picLocks noChangeAspect="1"/>
+            </p:cNvPicPr>
+            <p:nvPr/>
+          </p:nvPicPr>
+          <p:blipFill rotWithShape="1">
+            <a:blip r:embed="rId5"/>
+            <a:srcRect l="2729" t="55169" r="88114" b="34205"/>
+            <a:stretch/>
+          </p:blipFill>
+          <p:spPr>
+            <a:xfrm>
+              <a:off x="214466" y="3885305"/>
+              <a:ext cx="616156" cy="433464"/>
+            </a:xfrm>
+            <a:prstGeom prst="rect">
+              <a:avLst/>
+            </a:prstGeom>
+          </p:spPr>
+        </p:pic>
+        <p:cxnSp>
+          <p:nvCxnSpPr>
+            <p:cNvPr id="29" name="Straight Arrow Connector 28">
+              <a:extLst>
+                <a:ext uri="{FF2B5EF4-FFF2-40B4-BE49-F238E27FC236}">
+                  <a16:creationId xmlns:a16="http://schemas.microsoft.com/office/drawing/2014/main" id="{A9A31865-5F61-3492-BA5F-1CDDF418A988}"/>
+                </a:ext>
+              </a:extLst>
+            </p:cNvPr>
+            <p:cNvCxnSpPr>
+              <a:cxnSpLocks/>
+            </p:cNvCxnSpPr>
+            <p:nvPr/>
+          </p:nvCxnSpPr>
+          <p:spPr>
+            <a:xfrm>
+              <a:off x="511094" y="3600450"/>
+              <a:ext cx="0" cy="322955"/>
+            </a:xfrm>
+            <a:prstGeom prst="straightConnector1">
+              <a:avLst/>
+            </a:prstGeom>
+            <a:ln w="38100">
+              <a:solidFill>
+                <a:schemeClr val="accent4">
+                  <a:lumMod val="75000"/>
+                </a:schemeClr>
+              </a:solidFill>
+              <a:tailEnd type="triangle"/>
+            </a:ln>
+          </p:spPr>
+          <p:style>
+            <a:lnRef idx="1">
+              <a:schemeClr val="accent1"/>
+            </a:lnRef>
+            <a:fillRef idx="0">
+              <a:schemeClr val="accent1"/>
+            </a:fillRef>
+            <a:effectRef idx="0">
+              <a:schemeClr val="accent1"/>
+            </a:effectRef>
+            <a:fontRef idx="minor">
+              <a:schemeClr val="tx1"/>
+            </a:fontRef>
+          </p:style>
+        </p:cxnSp>
+      </p:grpSp>
     </p:spTree>
     <p:extLst>
       <p:ext uri="{BB962C8B-B14F-4D97-AF65-F5344CB8AC3E}">
@@ -6638,10 +7594,250 @@
   <p:clrMapOvr>
     <a:masterClrMapping/>
   </p:clrMapOvr>
+  <p:timing>
+    <p:tnLst>
+      <p:par>
+        <p:cTn id="1" dur="indefinite" restart="never" nodeType="tmRoot">
+          <p:childTnLst>
+            <p:seq concurrent="1" nextAc="seek">
+              <p:cTn id="2" dur="indefinite" nodeType="mainSeq">
+                <p:childTnLst>
+                  <p:par>
+                    <p:cTn id="3" fill="hold">
+                      <p:stCondLst>
+                        <p:cond delay="indefinite"/>
+                      </p:stCondLst>
+                      <p:childTnLst>
+                        <p:par>
+                          <p:cTn id="4" fill="hold">
+                            <p:stCondLst>
+                              <p:cond delay="0"/>
+                            </p:stCondLst>
+                            <p:childTnLst>
+                              <p:par>
+                                <p:cTn id="5" presetID="1" presetClass="entr" presetSubtype="0" fill="hold" nodeType="clickEffect">
+                                  <p:stCondLst>
+                                    <p:cond delay="0"/>
+                                  </p:stCondLst>
+                                  <p:childTnLst>
+                                    <p:set>
+                                      <p:cBhvr>
+                                        <p:cTn id="6" dur="1" fill="hold">
+                                          <p:stCondLst>
+                                            <p:cond delay="0"/>
+                                          </p:stCondLst>
+                                        </p:cTn>
+                                        <p:tgtEl>
+                                          <p:spTgt spid="4"/>
+                                        </p:tgtEl>
+                                        <p:attrNameLst>
+                                          <p:attrName>style.visibility</p:attrName>
+                                        </p:attrNameLst>
+                                      </p:cBhvr>
+                                      <p:to>
+                                        <p:strVal val="visible"/>
+                                      </p:to>
+                                    </p:set>
+                                  </p:childTnLst>
+                                </p:cTn>
+                              </p:par>
+                            </p:childTnLst>
+                          </p:cTn>
+                        </p:par>
+                      </p:childTnLst>
+                    </p:cTn>
+                  </p:par>
+                  <p:par>
+                    <p:cTn id="7" fill="hold">
+                      <p:stCondLst>
+                        <p:cond delay="indefinite"/>
+                      </p:stCondLst>
+                      <p:childTnLst>
+                        <p:par>
+                          <p:cTn id="8" fill="hold">
+                            <p:stCondLst>
+                              <p:cond delay="0"/>
+                            </p:stCondLst>
+                            <p:childTnLst>
+                              <p:par>
+                                <p:cTn id="9" presetID="1" presetClass="entr" presetSubtype="0" fill="hold" nodeType="clickEffect">
+                                  <p:stCondLst>
+                                    <p:cond delay="0"/>
+                                  </p:stCondLst>
+                                  <p:childTnLst>
+                                    <p:set>
+                                      <p:cBhvr>
+                                        <p:cTn id="10" dur="1" fill="hold">
+                                          <p:stCondLst>
+                                            <p:cond delay="0"/>
+                                          </p:stCondLst>
+                                        </p:cTn>
+                                        <p:tgtEl>
+                                          <p:spTgt spid="35"/>
+                                        </p:tgtEl>
+                                        <p:attrNameLst>
+                                          <p:attrName>style.visibility</p:attrName>
+                                        </p:attrNameLst>
+                                      </p:cBhvr>
+                                      <p:to>
+                                        <p:strVal val="visible"/>
+                                      </p:to>
+                                    </p:set>
+                                  </p:childTnLst>
+                                </p:cTn>
+                              </p:par>
+                            </p:childTnLst>
+                          </p:cTn>
+                        </p:par>
+                      </p:childTnLst>
+                    </p:cTn>
+                  </p:par>
+                  <p:par>
+                    <p:cTn id="11" fill="hold">
+                      <p:stCondLst>
+                        <p:cond delay="indefinite"/>
+                      </p:stCondLst>
+                      <p:childTnLst>
+                        <p:par>
+                          <p:cTn id="12" fill="hold">
+                            <p:stCondLst>
+                              <p:cond delay="0"/>
+                            </p:stCondLst>
+                            <p:childTnLst>
+                              <p:par>
+                                <p:cTn id="13" presetID="1" presetClass="entr" presetSubtype="0" fill="hold" nodeType="clickEffect">
+                                  <p:stCondLst>
+                                    <p:cond delay="0"/>
+                                  </p:stCondLst>
+                                  <p:childTnLst>
+                                    <p:set>
+                                      <p:cBhvr>
+                                        <p:cTn id="14" dur="1" fill="hold">
+                                          <p:stCondLst>
+                                            <p:cond delay="0"/>
+                                          </p:stCondLst>
+                                        </p:cTn>
+                                        <p:tgtEl>
+                                          <p:spTgt spid="36"/>
+                                        </p:tgtEl>
+                                        <p:attrNameLst>
+                                          <p:attrName>style.visibility</p:attrName>
+                                        </p:attrNameLst>
+                                      </p:cBhvr>
+                                      <p:to>
+                                        <p:strVal val="visible"/>
+                                      </p:to>
+                                    </p:set>
+                                  </p:childTnLst>
+                                </p:cTn>
+                              </p:par>
+                            </p:childTnLst>
+                          </p:cTn>
+                        </p:par>
+                      </p:childTnLst>
+                    </p:cTn>
+                  </p:par>
+                  <p:par>
+                    <p:cTn id="15" fill="hold">
+                      <p:stCondLst>
+                        <p:cond delay="indefinite"/>
+                      </p:stCondLst>
+                      <p:childTnLst>
+                        <p:par>
+                          <p:cTn id="16" fill="hold">
+                            <p:stCondLst>
+                              <p:cond delay="0"/>
+                            </p:stCondLst>
+                            <p:childTnLst>
+                              <p:par>
+                                <p:cTn id="17" presetID="1" presetClass="entr" presetSubtype="0" fill="hold" grpId="0" nodeType="clickEffect">
+                                  <p:stCondLst>
+                                    <p:cond delay="0"/>
+                                  </p:stCondLst>
+                                  <p:childTnLst>
+                                    <p:set>
+                                      <p:cBhvr>
+                                        <p:cTn id="18" dur="1" fill="hold">
+                                          <p:stCondLst>
+                                            <p:cond delay="0"/>
+                                          </p:stCondLst>
+                                        </p:cTn>
+                                        <p:tgtEl>
+                                          <p:spTgt spid="7"/>
+                                        </p:tgtEl>
+                                        <p:attrNameLst>
+                                          <p:attrName>style.visibility</p:attrName>
+                                        </p:attrNameLst>
+                                      </p:cBhvr>
+                                      <p:to>
+                                        <p:strVal val="visible"/>
+                                      </p:to>
+                                    </p:set>
+                                  </p:childTnLst>
+                                </p:cTn>
+                              </p:par>
+                              <p:par>
+                                <p:cTn id="19" presetID="1" presetClass="entr" presetSubtype="0" fill="hold" nodeType="withEffect">
+                                  <p:stCondLst>
+                                    <p:cond delay="0"/>
+                                  </p:stCondLst>
+                                  <p:childTnLst>
+                                    <p:set>
+                                      <p:cBhvr>
+                                        <p:cTn id="20" dur="1" fill="hold">
+                                          <p:stCondLst>
+                                            <p:cond delay="0"/>
+                                          </p:stCondLst>
+                                        </p:cTn>
+                                        <p:tgtEl>
+                                          <p:spTgt spid="37"/>
+                                        </p:tgtEl>
+                                        <p:attrNameLst>
+                                          <p:attrName>style.visibility</p:attrName>
+                                        </p:attrNameLst>
+                                      </p:cBhvr>
+                                      <p:to>
+                                        <p:strVal val="visible"/>
+                                      </p:to>
+                                    </p:set>
+                                  </p:childTnLst>
+                                </p:cTn>
+                              </p:par>
+                            </p:childTnLst>
+                          </p:cTn>
+                        </p:par>
+                      </p:childTnLst>
+                    </p:cTn>
+                  </p:par>
+                </p:childTnLst>
+              </p:cTn>
+              <p:prevCondLst>
+                <p:cond evt="onPrev" delay="0">
+                  <p:tgtEl>
+                    <p:sldTgt/>
+                  </p:tgtEl>
+                </p:cond>
+              </p:prevCondLst>
+              <p:nextCondLst>
+                <p:cond evt="onNext" delay="0">
+                  <p:tgtEl>
+                    <p:sldTgt/>
+                  </p:tgtEl>
+                </p:cond>
+              </p:nextCondLst>
+            </p:seq>
+          </p:childTnLst>
+        </p:cTn>
+      </p:par>
+    </p:tnLst>
+    <p:bldLst>
+      <p:bldP spid="7" grpId="0"/>
+    </p:bldLst>
+  </p:timing>
 </p:sld>
 </file>
 
-<file path=ppt/slides/slide16.xml><?xml version="1.0" encoding="utf-8"?>
+<file path=ppt/slides/slide18.xml><?xml version="1.0" encoding="utf-8"?>
 <p:sld xmlns:a="http://schemas.openxmlformats.org/drawingml/2006/main" xmlns:r="http://schemas.openxmlformats.org/officeDocument/2006/relationships" xmlns:p="http://schemas.openxmlformats.org/presentationml/2006/main">
   <p:cSld>
     <p:spTree>
@@ -7031,7 +8227,7 @@
 </p:sld>
 </file>
 
-<file path=ppt/slides/slide17.xml><?xml version="1.0" encoding="utf-8"?>
+<file path=ppt/slides/slide19.xml><?xml version="1.0" encoding="utf-8"?>
 <p:sld xmlns:a="http://schemas.openxmlformats.org/drawingml/2006/main" xmlns:r="http://schemas.openxmlformats.org/officeDocument/2006/relationships" xmlns:p="http://schemas.openxmlformats.org/presentationml/2006/main">
   <p:cSld>
     <p:spTree>
@@ -7064,14 +8260,19 @@
             <p:ph type="title"/>
           </p:nvPr>
         </p:nvSpPr>
-        <p:spPr/>
+        <p:spPr>
+          <a:xfrm>
+            <a:off x="628650" y="365126"/>
+            <a:ext cx="6802164" cy="1325563"/>
+          </a:xfrm>
+        </p:spPr>
         <p:txBody>
           <a:bodyPr/>
           <a:lstStyle/>
           <a:p>
             <a:r>
               <a:rPr lang="en-US" dirty="0"/>
-              <a:t>What does the more complex app look like?</a:t>
+              <a:t>More complex app</a:t>
             </a:r>
           </a:p>
         </p:txBody>
@@ -7100,6 +8301,42 @@
           <a:xfrm>
             <a:off x="565588" y="1690689"/>
             <a:ext cx="7935432" cy="4810796"/>
+          </a:xfrm>
+          <a:prstGeom prst="rect">
+            <a:avLst/>
+          </a:prstGeom>
+        </p:spPr>
+      </p:pic>
+      <p:pic>
+        <p:nvPicPr>
+          <p:cNvPr id="3" name="Picture 2">
+            <a:extLst>
+              <a:ext uri="{FF2B5EF4-FFF2-40B4-BE49-F238E27FC236}">
+                <a16:creationId xmlns:a16="http://schemas.microsoft.com/office/drawing/2014/main" id="{52B61C4E-C00F-BD10-7C16-24B415C9BC0B}"/>
+              </a:ext>
+            </a:extLst>
+          </p:cNvPr>
+          <p:cNvPicPr>
+            <a:picLocks noChangeAspect="1"/>
+          </p:cNvPicPr>
+          <p:nvPr/>
+        </p:nvPicPr>
+        <p:blipFill>
+          <a:blip r:embed="rId3">
+            <a:extLst>
+              <a:ext uri="{28A0092B-C50C-407E-A947-70E740481C1C}">
+                <a14:useLocalDpi xmlns:a14="http://schemas.microsoft.com/office/drawing/2010/main" val="0"/>
+              </a:ext>
+            </a:extLst>
+          </a:blip>
+          <a:stretch>
+            <a:fillRect/>
+          </a:stretch>
+        </p:blipFill>
+        <p:spPr>
+          <a:xfrm>
+            <a:off x="7568979" y="0"/>
+            <a:ext cx="1575021" cy="1825625"/>
           </a:xfrm>
           <a:prstGeom prst="rect">
             <a:avLst/>
@@ -7119,7 +8356,329 @@
 </p:sld>
 </file>
 
-<file path=ppt/slides/slide18.xml><?xml version="1.0" encoding="utf-8"?>
+<file path=ppt/slides/slide2.xml><?xml version="1.0" encoding="utf-8"?>
+<p:sld xmlns:a="http://schemas.openxmlformats.org/drawingml/2006/main" xmlns:r="http://schemas.openxmlformats.org/officeDocument/2006/relationships" xmlns:p="http://schemas.openxmlformats.org/presentationml/2006/main">
+  <p:cSld>
+    <p:bg>
+      <p:bgPr>
+        <a:solidFill>
+          <a:schemeClr val="bg1"/>
+        </a:solidFill>
+        <a:effectLst/>
+      </p:bgPr>
+    </p:bg>
+    <p:spTree>
+      <p:nvGrpSpPr>
+        <p:cNvPr id="1" name=""/>
+        <p:cNvGrpSpPr/>
+        <p:nvPr/>
+      </p:nvGrpSpPr>
+      <p:grpSpPr>
+        <a:xfrm>
+          <a:off x="0" y="0"/>
+          <a:ext cx="0" cy="0"/>
+          <a:chOff x="0" y="0"/>
+          <a:chExt cx="0" cy="0"/>
+        </a:xfrm>
+      </p:grpSpPr>
+      <p:sp>
+        <p:nvSpPr>
+          <p:cNvPr id="2" name="Title 1">
+            <a:extLst>
+              <a:ext uri="{FF2B5EF4-FFF2-40B4-BE49-F238E27FC236}">
+                <a16:creationId xmlns:a16="http://schemas.microsoft.com/office/drawing/2014/main" id="{1D2AC99F-2856-46E7-B4EC-4D060B933CAA}"/>
+              </a:ext>
+            </a:extLst>
+          </p:cNvPr>
+          <p:cNvSpPr>
+            <a:spLocks noGrp="1"/>
+          </p:cNvSpPr>
+          <p:nvPr>
+            <p:ph type="title"/>
+          </p:nvPr>
+        </p:nvSpPr>
+        <p:spPr/>
+        <p:txBody>
+          <a:bodyPr/>
+          <a:lstStyle/>
+          <a:p>
+            <a:r>
+              <a:rPr lang="en-US" dirty="0"/>
+              <a:t>What is shiny?</a:t>
+            </a:r>
+          </a:p>
+        </p:txBody>
+      </p:sp>
+      <p:sp>
+        <p:nvSpPr>
+          <p:cNvPr id="3" name="Content Placeholder 2">
+            <a:extLst>
+              <a:ext uri="{FF2B5EF4-FFF2-40B4-BE49-F238E27FC236}">
+                <a16:creationId xmlns:a16="http://schemas.microsoft.com/office/drawing/2014/main" id="{3099B910-6B09-4DFF-B1A3-CDA837A99469}"/>
+              </a:ext>
+            </a:extLst>
+          </p:cNvPr>
+          <p:cNvSpPr>
+            <a:spLocks noGrp="1"/>
+          </p:cNvSpPr>
+          <p:nvPr>
+            <p:ph idx="1"/>
+          </p:nvPr>
+        </p:nvSpPr>
+        <p:spPr/>
+        <p:txBody>
+          <a:bodyPr/>
+          <a:lstStyle/>
+          <a:p>
+            <a:r>
+              <a:rPr lang="en-US" dirty="0"/>
+              <a:t>R package to build interactive apps with a graphical user interface.</a:t>
+            </a:r>
+          </a:p>
+          <a:p>
+            <a:r>
+              <a:rPr lang="en-US" dirty="0"/>
+              <a:t>Practically any R functionality (including external packages) can be used in a shiny app.</a:t>
+            </a:r>
+          </a:p>
+          <a:p>
+            <a:r>
+              <a:rPr lang="en-US" dirty="0"/>
+              <a:t>Apps can be hosted online and distributed as web pages, or used locally</a:t>
+            </a:r>
+          </a:p>
+        </p:txBody>
+      </p:sp>
+      <p:pic>
+        <p:nvPicPr>
+          <p:cNvPr id="4" name="Picture 3">
+            <a:extLst>
+              <a:ext uri="{FF2B5EF4-FFF2-40B4-BE49-F238E27FC236}">
+                <a16:creationId xmlns:a16="http://schemas.microsoft.com/office/drawing/2014/main" id="{49CBE423-A4F6-4409-A58C-3DB6F501FEB6}"/>
+              </a:ext>
+            </a:extLst>
+          </p:cNvPr>
+          <p:cNvPicPr>
+            <a:picLocks noChangeAspect="1"/>
+          </p:cNvPicPr>
+          <p:nvPr/>
+        </p:nvPicPr>
+        <p:blipFill>
+          <a:blip r:embed="rId2">
+            <a:extLst>
+              <a:ext uri="{28A0092B-C50C-407E-A947-70E740481C1C}">
+                <a14:useLocalDpi xmlns:a14="http://schemas.microsoft.com/office/drawing/2010/main" val="0"/>
+              </a:ext>
+            </a:extLst>
+          </a:blip>
+          <a:stretch>
+            <a:fillRect/>
+          </a:stretch>
+        </p:blipFill>
+        <p:spPr>
+          <a:xfrm>
+            <a:off x="7568979" y="0"/>
+            <a:ext cx="1575021" cy="1825625"/>
+          </a:xfrm>
+          <a:prstGeom prst="rect">
+            <a:avLst/>
+          </a:prstGeom>
+        </p:spPr>
+      </p:pic>
+    </p:spTree>
+    <p:extLst>
+      <p:ext uri="{BB962C8B-B14F-4D97-AF65-F5344CB8AC3E}">
+        <p14:creationId xmlns:p14="http://schemas.microsoft.com/office/powerpoint/2010/main" val="3261348422"/>
+      </p:ext>
+    </p:extLst>
+  </p:cSld>
+  <p:clrMapOvr>
+    <a:masterClrMapping/>
+  </p:clrMapOvr>
+  <p:timing>
+    <p:tnLst>
+      <p:par>
+        <p:cTn id="1" dur="indefinite" restart="never" nodeType="tmRoot">
+          <p:childTnLst>
+            <p:seq concurrent="1" nextAc="seek">
+              <p:cTn id="2" dur="indefinite" nodeType="mainSeq">
+                <p:childTnLst>
+                  <p:par>
+                    <p:cTn id="3" fill="hold">
+                      <p:stCondLst>
+                        <p:cond delay="indefinite"/>
+                      </p:stCondLst>
+                      <p:childTnLst>
+                        <p:par>
+                          <p:cTn id="4" fill="hold">
+                            <p:stCondLst>
+                              <p:cond delay="0"/>
+                            </p:stCondLst>
+                            <p:childTnLst>
+                              <p:par>
+                                <p:cTn id="5" presetID="1" presetClass="entr" presetSubtype="0" fill="hold" grpId="0" nodeType="clickEffect">
+                                  <p:stCondLst>
+                                    <p:cond delay="0"/>
+                                  </p:stCondLst>
+                                  <p:childTnLst>
+                                    <p:set>
+                                      <p:cBhvr>
+                                        <p:cTn id="6" dur="1" fill="hold">
+                                          <p:stCondLst>
+                                            <p:cond delay="0"/>
+                                          </p:stCondLst>
+                                        </p:cTn>
+                                        <p:tgtEl>
+                                          <p:spTgt spid="3">
+                                            <p:txEl>
+                                              <p:pRg st="0" end="0"/>
+                                            </p:txEl>
+                                          </p:spTgt>
+                                        </p:tgtEl>
+                                        <p:attrNameLst>
+                                          <p:attrName>style.visibility</p:attrName>
+                                        </p:attrNameLst>
+                                      </p:cBhvr>
+                                      <p:to>
+                                        <p:strVal val="visible"/>
+                                      </p:to>
+                                    </p:set>
+                                  </p:childTnLst>
+                                </p:cTn>
+                              </p:par>
+                            </p:childTnLst>
+                          </p:cTn>
+                        </p:par>
+                      </p:childTnLst>
+                    </p:cTn>
+                  </p:par>
+                  <p:par>
+                    <p:cTn id="7" fill="hold">
+                      <p:stCondLst>
+                        <p:cond delay="indefinite"/>
+                      </p:stCondLst>
+                      <p:childTnLst>
+                        <p:par>
+                          <p:cTn id="8" fill="hold">
+                            <p:stCondLst>
+                              <p:cond delay="0"/>
+                            </p:stCondLst>
+                            <p:childTnLst>
+                              <p:par>
+                                <p:cTn id="9" presetID="1" presetClass="entr" presetSubtype="0" fill="hold" grpId="0" nodeType="clickEffect">
+                                  <p:stCondLst>
+                                    <p:cond delay="0"/>
+                                  </p:stCondLst>
+                                  <p:childTnLst>
+                                    <p:set>
+                                      <p:cBhvr>
+                                        <p:cTn id="10" dur="1" fill="hold">
+                                          <p:stCondLst>
+                                            <p:cond delay="0"/>
+                                          </p:stCondLst>
+                                        </p:cTn>
+                                        <p:tgtEl>
+                                          <p:spTgt spid="3">
+                                            <p:txEl>
+                                              <p:pRg st="1" end="1"/>
+                                            </p:txEl>
+                                          </p:spTgt>
+                                        </p:tgtEl>
+                                        <p:attrNameLst>
+                                          <p:attrName>style.visibility</p:attrName>
+                                        </p:attrNameLst>
+                                      </p:cBhvr>
+                                      <p:to>
+                                        <p:strVal val="visible"/>
+                                      </p:to>
+                                    </p:set>
+                                  </p:childTnLst>
+                                </p:cTn>
+                              </p:par>
+                            </p:childTnLst>
+                          </p:cTn>
+                        </p:par>
+                      </p:childTnLst>
+                    </p:cTn>
+                  </p:par>
+                  <p:par>
+                    <p:cTn id="11" fill="hold">
+                      <p:stCondLst>
+                        <p:cond delay="indefinite"/>
+                      </p:stCondLst>
+                      <p:childTnLst>
+                        <p:par>
+                          <p:cTn id="12" fill="hold">
+                            <p:stCondLst>
+                              <p:cond delay="0"/>
+                            </p:stCondLst>
+                            <p:childTnLst>
+                              <p:par>
+                                <p:cTn id="13" presetID="1" presetClass="entr" presetSubtype="0" fill="hold" grpId="0" nodeType="clickEffect">
+                                  <p:stCondLst>
+                                    <p:cond delay="0"/>
+                                  </p:stCondLst>
+                                  <p:childTnLst>
+                                    <p:set>
+                                      <p:cBhvr>
+                                        <p:cTn id="14" dur="1" fill="hold">
+                                          <p:stCondLst>
+                                            <p:cond delay="0"/>
+                                          </p:stCondLst>
+                                        </p:cTn>
+                                        <p:tgtEl>
+                                          <p:spTgt spid="3">
+                                            <p:txEl>
+                                              <p:pRg st="2" end="2"/>
+                                            </p:txEl>
+                                          </p:spTgt>
+                                        </p:tgtEl>
+                                        <p:attrNameLst>
+                                          <p:attrName>style.visibility</p:attrName>
+                                        </p:attrNameLst>
+                                      </p:cBhvr>
+                                      <p:to>
+                                        <p:strVal val="visible"/>
+                                      </p:to>
+                                    </p:set>
+                                  </p:childTnLst>
+                                </p:cTn>
+                              </p:par>
+                            </p:childTnLst>
+                          </p:cTn>
+                        </p:par>
+                      </p:childTnLst>
+                    </p:cTn>
+                  </p:par>
+                </p:childTnLst>
+              </p:cTn>
+              <p:prevCondLst>
+                <p:cond evt="onPrev" delay="0">
+                  <p:tgtEl>
+                    <p:sldTgt/>
+                  </p:tgtEl>
+                </p:cond>
+              </p:prevCondLst>
+              <p:nextCondLst>
+                <p:cond evt="onNext" delay="0">
+                  <p:tgtEl>
+                    <p:sldTgt/>
+                  </p:tgtEl>
+                </p:cond>
+              </p:nextCondLst>
+            </p:seq>
+          </p:childTnLst>
+        </p:cTn>
+      </p:par>
+    </p:tnLst>
+    <p:bldLst>
+      <p:bldP spid="3" grpId="0" build="p"/>
+    </p:bldLst>
+  </p:timing>
+</p:sld>
+</file>
+
+<file path=ppt/slides/slide20.xml><?xml version="1.0" encoding="utf-8"?>
 <p:sld xmlns:a="http://schemas.openxmlformats.org/drawingml/2006/main" xmlns:r="http://schemas.openxmlformats.org/officeDocument/2006/relationships" xmlns:p="http://schemas.openxmlformats.org/presentationml/2006/main">
   <p:cSld>
     <p:spTree>
@@ -8872,7 +10431,7 @@
 </p:sld>
 </file>
 
-<file path=ppt/slides/slide19.xml><?xml version="1.0" encoding="utf-8"?>
+<file path=ppt/slides/slide21.xml><?xml version="1.0" encoding="utf-8"?>
 <p:sld xmlns:a="http://schemas.openxmlformats.org/drawingml/2006/main" xmlns:r="http://schemas.openxmlformats.org/officeDocument/2006/relationships" xmlns:p="http://schemas.openxmlformats.org/presentationml/2006/main">
   <p:cSld>
     <p:spTree>
@@ -9215,329 +10774,7 @@
 </p:sld>
 </file>
 
-<file path=ppt/slides/slide2.xml><?xml version="1.0" encoding="utf-8"?>
-<p:sld xmlns:a="http://schemas.openxmlformats.org/drawingml/2006/main" xmlns:r="http://schemas.openxmlformats.org/officeDocument/2006/relationships" xmlns:p="http://schemas.openxmlformats.org/presentationml/2006/main">
-  <p:cSld>
-    <p:bg>
-      <p:bgPr>
-        <a:solidFill>
-          <a:schemeClr val="bg1"/>
-        </a:solidFill>
-        <a:effectLst/>
-      </p:bgPr>
-    </p:bg>
-    <p:spTree>
-      <p:nvGrpSpPr>
-        <p:cNvPr id="1" name=""/>
-        <p:cNvGrpSpPr/>
-        <p:nvPr/>
-      </p:nvGrpSpPr>
-      <p:grpSpPr>
-        <a:xfrm>
-          <a:off x="0" y="0"/>
-          <a:ext cx="0" cy="0"/>
-          <a:chOff x="0" y="0"/>
-          <a:chExt cx="0" cy="0"/>
-        </a:xfrm>
-      </p:grpSpPr>
-      <p:sp>
-        <p:nvSpPr>
-          <p:cNvPr id="2" name="Title 1">
-            <a:extLst>
-              <a:ext uri="{FF2B5EF4-FFF2-40B4-BE49-F238E27FC236}">
-                <a16:creationId xmlns:a16="http://schemas.microsoft.com/office/drawing/2014/main" id="{1D2AC99F-2856-46E7-B4EC-4D060B933CAA}"/>
-              </a:ext>
-            </a:extLst>
-          </p:cNvPr>
-          <p:cNvSpPr>
-            <a:spLocks noGrp="1"/>
-          </p:cNvSpPr>
-          <p:nvPr>
-            <p:ph type="title"/>
-          </p:nvPr>
-        </p:nvSpPr>
-        <p:spPr/>
-        <p:txBody>
-          <a:bodyPr/>
-          <a:lstStyle/>
-          <a:p>
-            <a:r>
-              <a:rPr lang="en-US" dirty="0"/>
-              <a:t>What is shiny?</a:t>
-            </a:r>
-          </a:p>
-        </p:txBody>
-      </p:sp>
-      <p:sp>
-        <p:nvSpPr>
-          <p:cNvPr id="3" name="Content Placeholder 2">
-            <a:extLst>
-              <a:ext uri="{FF2B5EF4-FFF2-40B4-BE49-F238E27FC236}">
-                <a16:creationId xmlns:a16="http://schemas.microsoft.com/office/drawing/2014/main" id="{3099B910-6B09-4DFF-B1A3-CDA837A99469}"/>
-              </a:ext>
-            </a:extLst>
-          </p:cNvPr>
-          <p:cNvSpPr>
-            <a:spLocks noGrp="1"/>
-          </p:cNvSpPr>
-          <p:nvPr>
-            <p:ph idx="1"/>
-          </p:nvPr>
-        </p:nvSpPr>
-        <p:spPr/>
-        <p:txBody>
-          <a:bodyPr/>
-          <a:lstStyle/>
-          <a:p>
-            <a:r>
-              <a:rPr lang="en-US" dirty="0"/>
-              <a:t>R package to build interactive apps with a graphical user interface.</a:t>
-            </a:r>
-          </a:p>
-          <a:p>
-            <a:r>
-              <a:rPr lang="en-US" dirty="0"/>
-              <a:t>Practically any R functionality (including external packages) can be used in a shiny app.</a:t>
-            </a:r>
-          </a:p>
-          <a:p>
-            <a:r>
-              <a:rPr lang="en-US" dirty="0"/>
-              <a:t>Apps can be hosted online and distributed as web pages, or used locally</a:t>
-            </a:r>
-          </a:p>
-        </p:txBody>
-      </p:sp>
-      <p:pic>
-        <p:nvPicPr>
-          <p:cNvPr id="4" name="Picture 3">
-            <a:extLst>
-              <a:ext uri="{FF2B5EF4-FFF2-40B4-BE49-F238E27FC236}">
-                <a16:creationId xmlns:a16="http://schemas.microsoft.com/office/drawing/2014/main" id="{49CBE423-A4F6-4409-A58C-3DB6F501FEB6}"/>
-              </a:ext>
-            </a:extLst>
-          </p:cNvPr>
-          <p:cNvPicPr>
-            <a:picLocks noChangeAspect="1"/>
-          </p:cNvPicPr>
-          <p:nvPr/>
-        </p:nvPicPr>
-        <p:blipFill>
-          <a:blip r:embed="rId2">
-            <a:extLst>
-              <a:ext uri="{28A0092B-C50C-407E-A947-70E740481C1C}">
-                <a14:useLocalDpi xmlns:a14="http://schemas.microsoft.com/office/drawing/2010/main" val="0"/>
-              </a:ext>
-            </a:extLst>
-          </a:blip>
-          <a:stretch>
-            <a:fillRect/>
-          </a:stretch>
-        </p:blipFill>
-        <p:spPr>
-          <a:xfrm>
-            <a:off x="7568979" y="0"/>
-            <a:ext cx="1575021" cy="1825625"/>
-          </a:xfrm>
-          <a:prstGeom prst="rect">
-            <a:avLst/>
-          </a:prstGeom>
-        </p:spPr>
-      </p:pic>
-    </p:spTree>
-    <p:extLst>
-      <p:ext uri="{BB962C8B-B14F-4D97-AF65-F5344CB8AC3E}">
-        <p14:creationId xmlns:p14="http://schemas.microsoft.com/office/powerpoint/2010/main" val="3261348422"/>
-      </p:ext>
-    </p:extLst>
-  </p:cSld>
-  <p:clrMapOvr>
-    <a:masterClrMapping/>
-  </p:clrMapOvr>
-  <p:timing>
-    <p:tnLst>
-      <p:par>
-        <p:cTn id="1" dur="indefinite" restart="never" nodeType="tmRoot">
-          <p:childTnLst>
-            <p:seq concurrent="1" nextAc="seek">
-              <p:cTn id="2" dur="indefinite" nodeType="mainSeq">
-                <p:childTnLst>
-                  <p:par>
-                    <p:cTn id="3" fill="hold">
-                      <p:stCondLst>
-                        <p:cond delay="indefinite"/>
-                      </p:stCondLst>
-                      <p:childTnLst>
-                        <p:par>
-                          <p:cTn id="4" fill="hold">
-                            <p:stCondLst>
-                              <p:cond delay="0"/>
-                            </p:stCondLst>
-                            <p:childTnLst>
-                              <p:par>
-                                <p:cTn id="5" presetID="1" presetClass="entr" presetSubtype="0" fill="hold" grpId="0" nodeType="clickEffect">
-                                  <p:stCondLst>
-                                    <p:cond delay="0"/>
-                                  </p:stCondLst>
-                                  <p:childTnLst>
-                                    <p:set>
-                                      <p:cBhvr>
-                                        <p:cTn id="6" dur="1" fill="hold">
-                                          <p:stCondLst>
-                                            <p:cond delay="0"/>
-                                          </p:stCondLst>
-                                        </p:cTn>
-                                        <p:tgtEl>
-                                          <p:spTgt spid="3">
-                                            <p:txEl>
-                                              <p:pRg st="0" end="0"/>
-                                            </p:txEl>
-                                          </p:spTgt>
-                                        </p:tgtEl>
-                                        <p:attrNameLst>
-                                          <p:attrName>style.visibility</p:attrName>
-                                        </p:attrNameLst>
-                                      </p:cBhvr>
-                                      <p:to>
-                                        <p:strVal val="visible"/>
-                                      </p:to>
-                                    </p:set>
-                                  </p:childTnLst>
-                                </p:cTn>
-                              </p:par>
-                            </p:childTnLst>
-                          </p:cTn>
-                        </p:par>
-                      </p:childTnLst>
-                    </p:cTn>
-                  </p:par>
-                  <p:par>
-                    <p:cTn id="7" fill="hold">
-                      <p:stCondLst>
-                        <p:cond delay="indefinite"/>
-                      </p:stCondLst>
-                      <p:childTnLst>
-                        <p:par>
-                          <p:cTn id="8" fill="hold">
-                            <p:stCondLst>
-                              <p:cond delay="0"/>
-                            </p:stCondLst>
-                            <p:childTnLst>
-                              <p:par>
-                                <p:cTn id="9" presetID="1" presetClass="entr" presetSubtype="0" fill="hold" grpId="0" nodeType="clickEffect">
-                                  <p:stCondLst>
-                                    <p:cond delay="0"/>
-                                  </p:stCondLst>
-                                  <p:childTnLst>
-                                    <p:set>
-                                      <p:cBhvr>
-                                        <p:cTn id="10" dur="1" fill="hold">
-                                          <p:stCondLst>
-                                            <p:cond delay="0"/>
-                                          </p:stCondLst>
-                                        </p:cTn>
-                                        <p:tgtEl>
-                                          <p:spTgt spid="3">
-                                            <p:txEl>
-                                              <p:pRg st="1" end="1"/>
-                                            </p:txEl>
-                                          </p:spTgt>
-                                        </p:tgtEl>
-                                        <p:attrNameLst>
-                                          <p:attrName>style.visibility</p:attrName>
-                                        </p:attrNameLst>
-                                      </p:cBhvr>
-                                      <p:to>
-                                        <p:strVal val="visible"/>
-                                      </p:to>
-                                    </p:set>
-                                  </p:childTnLst>
-                                </p:cTn>
-                              </p:par>
-                            </p:childTnLst>
-                          </p:cTn>
-                        </p:par>
-                      </p:childTnLst>
-                    </p:cTn>
-                  </p:par>
-                  <p:par>
-                    <p:cTn id="11" fill="hold">
-                      <p:stCondLst>
-                        <p:cond delay="indefinite"/>
-                      </p:stCondLst>
-                      <p:childTnLst>
-                        <p:par>
-                          <p:cTn id="12" fill="hold">
-                            <p:stCondLst>
-                              <p:cond delay="0"/>
-                            </p:stCondLst>
-                            <p:childTnLst>
-                              <p:par>
-                                <p:cTn id="13" presetID="1" presetClass="entr" presetSubtype="0" fill="hold" grpId="0" nodeType="clickEffect">
-                                  <p:stCondLst>
-                                    <p:cond delay="0"/>
-                                  </p:stCondLst>
-                                  <p:childTnLst>
-                                    <p:set>
-                                      <p:cBhvr>
-                                        <p:cTn id="14" dur="1" fill="hold">
-                                          <p:stCondLst>
-                                            <p:cond delay="0"/>
-                                          </p:stCondLst>
-                                        </p:cTn>
-                                        <p:tgtEl>
-                                          <p:spTgt spid="3">
-                                            <p:txEl>
-                                              <p:pRg st="2" end="2"/>
-                                            </p:txEl>
-                                          </p:spTgt>
-                                        </p:tgtEl>
-                                        <p:attrNameLst>
-                                          <p:attrName>style.visibility</p:attrName>
-                                        </p:attrNameLst>
-                                      </p:cBhvr>
-                                      <p:to>
-                                        <p:strVal val="visible"/>
-                                      </p:to>
-                                    </p:set>
-                                  </p:childTnLst>
-                                </p:cTn>
-                              </p:par>
-                            </p:childTnLst>
-                          </p:cTn>
-                        </p:par>
-                      </p:childTnLst>
-                    </p:cTn>
-                  </p:par>
-                </p:childTnLst>
-              </p:cTn>
-              <p:prevCondLst>
-                <p:cond evt="onPrev" delay="0">
-                  <p:tgtEl>
-                    <p:sldTgt/>
-                  </p:tgtEl>
-                </p:cond>
-              </p:prevCondLst>
-              <p:nextCondLst>
-                <p:cond evt="onNext" delay="0">
-                  <p:tgtEl>
-                    <p:sldTgt/>
-                  </p:tgtEl>
-                </p:cond>
-              </p:nextCondLst>
-            </p:seq>
-          </p:childTnLst>
-        </p:cTn>
-      </p:par>
-    </p:tnLst>
-    <p:bldLst>
-      <p:bldP spid="3" grpId="0" build="p"/>
-    </p:bldLst>
-  </p:timing>
-</p:sld>
-</file>
-
-<file path=ppt/slides/slide20.xml><?xml version="1.0" encoding="utf-8"?>
+<file path=ppt/slides/slide22.xml><?xml version="1.0" encoding="utf-8"?>
 <p:sld xmlns:a="http://schemas.openxmlformats.org/drawingml/2006/main" xmlns:r="http://schemas.openxmlformats.org/officeDocument/2006/relationships" xmlns:p="http://schemas.openxmlformats.org/presentationml/2006/main">
   <p:cSld>
     <p:spTree>
@@ -9762,7 +10999,7 @@
             <a:pPr lvl="1"/>
             <a:r>
               <a:rPr lang="en-US" dirty="0"/>
-              <a:t>Make a free account</a:t>
+              <a:t>Free or paid account tiers</a:t>
             </a:r>
           </a:p>
           <a:p>
@@ -9779,13 +11016,8 @@
             </a:r>
             <a:r>
               <a:rPr lang="en-US" dirty="0"/>
-              <a:t> and may be willing to host </a:t>
-            </a:r>
-            <a:r>
-              <a:rPr lang="en-US"/>
-              <a:t>your app</a:t>
-            </a:r>
-            <a:endParaRPr lang="en-US" dirty="0"/>
+              <a:t> and may be willing to host your app</a:t>
+            </a:r>
           </a:p>
           <a:p>
             <a:r>
@@ -10001,8 +11233,8 @@
 </p:sld>
 </file>
 
-<file path=ppt/slides/slide21.xml><?xml version="1.0" encoding="utf-8"?>
-<p:sld xmlns:a="http://schemas.openxmlformats.org/drawingml/2006/main" xmlns:r="http://schemas.openxmlformats.org/officeDocument/2006/relationships" xmlns:p="http://schemas.openxmlformats.org/presentationml/2006/main" show="0">
+<file path=ppt/slides/slide23.xml><?xml version="1.0" encoding="utf-8"?>
+<p:sld xmlns:a="http://schemas.openxmlformats.org/drawingml/2006/main" xmlns:r="http://schemas.openxmlformats.org/officeDocument/2006/relationships" xmlns:p="http://schemas.openxmlformats.org/presentationml/2006/main">
   <p:cSld>
     <p:spTree>
       <p:nvGrpSpPr>
@@ -10046,7 +11278,7 @@
           <a:p>
             <a:r>
               <a:rPr lang="en-US" dirty="0"/>
-              <a:t>Resources for learning</a:t>
+              <a:t>Example shiny apps from the Delta</a:t>
             </a:r>
           </a:p>
         </p:txBody>
@@ -10221,7 +11453,7 @@
               <a:rPr lang="en-US" dirty="0">
                 <a:hlinkClick r:id="rId3"/>
               </a:rPr>
-              <a:t>https://shiny.rstudio.com/articles/</a:t>
+              <a:t>https://baydeltalive.com/fish/hatchery-releases</a:t>
             </a:r>
             <a:endParaRPr lang="en-US" dirty="0"/>
           </a:p>
@@ -10230,34 +11462,49 @@
               <a:rPr lang="en-US" dirty="0">
                 <a:hlinkClick r:id="rId4"/>
               </a:rPr>
-              <a:t>https://shiny.rstudio.com/tutorial/</a:t>
-            </a:r>
-            <a:endParaRPr lang="en-US" dirty="0"/>
-          </a:p>
-          <a:p>
-            <a:r>
-              <a:rPr lang="en-US" dirty="0">
-                <a:hlinkClick r:id="rId5"/>
-              </a:rPr>
-              <a:t>https://shiny.rstudio.com/gallery/</a:t>
-            </a:r>
-            <a:endParaRPr lang="en-US" dirty="0"/>
-          </a:p>
-          <a:p>
-            <a:endParaRPr lang="en-US" dirty="0"/>
-          </a:p>
-          <a:p>
+              <a:t>https://deltascience.shinyapps.io/home</a:t>
+            </a:r>
             <a:r>
               <a:rPr lang="en-US" dirty="0"/>
-              <a:t>Google</a:t>
-            </a:r>
-          </a:p>
-        </p:txBody>
-      </p:sp>
+              <a:t> (links to all DSP hosted apps)</a:t>
+            </a:r>
+          </a:p>
+        </p:txBody>
+      </p:sp>
+      <p:pic>
+        <p:nvPicPr>
+          <p:cNvPr id="5" name="Picture 4">
+            <a:extLst>
+              <a:ext uri="{FF2B5EF4-FFF2-40B4-BE49-F238E27FC236}">
+                <a16:creationId xmlns:a16="http://schemas.microsoft.com/office/drawing/2014/main" id="{BA27DA82-40D9-CBAE-4746-E9F60275074F}"/>
+              </a:ext>
+            </a:extLst>
+          </p:cNvPr>
+          <p:cNvPicPr>
+            <a:picLocks noChangeAspect="1"/>
+          </p:cNvPicPr>
+          <p:nvPr/>
+        </p:nvPicPr>
+        <p:blipFill>
+          <a:blip r:embed="rId5"/>
+          <a:stretch>
+            <a:fillRect/>
+          </a:stretch>
+        </p:blipFill>
+        <p:spPr>
+          <a:xfrm>
+            <a:off x="0" y="3247594"/>
+            <a:ext cx="9144000" cy="3347750"/>
+          </a:xfrm>
+          <a:prstGeom prst="rect">
+            <a:avLst/>
+          </a:prstGeom>
+        </p:spPr>
+      </p:pic>
     </p:spTree>
     <p:extLst>
       <p:ext uri="{BB962C8B-B14F-4D97-AF65-F5344CB8AC3E}">
-        <p14:creationId xmlns:p14="http://schemas.microsoft.com/office/powerpoint/2010/main" val="433323243"/>
+        <p14:creationId xmlns:p14="http://schemas.microsoft.com/office/powerpoint/2010/main" val="789417551"/>
       </p:ext>
     </p:extLst>
   </p:cSld>
@@ -10267,8 +11514,8 @@
 </p:sld>
 </file>
 
-<file path=ppt/slides/slide22.xml><?xml version="1.0" encoding="utf-8"?>
-<p:sld xmlns:a="http://schemas.openxmlformats.org/drawingml/2006/main" xmlns:r="http://schemas.openxmlformats.org/officeDocument/2006/relationships" xmlns:p="http://schemas.openxmlformats.org/presentationml/2006/main" show="0">
+<file path=ppt/slides/slide24.xml><?xml version="1.0" encoding="utf-8"?>
+<p:sld xmlns:a="http://schemas.openxmlformats.org/drawingml/2006/main" xmlns:r="http://schemas.openxmlformats.org/officeDocument/2006/relationships" xmlns:p="http://schemas.openxmlformats.org/presentationml/2006/main">
   <p:cSld>
     <p:spTree>
       <p:nvGrpSpPr>
@@ -10312,7 +11559,7 @@
           <a:p>
             <a:r>
               <a:rPr lang="en-US" dirty="0"/>
-              <a:t>Example shiny apps from the Delta</a:t>
+              <a:t>Resources for learning</a:t>
             </a:r>
           </a:p>
         </p:txBody>
@@ -10487,7 +11734,7 @@
               <a:rPr lang="en-US" dirty="0">
                 <a:hlinkClick r:id="rId3"/>
               </a:rPr>
-              <a:t>https://baydeltalive.com/fish/hatchery-releases</a:t>
+              <a:t>https://shiny.posit.co/r/articles/</a:t>
             </a:r>
             <a:endParaRPr lang="en-US" dirty="0"/>
           </a:p>
@@ -10496,11 +11743,29 @@
               <a:rPr lang="en-US" dirty="0">
                 <a:hlinkClick r:id="rId4"/>
               </a:rPr>
-              <a:t>https://deltascience.shinyapps.io/home</a:t>
-            </a:r>
+              <a:t>https://shiny.posit.co/r/getstarted/shiny-basics/lesson1/index.html</a:t>
+            </a:r>
+            <a:endParaRPr lang="en-US" dirty="0"/>
+          </a:p>
+          <a:p>
+            <a:r>
+              <a:rPr lang="en-US" dirty="0">
+                <a:hlinkClick r:id="rId5"/>
+              </a:rPr>
+              <a:t>https://shiny.posit.co/r/gallery/</a:t>
+            </a:r>
+            <a:endParaRPr lang="en-US" dirty="0"/>
+          </a:p>
+          <a:p>
+            <a:pPr marL="0" indent="0">
+              <a:buNone/>
+            </a:pPr>
+            <a:endParaRPr lang="en-US" dirty="0"/>
+          </a:p>
+          <a:p>
             <a:r>
               <a:rPr lang="en-US" dirty="0"/>
-              <a:t> (links to all DSP hosted apps)</a:t>
+              <a:t>Google</a:t>
             </a:r>
           </a:p>
         </p:txBody>
@@ -10508,7 +11773,7 @@
     </p:spTree>
     <p:extLst>
       <p:ext uri="{BB962C8B-B14F-4D97-AF65-F5344CB8AC3E}">
-        <p14:creationId xmlns:p14="http://schemas.microsoft.com/office/powerpoint/2010/main" val="789417551"/>
+        <p14:creationId xmlns:p14="http://schemas.microsoft.com/office/powerpoint/2010/main" val="433323243"/>
       </p:ext>
     </p:extLst>
   </p:cSld>
@@ -11381,7 +12646,7 @@
           <p:cNvPr id="2" name="Title 1">
             <a:extLst>
               <a:ext uri="{FF2B5EF4-FFF2-40B4-BE49-F238E27FC236}">
-                <a16:creationId xmlns:a16="http://schemas.microsoft.com/office/drawing/2014/main" id="{58C3FF1C-5D28-4691-A6F9-6CC296E9F546}"/>
+                <a16:creationId xmlns:a16="http://schemas.microsoft.com/office/drawing/2014/main" id="{2147F611-EEEC-FFDA-28D3-FCA857DA9A5B}"/>
               </a:ext>
             </a:extLst>
           </p:cNvPr>
@@ -11392,12 +12657,7 @@
             <p:ph type="title"/>
           </p:nvPr>
         </p:nvSpPr>
-        <p:spPr>
-          <a:xfrm>
-            <a:off x="21041" y="-123172"/>
-            <a:ext cx="7886700" cy="953147"/>
-          </a:xfrm>
-        </p:spPr>
+        <p:spPr/>
         <p:txBody>
           <a:bodyPr/>
           <a:lstStyle/>
@@ -11411,10 +12671,40 @@
       </p:sp>
       <p:pic>
         <p:nvPicPr>
-          <p:cNvPr id="6" name="Picture 5">
+          <p:cNvPr id="5" name="Picture 4">
             <a:extLst>
               <a:ext uri="{FF2B5EF4-FFF2-40B4-BE49-F238E27FC236}">
-                <a16:creationId xmlns:a16="http://schemas.microsoft.com/office/drawing/2014/main" id="{10B3F582-EA88-4585-B5C4-AEBA6B84B739}"/>
+                <a16:creationId xmlns:a16="http://schemas.microsoft.com/office/drawing/2014/main" id="{08B1B095-3E7C-4FAE-59DD-31A60A7192EA}"/>
+              </a:ext>
+            </a:extLst>
+          </p:cNvPr>
+          <p:cNvPicPr>
+            <a:picLocks noChangeAspect="1"/>
+          </p:cNvPicPr>
+          <p:nvPr/>
+        </p:nvPicPr>
+        <p:blipFill>
+          <a:blip r:embed="rId2"/>
+          <a:stretch>
+            <a:fillRect/>
+          </a:stretch>
+        </p:blipFill>
+        <p:spPr>
+          <a:xfrm>
+            <a:off x="628650" y="1543373"/>
+            <a:ext cx="7983064" cy="4801270"/>
+          </a:xfrm>
+          <a:prstGeom prst="rect">
+            <a:avLst/>
+          </a:prstGeom>
+        </p:spPr>
+      </p:pic>
+      <p:pic>
+        <p:nvPicPr>
+          <p:cNvPr id="3" name="Picture 2">
+            <a:extLst>
+              <a:ext uri="{FF2B5EF4-FFF2-40B4-BE49-F238E27FC236}">
+                <a16:creationId xmlns:a16="http://schemas.microsoft.com/office/drawing/2014/main" id="{2422E556-E15A-4FCC-34B7-54557CB3AD12}"/>
               </a:ext>
             </a:extLst>
           </p:cNvPr>
@@ -11445,380 +12735,10 @@
           </a:prstGeom>
         </p:spPr>
       </p:pic>
-      <p:pic>
-        <p:nvPicPr>
-          <p:cNvPr id="8" name="Content Placeholder 7">
-            <a:extLst>
-              <a:ext uri="{FF2B5EF4-FFF2-40B4-BE49-F238E27FC236}">
-                <a16:creationId xmlns:a16="http://schemas.microsoft.com/office/drawing/2014/main" id="{D1F52C72-1968-40FA-9E26-0CBD4EB01FC2}"/>
-              </a:ext>
-            </a:extLst>
-          </p:cNvPr>
-          <p:cNvPicPr>
-            <a:picLocks noGrp="1" noChangeAspect="1"/>
-          </p:cNvPicPr>
-          <p:nvPr>
-            <p:ph idx="1"/>
-          </p:nvPr>
-        </p:nvPicPr>
-        <p:blipFill rotWithShape="1">
-          <a:blip r:embed="rId4">
-            <a:extLst>
-              <a:ext uri="{28A0092B-C50C-407E-A947-70E740481C1C}">
-                <a14:useLocalDpi xmlns:a14="http://schemas.microsoft.com/office/drawing/2010/main" val="0"/>
-              </a:ext>
-            </a:extLst>
-          </a:blip>
-          <a:srcRect t="15544" b="8812"/>
-          <a:stretch/>
-        </p:blipFill>
-        <p:spPr>
-          <a:xfrm>
-            <a:off x="186198" y="532264"/>
-            <a:ext cx="6801688" cy="6330682"/>
-          </a:xfrm>
-        </p:spPr>
-      </p:pic>
-      <p:sp>
-        <p:nvSpPr>
-          <p:cNvPr id="9" name="Rectangle 8">
-            <a:extLst>
-              <a:ext uri="{FF2B5EF4-FFF2-40B4-BE49-F238E27FC236}">
-                <a16:creationId xmlns:a16="http://schemas.microsoft.com/office/drawing/2014/main" id="{99594FB3-D700-4BEA-8579-2B1470863FCD}"/>
-              </a:ext>
-            </a:extLst>
-          </p:cNvPr>
-          <p:cNvSpPr/>
-          <p:nvPr/>
-        </p:nvSpPr>
-        <p:spPr>
-          <a:xfrm>
-            <a:off x="725621" y="1050877"/>
-            <a:ext cx="5209302" cy="3550621"/>
-          </a:xfrm>
-          <a:prstGeom prst="rect">
-            <a:avLst/>
-          </a:prstGeom>
-          <a:noFill/>
-          <a:ln w="57150">
-            <a:solidFill>
-              <a:schemeClr val="bg1"/>
-            </a:solidFill>
-          </a:ln>
-        </p:spPr>
-        <p:style>
-          <a:lnRef idx="2">
-            <a:schemeClr val="accent1">
-              <a:shade val="50000"/>
-            </a:schemeClr>
-          </a:lnRef>
-          <a:fillRef idx="1">
-            <a:schemeClr val="accent1"/>
-          </a:fillRef>
-          <a:effectRef idx="0">
-            <a:schemeClr val="accent1"/>
-          </a:effectRef>
-          <a:fontRef idx="minor">
-            <a:schemeClr val="lt1"/>
-          </a:fontRef>
-        </p:style>
-        <p:txBody>
-          <a:bodyPr rtlCol="0" anchor="ctr"/>
-          <a:lstStyle/>
-          <a:p>
-            <a:pPr algn="ctr"/>
-            <a:endParaRPr lang="en-US"/>
-          </a:p>
-        </p:txBody>
-      </p:sp>
-      <p:sp>
-        <p:nvSpPr>
-          <p:cNvPr id="10" name="Rectangle 9">
-            <a:extLst>
-              <a:ext uri="{FF2B5EF4-FFF2-40B4-BE49-F238E27FC236}">
-                <a16:creationId xmlns:a16="http://schemas.microsoft.com/office/drawing/2014/main" id="{ADC8B326-D9F3-4004-ABC8-7FABCC9FF994}"/>
-              </a:ext>
-            </a:extLst>
-          </p:cNvPr>
-          <p:cNvSpPr/>
-          <p:nvPr/>
-        </p:nvSpPr>
-        <p:spPr>
-          <a:xfrm>
-            <a:off x="725620" y="4718129"/>
-            <a:ext cx="6179628" cy="2057983"/>
-          </a:xfrm>
-          <a:prstGeom prst="rect">
-            <a:avLst/>
-          </a:prstGeom>
-          <a:noFill/>
-          <a:ln w="57150">
-            <a:solidFill>
-              <a:schemeClr val="bg1"/>
-            </a:solidFill>
-          </a:ln>
-        </p:spPr>
-        <p:style>
-          <a:lnRef idx="2">
-            <a:schemeClr val="accent1">
-              <a:shade val="50000"/>
-            </a:schemeClr>
-          </a:lnRef>
-          <a:fillRef idx="1">
-            <a:schemeClr val="accent1"/>
-          </a:fillRef>
-          <a:effectRef idx="0">
-            <a:schemeClr val="accent1"/>
-          </a:effectRef>
-          <a:fontRef idx="minor">
-            <a:schemeClr val="lt1"/>
-          </a:fontRef>
-        </p:style>
-        <p:txBody>
-          <a:bodyPr rtlCol="0" anchor="ctr"/>
-          <a:lstStyle/>
-          <a:p>
-            <a:pPr algn="ctr"/>
-            <a:endParaRPr lang="en-US"/>
-          </a:p>
-        </p:txBody>
-      </p:sp>
-      <p:sp>
-        <p:nvSpPr>
-          <p:cNvPr id="11" name="TextBox 10">
-            <a:extLst>
-              <a:ext uri="{FF2B5EF4-FFF2-40B4-BE49-F238E27FC236}">
-                <a16:creationId xmlns:a16="http://schemas.microsoft.com/office/drawing/2014/main" id="{673007E7-2C4F-4FD6-A880-C0F9B6C79023}"/>
-              </a:ext>
-            </a:extLst>
-          </p:cNvPr>
-          <p:cNvSpPr txBox="1"/>
-          <p:nvPr/>
-        </p:nvSpPr>
-        <p:spPr>
-          <a:xfrm>
-            <a:off x="6905248" y="2073159"/>
-            <a:ext cx="2902482" cy="523220"/>
-          </a:xfrm>
-          <a:prstGeom prst="rect">
-            <a:avLst/>
-          </a:prstGeom>
-          <a:noFill/>
-        </p:spPr>
-        <p:txBody>
-          <a:bodyPr wrap="square" rtlCol="0">
-            <a:spAutoFit/>
-          </a:bodyPr>
-          <a:lstStyle/>
-          <a:p>
-            <a:r>
-              <a:rPr lang="en-US" sz="2800" dirty="0"/>
-              <a:t>User interface</a:t>
-            </a:r>
-          </a:p>
-        </p:txBody>
-      </p:sp>
-      <p:sp>
-        <p:nvSpPr>
-          <p:cNvPr id="12" name="TextBox 11">
-            <a:extLst>
-              <a:ext uri="{FF2B5EF4-FFF2-40B4-BE49-F238E27FC236}">
-                <a16:creationId xmlns:a16="http://schemas.microsoft.com/office/drawing/2014/main" id="{F973A8BC-A6A3-45A1-93F1-075DA23A0EAF}"/>
-              </a:ext>
-            </a:extLst>
-          </p:cNvPr>
-          <p:cNvSpPr txBox="1"/>
-          <p:nvPr/>
-        </p:nvSpPr>
-        <p:spPr>
-          <a:xfrm>
-            <a:off x="7245007" y="5139939"/>
-            <a:ext cx="1325467" cy="523220"/>
-          </a:xfrm>
-          <a:prstGeom prst="rect">
-            <a:avLst/>
-          </a:prstGeom>
-          <a:noFill/>
-        </p:spPr>
-        <p:txBody>
-          <a:bodyPr wrap="square" rtlCol="0">
-            <a:spAutoFit/>
-          </a:bodyPr>
-          <a:lstStyle/>
-          <a:p>
-            <a:r>
-              <a:rPr lang="en-US" sz="2800" dirty="0"/>
-              <a:t>Server</a:t>
-            </a:r>
-          </a:p>
-        </p:txBody>
-      </p:sp>
-      <p:sp>
-        <p:nvSpPr>
-          <p:cNvPr id="13" name="Arrow: Up 12">
-            <a:extLst>
-              <a:ext uri="{FF2B5EF4-FFF2-40B4-BE49-F238E27FC236}">
-                <a16:creationId xmlns:a16="http://schemas.microsoft.com/office/drawing/2014/main" id="{B88ACFED-A573-40D5-AD3A-E54B4C494536}"/>
-              </a:ext>
-            </a:extLst>
-          </p:cNvPr>
-          <p:cNvSpPr/>
-          <p:nvPr/>
-        </p:nvSpPr>
-        <p:spPr>
-          <a:xfrm>
-            <a:off x="7330050" y="2646205"/>
-            <a:ext cx="1813950" cy="2247654"/>
-          </a:xfrm>
-          <a:prstGeom prst="upArrow">
-            <a:avLst/>
-          </a:prstGeom>
-        </p:spPr>
-        <p:style>
-          <a:lnRef idx="2">
-            <a:schemeClr val="accent1">
-              <a:shade val="50000"/>
-            </a:schemeClr>
-          </a:lnRef>
-          <a:fillRef idx="1">
-            <a:schemeClr val="accent1"/>
-          </a:fillRef>
-          <a:effectRef idx="0">
-            <a:schemeClr val="accent1"/>
-          </a:effectRef>
-          <a:fontRef idx="minor">
-            <a:schemeClr val="lt1"/>
-          </a:fontRef>
-        </p:style>
-        <p:txBody>
-          <a:bodyPr rtlCol="0" anchor="ctr"/>
-          <a:lstStyle/>
-          <a:p>
-            <a:pPr algn="ctr"/>
-            <a:endParaRPr lang="en-US" dirty="0"/>
-          </a:p>
-        </p:txBody>
-      </p:sp>
-      <p:sp>
-        <p:nvSpPr>
-          <p:cNvPr id="14" name="Arrow: Up 13">
-            <a:extLst>
-              <a:ext uri="{FF2B5EF4-FFF2-40B4-BE49-F238E27FC236}">
-                <a16:creationId xmlns:a16="http://schemas.microsoft.com/office/drawing/2014/main" id="{E3A565BB-4542-43E1-8238-80C00C7C7481}"/>
-              </a:ext>
-            </a:extLst>
-          </p:cNvPr>
-          <p:cNvSpPr/>
-          <p:nvPr/>
-        </p:nvSpPr>
-        <p:spPr>
-          <a:xfrm rot="10800000">
-            <a:off x="6192045" y="2883876"/>
-            <a:ext cx="1475156" cy="2247654"/>
-          </a:xfrm>
-          <a:prstGeom prst="upArrow">
-            <a:avLst/>
-          </a:prstGeom>
-        </p:spPr>
-        <p:style>
-          <a:lnRef idx="2">
-            <a:schemeClr val="accent1">
-              <a:shade val="50000"/>
-            </a:schemeClr>
-          </a:lnRef>
-          <a:fillRef idx="1">
-            <a:schemeClr val="accent1"/>
-          </a:fillRef>
-          <a:effectRef idx="0">
-            <a:schemeClr val="accent1"/>
-          </a:effectRef>
-          <a:fontRef idx="minor">
-            <a:schemeClr val="lt1"/>
-          </a:fontRef>
-        </p:style>
-        <p:txBody>
-          <a:bodyPr rtlCol="0" anchor="ctr"/>
-          <a:lstStyle/>
-          <a:p>
-            <a:pPr algn="ctr"/>
-            <a:endParaRPr lang="en-US"/>
-          </a:p>
-        </p:txBody>
-      </p:sp>
-      <p:sp>
-        <p:nvSpPr>
-          <p:cNvPr id="15" name="TextBox 14">
-            <a:extLst>
-              <a:ext uri="{FF2B5EF4-FFF2-40B4-BE49-F238E27FC236}">
-                <a16:creationId xmlns:a16="http://schemas.microsoft.com/office/drawing/2014/main" id="{A4344236-E5C7-418D-9B2C-ED8333345295}"/>
-              </a:ext>
-            </a:extLst>
-          </p:cNvPr>
-          <p:cNvSpPr txBox="1"/>
-          <p:nvPr/>
-        </p:nvSpPr>
-        <p:spPr>
-          <a:xfrm>
-            <a:off x="6544848" y="2926433"/>
-            <a:ext cx="808213" cy="646331"/>
-          </a:xfrm>
-          <a:prstGeom prst="rect">
-            <a:avLst/>
-          </a:prstGeom>
-          <a:noFill/>
-        </p:spPr>
-        <p:txBody>
-          <a:bodyPr wrap="square" rtlCol="0">
-            <a:spAutoFit/>
-          </a:bodyPr>
-          <a:lstStyle/>
-          <a:p>
-            <a:r>
-              <a:rPr lang="en-US" dirty="0"/>
-              <a:t>User inputs</a:t>
-            </a:r>
-          </a:p>
-        </p:txBody>
-      </p:sp>
-      <p:sp>
-        <p:nvSpPr>
-          <p:cNvPr id="16" name="TextBox 15">
-            <a:extLst>
-              <a:ext uri="{FF2B5EF4-FFF2-40B4-BE49-F238E27FC236}">
-                <a16:creationId xmlns:a16="http://schemas.microsoft.com/office/drawing/2014/main" id="{3EC1BD6A-B6A5-436F-8E9B-1EF15F67E27F}"/>
-              </a:ext>
-            </a:extLst>
-          </p:cNvPr>
-          <p:cNvSpPr txBox="1"/>
-          <p:nvPr/>
-        </p:nvSpPr>
-        <p:spPr>
-          <a:xfrm>
-            <a:off x="7769181" y="3517800"/>
-            <a:ext cx="1215218" cy="1200329"/>
-          </a:xfrm>
-          <a:prstGeom prst="rect">
-            <a:avLst/>
-          </a:prstGeom>
-          <a:noFill/>
-        </p:spPr>
-        <p:txBody>
-          <a:bodyPr wrap="square" rtlCol="0">
-            <a:spAutoFit/>
-          </a:bodyPr>
-          <a:lstStyle/>
-          <a:p>
-            <a:r>
-              <a:rPr lang="en-US" dirty="0"/>
-              <a:t>Outputs (graphs, tables, text, etc.</a:t>
-            </a:r>
-          </a:p>
-        </p:txBody>
-      </p:sp>
     </p:spTree>
     <p:extLst>
       <p:ext uri="{BB962C8B-B14F-4D97-AF65-F5344CB8AC3E}">
-        <p14:creationId xmlns:p14="http://schemas.microsoft.com/office/powerpoint/2010/main" val="1127666279"/>
+        <p14:creationId xmlns:p14="http://schemas.microsoft.com/office/powerpoint/2010/main" val="1583427394"/>
       </p:ext>
     </p:extLst>
   </p:cSld>
@@ -11845,41 +12765,6 @@
           <a:chExt cx="0" cy="0"/>
         </a:xfrm>
       </p:grpSpPr>
-      <p:pic>
-        <p:nvPicPr>
-          <p:cNvPr id="13" name="Content Placeholder 7">
-            <a:extLst>
-              <a:ext uri="{FF2B5EF4-FFF2-40B4-BE49-F238E27FC236}">
-                <a16:creationId xmlns:a16="http://schemas.microsoft.com/office/drawing/2014/main" id="{84C274CB-1142-459C-AD27-04ED38AEE4A7}"/>
-              </a:ext>
-            </a:extLst>
-          </p:cNvPr>
-          <p:cNvPicPr>
-            <a:picLocks noChangeAspect="1"/>
-          </p:cNvPicPr>
-          <p:nvPr/>
-        </p:nvPicPr>
-        <p:blipFill rotWithShape="1">
-          <a:blip r:embed="rId2">
-            <a:extLst>
-              <a:ext uri="{28A0092B-C50C-407E-A947-70E740481C1C}">
-                <a14:useLocalDpi xmlns:a14="http://schemas.microsoft.com/office/drawing/2010/main" val="0"/>
-              </a:ext>
-            </a:extLst>
-          </a:blip>
-          <a:srcRect t="15544" b="8812"/>
-          <a:stretch/>
-        </p:blipFill>
-        <p:spPr>
-          <a:xfrm>
-            <a:off x="186198" y="532264"/>
-            <a:ext cx="6801688" cy="6330682"/>
-          </a:xfrm>
-          <a:prstGeom prst="rect">
-            <a:avLst/>
-          </a:prstGeom>
-        </p:spPr>
-      </p:pic>
       <p:sp>
         <p:nvSpPr>
           <p:cNvPr id="2" name="Title 1">
@@ -11898,8 +12783,8 @@
         </p:nvSpPr>
         <p:spPr>
           <a:xfrm>
-            <a:off x="186198" y="-45739"/>
-            <a:ext cx="7886700" cy="783282"/>
+            <a:off x="21041" y="-123172"/>
+            <a:ext cx="7886700" cy="953147"/>
           </a:xfrm>
         </p:spPr>
         <p:txBody>
@@ -11949,82 +12834,46 @@
           </a:prstGeom>
         </p:spPr>
       </p:pic>
-      <p:sp>
-        <p:nvSpPr>
-          <p:cNvPr id="11" name="TextBox 10">
+      <p:pic>
+        <p:nvPicPr>
+          <p:cNvPr id="8" name="Content Placeholder 7">
             <a:extLst>
               <a:ext uri="{FF2B5EF4-FFF2-40B4-BE49-F238E27FC236}">
-                <a16:creationId xmlns:a16="http://schemas.microsoft.com/office/drawing/2014/main" id="{673007E7-2C4F-4FD6-A880-C0F9B6C79023}"/>
+                <a16:creationId xmlns:a16="http://schemas.microsoft.com/office/drawing/2014/main" id="{D1F52C72-1968-40FA-9E26-0CBD4EB01FC2}"/>
               </a:ext>
             </a:extLst>
           </p:cNvPr>
-          <p:cNvSpPr txBox="1"/>
-          <p:nvPr/>
-        </p:nvSpPr>
-        <p:spPr>
-          <a:xfrm>
-            <a:off x="6905248" y="2140376"/>
-            <a:ext cx="2902482" cy="523220"/>
-          </a:xfrm>
-          <a:prstGeom prst="rect">
-            <a:avLst/>
-          </a:prstGeom>
-          <a:noFill/>
-        </p:spPr>
-        <p:txBody>
-          <a:bodyPr wrap="square" rtlCol="0">
-            <a:spAutoFit/>
-          </a:bodyPr>
-          <a:lstStyle/>
-          <a:p>
-            <a:r>
-              <a:rPr lang="en-US" sz="2800" dirty="0"/>
-              <a:t>User interface</a:t>
-            </a:r>
-          </a:p>
-        </p:txBody>
-      </p:sp>
-      <p:sp>
-        <p:nvSpPr>
-          <p:cNvPr id="12" name="TextBox 11">
+          <p:cNvPicPr>
+            <a:picLocks noGrp="1" noChangeAspect="1"/>
+          </p:cNvPicPr>
+          <p:nvPr>
+            <p:ph idx="1"/>
+          </p:nvPr>
+        </p:nvPicPr>
+        <p:blipFill rotWithShape="1">
+          <a:blip r:embed="rId4">
+            <a:extLst>
+              <a:ext uri="{28A0092B-C50C-407E-A947-70E740481C1C}">
+                <a14:useLocalDpi xmlns:a14="http://schemas.microsoft.com/office/drawing/2010/main" val="0"/>
+              </a:ext>
+            </a:extLst>
+          </a:blip>
+          <a:srcRect t="15544" b="8812"/>
+          <a:stretch/>
+        </p:blipFill>
+        <p:spPr>
+          <a:xfrm>
+            <a:off x="186198" y="532264"/>
+            <a:ext cx="6801688" cy="6330682"/>
+          </a:xfrm>
+        </p:spPr>
+      </p:pic>
+      <p:sp>
+        <p:nvSpPr>
+          <p:cNvPr id="9" name="Rectangle 8">
             <a:extLst>
               <a:ext uri="{FF2B5EF4-FFF2-40B4-BE49-F238E27FC236}">
-                <a16:creationId xmlns:a16="http://schemas.microsoft.com/office/drawing/2014/main" id="{F973A8BC-A6A3-45A1-93F1-075DA23A0EAF}"/>
-              </a:ext>
-            </a:extLst>
-          </p:cNvPr>
-          <p:cNvSpPr txBox="1"/>
-          <p:nvPr/>
-        </p:nvSpPr>
-        <p:spPr>
-          <a:xfrm>
-            <a:off x="7444986" y="5465709"/>
-            <a:ext cx="1325467" cy="523220"/>
-          </a:xfrm>
-          <a:prstGeom prst="rect">
-            <a:avLst/>
-          </a:prstGeom>
-          <a:noFill/>
-        </p:spPr>
-        <p:txBody>
-          <a:bodyPr wrap="square" rtlCol="0">
-            <a:spAutoFit/>
-          </a:bodyPr>
-          <a:lstStyle/>
-          <a:p>
-            <a:r>
-              <a:rPr lang="en-US" sz="2800" dirty="0"/>
-              <a:t>Server</a:t>
-            </a:r>
-          </a:p>
-        </p:txBody>
-      </p:sp>
-      <p:sp>
-        <p:nvSpPr>
-          <p:cNvPr id="17" name="Rectangle 16">
-            <a:extLst>
-              <a:ext uri="{FF2B5EF4-FFF2-40B4-BE49-F238E27FC236}">
-                <a16:creationId xmlns:a16="http://schemas.microsoft.com/office/drawing/2014/main" id="{46B8791C-4A37-4955-9B6A-B7CB598433C1}"/>
+                <a16:creationId xmlns:a16="http://schemas.microsoft.com/office/drawing/2014/main" id="{99594FB3-D700-4BEA-8579-2B1470863FCD}"/>
               </a:ext>
             </a:extLst>
           </p:cNvPr>
@@ -12033,8 +12882,8 @@
         </p:nvSpPr>
         <p:spPr>
           <a:xfrm>
-            <a:off x="1888286" y="2401986"/>
-            <a:ext cx="2902482" cy="914420"/>
+            <a:off x="725621" y="1050877"/>
+            <a:ext cx="5209302" cy="3550621"/>
           </a:xfrm>
           <a:prstGeom prst="rect">
             <a:avLst/>
@@ -12073,10 +12922,10 @@
       </p:sp>
       <p:sp>
         <p:nvSpPr>
-          <p:cNvPr id="18" name="Rectangle 17">
+          <p:cNvPr id="10" name="Rectangle 9">
             <a:extLst>
               <a:ext uri="{FF2B5EF4-FFF2-40B4-BE49-F238E27FC236}">
-                <a16:creationId xmlns:a16="http://schemas.microsoft.com/office/drawing/2014/main" id="{706FDABB-4024-45E9-BBA8-6A18705DF1C5}"/>
+                <a16:creationId xmlns:a16="http://schemas.microsoft.com/office/drawing/2014/main" id="{ADC8B326-D9F3-4004-ABC8-7FABCC9FF994}"/>
               </a:ext>
             </a:extLst>
           </p:cNvPr>
@@ -12085,8 +12934,8 @@
         </p:nvSpPr>
         <p:spPr>
           <a:xfrm>
-            <a:off x="5290035" y="5717134"/>
-            <a:ext cx="1001583" cy="258589"/>
+            <a:off x="725620" y="4718129"/>
+            <a:ext cx="6179628" cy="2057983"/>
           </a:xfrm>
           <a:prstGeom prst="rect">
             <a:avLst/>
@@ -12123,58 +12972,174 @@
           </a:p>
         </p:txBody>
       </p:sp>
-      <p:cxnSp>
-        <p:nvCxnSpPr>
-          <p:cNvPr id="4" name="Straight Arrow Connector 3">
+      <p:sp>
+        <p:nvSpPr>
+          <p:cNvPr id="11" name="TextBox 10">
             <a:extLst>
               <a:ext uri="{FF2B5EF4-FFF2-40B4-BE49-F238E27FC236}">
-                <a16:creationId xmlns:a16="http://schemas.microsoft.com/office/drawing/2014/main" id="{338E4F06-7AB4-429D-B833-E44AC22D4DBF}"/>
+                <a16:creationId xmlns:a16="http://schemas.microsoft.com/office/drawing/2014/main" id="{673007E7-2C4F-4FD6-A880-C0F9B6C79023}"/>
               </a:ext>
             </a:extLst>
           </p:cNvPr>
-          <p:cNvCxnSpPr>
-            <a:cxnSpLocks/>
-            <a:stCxn id="17" idx="2"/>
-            <a:endCxn id="18" idx="0"/>
-          </p:cNvCxnSpPr>
+          <p:cNvSpPr txBox="1"/>
           <p:nvPr/>
-        </p:nvCxnSpPr>
-        <p:spPr>
-          <a:xfrm>
-            <a:off x="3339527" y="3316406"/>
-            <a:ext cx="2451300" cy="2400728"/>
-          </a:xfrm>
-          <a:prstGeom prst="straightConnector1">
+        </p:nvSpPr>
+        <p:spPr>
+          <a:xfrm>
+            <a:off x="6905248" y="2073159"/>
+            <a:ext cx="2902482" cy="523220"/>
+          </a:xfrm>
+          <a:prstGeom prst="rect">
             <a:avLst/>
           </a:prstGeom>
-          <a:ln w="57150">
-            <a:solidFill>
-              <a:schemeClr val="accent2"/>
-            </a:solidFill>
-            <a:tailEnd type="triangle"/>
-          </a:ln>
+          <a:noFill/>
+        </p:spPr>
+        <p:txBody>
+          <a:bodyPr wrap="square" rtlCol="0">
+            <a:spAutoFit/>
+          </a:bodyPr>
+          <a:lstStyle/>
+          <a:p>
+            <a:r>
+              <a:rPr lang="en-US" sz="2800" dirty="0"/>
+              <a:t>User interface</a:t>
+            </a:r>
+          </a:p>
+        </p:txBody>
+      </p:sp>
+      <p:sp>
+        <p:nvSpPr>
+          <p:cNvPr id="12" name="TextBox 11">
+            <a:extLst>
+              <a:ext uri="{FF2B5EF4-FFF2-40B4-BE49-F238E27FC236}">
+                <a16:creationId xmlns:a16="http://schemas.microsoft.com/office/drawing/2014/main" id="{F973A8BC-A6A3-45A1-93F1-075DA23A0EAF}"/>
+              </a:ext>
+            </a:extLst>
+          </p:cNvPr>
+          <p:cNvSpPr txBox="1"/>
+          <p:nvPr/>
+        </p:nvSpPr>
+        <p:spPr>
+          <a:xfrm>
+            <a:off x="7245007" y="5139939"/>
+            <a:ext cx="1325467" cy="523220"/>
+          </a:xfrm>
+          <a:prstGeom prst="rect">
+            <a:avLst/>
+          </a:prstGeom>
+          <a:noFill/>
+        </p:spPr>
+        <p:txBody>
+          <a:bodyPr wrap="square" rtlCol="0">
+            <a:spAutoFit/>
+          </a:bodyPr>
+          <a:lstStyle/>
+          <a:p>
+            <a:r>
+              <a:rPr lang="en-US" sz="2800" dirty="0"/>
+              <a:t>Server</a:t>
+            </a:r>
+          </a:p>
+        </p:txBody>
+      </p:sp>
+      <p:sp>
+        <p:nvSpPr>
+          <p:cNvPr id="13" name="Arrow: Up 12">
+            <a:extLst>
+              <a:ext uri="{FF2B5EF4-FFF2-40B4-BE49-F238E27FC236}">
+                <a16:creationId xmlns:a16="http://schemas.microsoft.com/office/drawing/2014/main" id="{B88ACFED-A573-40D5-AD3A-E54B4C494536}"/>
+              </a:ext>
+            </a:extLst>
+          </p:cNvPr>
+          <p:cNvSpPr/>
+          <p:nvPr/>
+        </p:nvSpPr>
+        <p:spPr>
+          <a:xfrm>
+            <a:off x="7330050" y="2646205"/>
+            <a:ext cx="1813950" cy="2247654"/>
+          </a:xfrm>
+          <a:prstGeom prst="upArrow">
+            <a:avLst/>
+          </a:prstGeom>
         </p:spPr>
         <p:style>
-          <a:lnRef idx="1">
-            <a:schemeClr val="accent1"/>
+          <a:lnRef idx="2">
+            <a:schemeClr val="accent1">
+              <a:shade val="50000"/>
+            </a:schemeClr>
           </a:lnRef>
-          <a:fillRef idx="0">
+          <a:fillRef idx="1">
             <a:schemeClr val="accent1"/>
           </a:fillRef>
           <a:effectRef idx="0">
             <a:schemeClr val="accent1"/>
           </a:effectRef>
           <a:fontRef idx="minor">
-            <a:schemeClr val="tx1"/>
+            <a:schemeClr val="lt1"/>
           </a:fontRef>
         </p:style>
-      </p:cxnSp>
-      <p:sp>
-        <p:nvSpPr>
-          <p:cNvPr id="19" name="TextBox 18">
+        <p:txBody>
+          <a:bodyPr rtlCol="0" anchor="ctr"/>
+          <a:lstStyle/>
+          <a:p>
+            <a:pPr algn="ctr"/>
+            <a:endParaRPr lang="en-US" dirty="0"/>
+          </a:p>
+        </p:txBody>
+      </p:sp>
+      <p:sp>
+        <p:nvSpPr>
+          <p:cNvPr id="14" name="Arrow: Up 13">
             <a:extLst>
               <a:ext uri="{FF2B5EF4-FFF2-40B4-BE49-F238E27FC236}">
-                <a16:creationId xmlns:a16="http://schemas.microsoft.com/office/drawing/2014/main" id="{F04FBCB9-AEF5-4B3E-8932-5A3280FC8D83}"/>
+                <a16:creationId xmlns:a16="http://schemas.microsoft.com/office/drawing/2014/main" id="{E3A565BB-4542-43E1-8238-80C00C7C7481}"/>
+              </a:ext>
+            </a:extLst>
+          </p:cNvPr>
+          <p:cNvSpPr/>
+          <p:nvPr/>
+        </p:nvSpPr>
+        <p:spPr>
+          <a:xfrm rot="10800000">
+            <a:off x="6192045" y="2883876"/>
+            <a:ext cx="1475156" cy="2247654"/>
+          </a:xfrm>
+          <a:prstGeom prst="upArrow">
+            <a:avLst/>
+          </a:prstGeom>
+        </p:spPr>
+        <p:style>
+          <a:lnRef idx="2">
+            <a:schemeClr val="accent1">
+              <a:shade val="50000"/>
+            </a:schemeClr>
+          </a:lnRef>
+          <a:fillRef idx="1">
+            <a:schemeClr val="accent1"/>
+          </a:fillRef>
+          <a:effectRef idx="0">
+            <a:schemeClr val="accent1"/>
+          </a:effectRef>
+          <a:fontRef idx="minor">
+            <a:schemeClr val="lt1"/>
+          </a:fontRef>
+        </p:style>
+        <p:txBody>
+          <a:bodyPr rtlCol="0" anchor="ctr"/>
+          <a:lstStyle/>
+          <a:p>
+            <a:pPr algn="ctr"/>
+            <a:endParaRPr lang="en-US"/>
+          </a:p>
+        </p:txBody>
+      </p:sp>
+      <p:sp>
+        <p:nvSpPr>
+          <p:cNvPr id="15" name="TextBox 14">
+            <a:extLst>
+              <a:ext uri="{FF2B5EF4-FFF2-40B4-BE49-F238E27FC236}">
+                <a16:creationId xmlns:a16="http://schemas.microsoft.com/office/drawing/2014/main" id="{A4344236-E5C7-418D-9B2C-ED8333345295}"/>
               </a:ext>
             </a:extLst>
           </p:cNvPr>
@@ -12183,8 +13148,8 @@
         </p:nvSpPr>
         <p:spPr>
           <a:xfrm>
-            <a:off x="4360231" y="3962772"/>
-            <a:ext cx="1430595" cy="369332"/>
+            <a:off x="6544848" y="2926433"/>
+            <a:ext cx="808213" cy="646331"/>
           </a:xfrm>
           <a:prstGeom prst="rect">
             <a:avLst/>
@@ -12198,12 +13163,43 @@
           <a:lstStyle/>
           <a:p>
             <a:r>
-              <a:rPr lang="en-US" dirty="0">
-                <a:solidFill>
-                  <a:schemeClr val="bg1"/>
-                </a:solidFill>
-              </a:rPr>
-              <a:t>User input</a:t>
+              <a:rPr lang="en-US" dirty="0"/>
+              <a:t>User inputs</a:t>
+            </a:r>
+          </a:p>
+        </p:txBody>
+      </p:sp>
+      <p:sp>
+        <p:nvSpPr>
+          <p:cNvPr id="16" name="TextBox 15">
+            <a:extLst>
+              <a:ext uri="{FF2B5EF4-FFF2-40B4-BE49-F238E27FC236}">
+                <a16:creationId xmlns:a16="http://schemas.microsoft.com/office/drawing/2014/main" id="{3EC1BD6A-B6A5-436F-8E9B-1EF15F67E27F}"/>
+              </a:ext>
+            </a:extLst>
+          </p:cNvPr>
+          <p:cNvSpPr txBox="1"/>
+          <p:nvPr/>
+        </p:nvSpPr>
+        <p:spPr>
+          <a:xfrm>
+            <a:off x="7769181" y="3517800"/>
+            <a:ext cx="1215218" cy="1200329"/>
+          </a:xfrm>
+          <a:prstGeom prst="rect">
+            <a:avLst/>
+          </a:prstGeom>
+          <a:noFill/>
+        </p:spPr>
+        <p:txBody>
+          <a:bodyPr wrap="square" rtlCol="0">
+            <a:spAutoFit/>
+          </a:bodyPr>
+          <a:lstStyle/>
+          <a:p>
+            <a:r>
+              <a:rPr lang="en-US" dirty="0"/>
+              <a:t>Outputs (graphs, tables, text, etc.</a:t>
             </a:r>
           </a:p>
         </p:txBody>
@@ -12211,7 +13207,7 @@
     </p:spTree>
     <p:extLst>
       <p:ext uri="{BB962C8B-B14F-4D97-AF65-F5344CB8AC3E}">
-        <p14:creationId xmlns:p14="http://schemas.microsoft.com/office/powerpoint/2010/main" val="3806766026"/>
+        <p14:creationId xmlns:p14="http://schemas.microsoft.com/office/powerpoint/2010/main" val="1127666279"/>
       </p:ext>
     </p:extLst>
   </p:cSld>
@@ -12240,10 +13236,10 @@
       </p:grpSpPr>
       <p:pic>
         <p:nvPicPr>
-          <p:cNvPr id="14" name="Content Placeholder 7">
+          <p:cNvPr id="13" name="Content Placeholder 7">
             <a:extLst>
               <a:ext uri="{FF2B5EF4-FFF2-40B4-BE49-F238E27FC236}">
-                <a16:creationId xmlns:a16="http://schemas.microsoft.com/office/drawing/2014/main" id="{AF30B237-A281-48F3-A65F-32265D74BD41}"/>
+                <a16:creationId xmlns:a16="http://schemas.microsoft.com/office/drawing/2014/main" id="{84C274CB-1142-459C-AD27-04ED38AEE4A7}"/>
               </a:ext>
             </a:extLst>
           </p:cNvPr>
@@ -12291,14 +13287,12 @@
         </p:nvSpPr>
         <p:spPr>
           <a:xfrm>
-            <a:off x="0" y="0"/>
-            <a:ext cx="7886700" cy="521978"/>
-          </a:xfrm>
-        </p:spPr>
-        <p:txBody>
-          <a:bodyPr>
-            <a:normAutofit fontScale="90000"/>
-          </a:bodyPr>
+            <a:off x="186198" y="-45739"/>
+            <a:ext cx="7886700" cy="783282"/>
+          </a:xfrm>
+        </p:spPr>
+        <p:txBody>
+          <a:bodyPr/>
           <a:lstStyle/>
           <a:p>
             <a:r>
@@ -12358,7 +13352,7 @@
         </p:nvSpPr>
         <p:spPr>
           <a:xfrm>
-            <a:off x="6905248" y="2104863"/>
+            <a:off x="6905248" y="2140376"/>
             <a:ext cx="2902482" cy="523220"/>
           </a:xfrm>
           <a:prstGeom prst="rect">
@@ -12393,7 +13387,7 @@
         </p:nvSpPr>
         <p:spPr>
           <a:xfrm>
-            <a:off x="6987886" y="5802516"/>
+            <a:off x="7444986" y="5465709"/>
             <a:ext cx="1325467" cy="523220"/>
           </a:xfrm>
           <a:prstGeom prst="rect">
@@ -12428,8 +13422,8 @@
         </p:nvSpPr>
         <p:spPr>
           <a:xfrm>
-            <a:off x="1864430" y="3905775"/>
-            <a:ext cx="2113892" cy="241874"/>
+            <a:off x="1888286" y="2401986"/>
+            <a:ext cx="2902482" cy="914420"/>
           </a:xfrm>
           <a:prstGeom prst="rect">
             <a:avLst/>
@@ -12480,8 +13474,8 @@
         </p:nvSpPr>
         <p:spPr>
           <a:xfrm>
-            <a:off x="1227210" y="5247122"/>
-            <a:ext cx="5671733" cy="1467577"/>
+            <a:off x="5290035" y="5717134"/>
+            <a:ext cx="1001583" cy="258589"/>
           </a:xfrm>
           <a:prstGeom prst="rect">
             <a:avLst/>
@@ -12529,15 +13523,15 @@
           </p:cNvPr>
           <p:cNvCxnSpPr>
             <a:cxnSpLocks/>
-            <a:stCxn id="18" idx="0"/>
-            <a:endCxn id="17" idx="2"/>
+            <a:stCxn id="17" idx="2"/>
+            <a:endCxn id="18" idx="0"/>
           </p:cNvCxnSpPr>
           <p:nvPr/>
         </p:nvCxnSpPr>
         <p:spPr>
-          <a:xfrm flipH="1" flipV="1">
-            <a:off x="2921376" y="4147649"/>
-            <a:ext cx="1141701" cy="1099473"/>
+          <a:xfrm>
+            <a:off x="3339527" y="3316406"/>
+            <a:ext cx="2451300" cy="2400728"/>
           </a:xfrm>
           <a:prstGeom prst="straightConnector1">
             <a:avLst/>
@@ -12566,10 +13560,10 @@
       </p:cxnSp>
       <p:sp>
         <p:nvSpPr>
-          <p:cNvPr id="15" name="TextBox 14">
+          <p:cNvPr id="19" name="TextBox 18">
             <a:extLst>
               <a:ext uri="{FF2B5EF4-FFF2-40B4-BE49-F238E27FC236}">
-                <a16:creationId xmlns:a16="http://schemas.microsoft.com/office/drawing/2014/main" id="{0BB6D872-8365-4BDA-90E7-C06616E6B656}"/>
+                <a16:creationId xmlns:a16="http://schemas.microsoft.com/office/drawing/2014/main" id="{F04FBCB9-AEF5-4B3E-8932-5A3280FC8D83}"/>
               </a:ext>
             </a:extLst>
           </p:cNvPr>
@@ -12578,8 +13572,8 @@
         </p:nvSpPr>
         <p:spPr>
           <a:xfrm>
-            <a:off x="3369987" y="4327439"/>
-            <a:ext cx="1596095" cy="369332"/>
+            <a:off x="4360231" y="3962772"/>
+            <a:ext cx="1430595" cy="369332"/>
           </a:xfrm>
           <a:prstGeom prst="rect">
             <a:avLst/>
@@ -12598,15 +13592,49 @@
                   <a:schemeClr val="bg1"/>
                 </a:solidFill>
               </a:rPr>
-              <a:t>Graph output</a:t>
-            </a:r>
-          </a:p>
-        </p:txBody>
-      </p:sp>
+              <a:t>User input</a:t>
+            </a:r>
+          </a:p>
+        </p:txBody>
+      </p:sp>
+      <p:pic>
+        <p:nvPicPr>
+          <p:cNvPr id="3" name="Picture 2">
+            <a:extLst>
+              <a:ext uri="{FF2B5EF4-FFF2-40B4-BE49-F238E27FC236}">
+                <a16:creationId xmlns:a16="http://schemas.microsoft.com/office/drawing/2014/main" id="{37B2C589-CC6F-B9B8-FB23-8B5F244D245B}"/>
+              </a:ext>
+            </a:extLst>
+          </p:cNvPr>
+          <p:cNvPicPr>
+            <a:picLocks noChangeAspect="1"/>
+          </p:cNvPicPr>
+          <p:nvPr/>
+        </p:nvPicPr>
+        <p:blipFill rotWithShape="1">
+          <a:blip r:embed="rId4"/>
+          <a:srcRect t="10905" r="67308" b="54995"/>
+          <a:stretch/>
+        </p:blipFill>
+        <p:spPr>
+          <a:xfrm>
+            <a:off x="6408166" y="2610371"/>
+            <a:ext cx="2609850" cy="1637258"/>
+          </a:xfrm>
+          <a:prstGeom prst="rect">
+            <a:avLst/>
+          </a:prstGeom>
+          <a:ln w="57150">
+            <a:solidFill>
+              <a:schemeClr val="bg1"/>
+            </a:solidFill>
+          </a:ln>
+        </p:spPr>
+      </p:pic>
     </p:spTree>
     <p:extLst>
       <p:ext uri="{BB962C8B-B14F-4D97-AF65-F5344CB8AC3E}">
-        <p14:creationId xmlns:p14="http://schemas.microsoft.com/office/powerpoint/2010/main" val="3105869128"/>
+        <p14:creationId xmlns:p14="http://schemas.microsoft.com/office/powerpoint/2010/main" val="3806766026"/>
       </p:ext>
     </p:extLst>
   </p:cSld>
@@ -12633,6 +13661,41 @@
           <a:chExt cx="0" cy="0"/>
         </a:xfrm>
       </p:grpSpPr>
+      <p:pic>
+        <p:nvPicPr>
+          <p:cNvPr id="14" name="Content Placeholder 7">
+            <a:extLst>
+              <a:ext uri="{FF2B5EF4-FFF2-40B4-BE49-F238E27FC236}">
+                <a16:creationId xmlns:a16="http://schemas.microsoft.com/office/drawing/2014/main" id="{AF30B237-A281-48F3-A65F-32265D74BD41}"/>
+              </a:ext>
+            </a:extLst>
+          </p:cNvPr>
+          <p:cNvPicPr>
+            <a:picLocks noChangeAspect="1"/>
+          </p:cNvPicPr>
+          <p:nvPr/>
+        </p:nvPicPr>
+        <p:blipFill rotWithShape="1">
+          <a:blip r:embed="rId2">
+            <a:extLst>
+              <a:ext uri="{28A0092B-C50C-407E-A947-70E740481C1C}">
+                <a14:useLocalDpi xmlns:a14="http://schemas.microsoft.com/office/drawing/2010/main" val="0"/>
+              </a:ext>
+            </a:extLst>
+          </a:blip>
+          <a:srcRect t="15544" b="8812"/>
+          <a:stretch/>
+        </p:blipFill>
+        <p:spPr>
+          <a:xfrm>
+            <a:off x="186198" y="532264"/>
+            <a:ext cx="6801688" cy="6330682"/>
+          </a:xfrm>
+          <a:prstGeom prst="rect">
+            <a:avLst/>
+          </a:prstGeom>
+        </p:spPr>
+      </p:pic>
       <p:sp>
         <p:nvSpPr>
           <p:cNvPr id="2" name="Title 1">
@@ -12651,17 +13714,19 @@
         </p:nvSpPr>
         <p:spPr>
           <a:xfrm>
-            <a:off x="327639" y="0"/>
-            <a:ext cx="7886700" cy="1325563"/>
-          </a:xfrm>
-        </p:spPr>
-        <p:txBody>
-          <a:bodyPr/>
+            <a:off x="0" y="0"/>
+            <a:ext cx="7886700" cy="521978"/>
+          </a:xfrm>
+        </p:spPr>
+        <p:txBody>
+          <a:bodyPr>
+            <a:normAutofit fontScale="90000"/>
+          </a:bodyPr>
           <a:lstStyle/>
           <a:p>
             <a:r>
               <a:rPr lang="en-US" dirty="0"/>
-              <a:t>Shiny mechanics</a:t>
+              <a:t>Basic shiny app</a:t>
             </a:r>
           </a:p>
         </p:txBody>
@@ -12702,46 +13767,12 @@
           </a:prstGeom>
         </p:spPr>
       </p:pic>
-      <p:pic>
-        <p:nvPicPr>
-          <p:cNvPr id="8" name="Content Placeholder 7">
+      <p:sp>
+        <p:nvSpPr>
+          <p:cNvPr id="11" name="TextBox 10">
             <a:extLst>
               <a:ext uri="{FF2B5EF4-FFF2-40B4-BE49-F238E27FC236}">
-                <a16:creationId xmlns:a16="http://schemas.microsoft.com/office/drawing/2014/main" id="{D1F52C72-1968-40FA-9E26-0CBD4EB01FC2}"/>
-              </a:ext>
-            </a:extLst>
-          </p:cNvPr>
-          <p:cNvPicPr>
-            <a:picLocks noGrp="1" noChangeAspect="1"/>
-          </p:cNvPicPr>
-          <p:nvPr>
-            <p:ph idx="1"/>
-          </p:nvPr>
-        </p:nvPicPr>
-        <p:blipFill rotWithShape="1">
-          <a:blip r:embed="rId4">
-            <a:extLst>
-              <a:ext uri="{28A0092B-C50C-407E-A947-70E740481C1C}">
-                <a14:useLocalDpi xmlns:a14="http://schemas.microsoft.com/office/drawing/2010/main" val="0"/>
-              </a:ext>
-            </a:extLst>
-          </a:blip>
-          <a:srcRect l="-619" t="19556" r="18584" b="34957"/>
-          <a:stretch/>
-        </p:blipFill>
-        <p:spPr>
-          <a:xfrm>
-            <a:off x="745756" y="2108624"/>
-            <a:ext cx="6961257" cy="4749376"/>
-          </a:xfrm>
-        </p:spPr>
-      </p:pic>
-      <p:sp>
-        <p:nvSpPr>
-          <p:cNvPr id="21" name="TextBox 20">
-            <a:extLst>
-              <a:ext uri="{FF2B5EF4-FFF2-40B4-BE49-F238E27FC236}">
-                <a16:creationId xmlns:a16="http://schemas.microsoft.com/office/drawing/2014/main" id="{EAD80F62-796E-4CC2-8456-ABAAC6645F8A}"/>
+                <a16:creationId xmlns:a16="http://schemas.microsoft.com/office/drawing/2014/main" id="{673007E7-2C4F-4FD6-A880-C0F9B6C79023}"/>
               </a:ext>
             </a:extLst>
           </p:cNvPr>
@@ -12750,8 +13781,8 @@
         </p:nvSpPr>
         <p:spPr>
           <a:xfrm>
-            <a:off x="440881" y="1136127"/>
-            <a:ext cx="7014857" cy="830997"/>
+            <a:off x="6905248" y="2104863"/>
+            <a:ext cx="2902482" cy="523220"/>
           </a:xfrm>
           <a:prstGeom prst="rect">
             <a:avLst/>
@@ -12765,16 +13796,274 @@
           <a:lstStyle/>
           <a:p>
             <a:r>
-              <a:rPr lang="en-US" sz="2400" dirty="0"/>
-              <a:t>The UI portion is analogous to a list of user-viewable components, wrapped in functions to set the layout</a:t>
-            </a:r>
-          </a:p>
-        </p:txBody>
-      </p:sp>
+              <a:rPr lang="en-US" sz="2800" dirty="0"/>
+              <a:t>User interface</a:t>
+            </a:r>
+          </a:p>
+        </p:txBody>
+      </p:sp>
+      <p:sp>
+        <p:nvSpPr>
+          <p:cNvPr id="12" name="TextBox 11">
+            <a:extLst>
+              <a:ext uri="{FF2B5EF4-FFF2-40B4-BE49-F238E27FC236}">
+                <a16:creationId xmlns:a16="http://schemas.microsoft.com/office/drawing/2014/main" id="{F973A8BC-A6A3-45A1-93F1-075DA23A0EAF}"/>
+              </a:ext>
+            </a:extLst>
+          </p:cNvPr>
+          <p:cNvSpPr txBox="1"/>
+          <p:nvPr/>
+        </p:nvSpPr>
+        <p:spPr>
+          <a:xfrm>
+            <a:off x="6987886" y="5802516"/>
+            <a:ext cx="1325467" cy="523220"/>
+          </a:xfrm>
+          <a:prstGeom prst="rect">
+            <a:avLst/>
+          </a:prstGeom>
+          <a:noFill/>
+        </p:spPr>
+        <p:txBody>
+          <a:bodyPr wrap="square" rtlCol="0">
+            <a:spAutoFit/>
+          </a:bodyPr>
+          <a:lstStyle/>
+          <a:p>
+            <a:r>
+              <a:rPr lang="en-US" sz="2800" dirty="0"/>
+              <a:t>Server</a:t>
+            </a:r>
+          </a:p>
+        </p:txBody>
+      </p:sp>
+      <p:sp>
+        <p:nvSpPr>
+          <p:cNvPr id="17" name="Rectangle 16">
+            <a:extLst>
+              <a:ext uri="{FF2B5EF4-FFF2-40B4-BE49-F238E27FC236}">
+                <a16:creationId xmlns:a16="http://schemas.microsoft.com/office/drawing/2014/main" id="{46B8791C-4A37-4955-9B6A-B7CB598433C1}"/>
+              </a:ext>
+            </a:extLst>
+          </p:cNvPr>
+          <p:cNvSpPr/>
+          <p:nvPr/>
+        </p:nvSpPr>
+        <p:spPr>
+          <a:xfrm>
+            <a:off x="1864430" y="3905775"/>
+            <a:ext cx="2113892" cy="241874"/>
+          </a:xfrm>
+          <a:prstGeom prst="rect">
+            <a:avLst/>
+          </a:prstGeom>
+          <a:noFill/>
+          <a:ln w="57150">
+            <a:solidFill>
+              <a:schemeClr val="bg1"/>
+            </a:solidFill>
+          </a:ln>
+        </p:spPr>
+        <p:style>
+          <a:lnRef idx="2">
+            <a:schemeClr val="accent1">
+              <a:shade val="50000"/>
+            </a:schemeClr>
+          </a:lnRef>
+          <a:fillRef idx="1">
+            <a:schemeClr val="accent1"/>
+          </a:fillRef>
+          <a:effectRef idx="0">
+            <a:schemeClr val="accent1"/>
+          </a:effectRef>
+          <a:fontRef idx="minor">
+            <a:schemeClr val="lt1"/>
+          </a:fontRef>
+        </p:style>
+        <p:txBody>
+          <a:bodyPr rtlCol="0" anchor="ctr"/>
+          <a:lstStyle/>
+          <a:p>
+            <a:pPr algn="ctr"/>
+            <a:endParaRPr lang="en-US"/>
+          </a:p>
+        </p:txBody>
+      </p:sp>
+      <p:sp>
+        <p:nvSpPr>
+          <p:cNvPr id="18" name="Rectangle 17">
+            <a:extLst>
+              <a:ext uri="{FF2B5EF4-FFF2-40B4-BE49-F238E27FC236}">
+                <a16:creationId xmlns:a16="http://schemas.microsoft.com/office/drawing/2014/main" id="{706FDABB-4024-45E9-BBA8-6A18705DF1C5}"/>
+              </a:ext>
+            </a:extLst>
+          </p:cNvPr>
+          <p:cNvSpPr/>
+          <p:nvPr/>
+        </p:nvSpPr>
+        <p:spPr>
+          <a:xfrm>
+            <a:off x="1227210" y="5247122"/>
+            <a:ext cx="5671733" cy="1467577"/>
+          </a:xfrm>
+          <a:prstGeom prst="rect">
+            <a:avLst/>
+          </a:prstGeom>
+          <a:noFill/>
+          <a:ln w="57150">
+            <a:solidFill>
+              <a:schemeClr val="bg1"/>
+            </a:solidFill>
+          </a:ln>
+        </p:spPr>
+        <p:style>
+          <a:lnRef idx="2">
+            <a:schemeClr val="accent1">
+              <a:shade val="50000"/>
+            </a:schemeClr>
+          </a:lnRef>
+          <a:fillRef idx="1">
+            <a:schemeClr val="accent1"/>
+          </a:fillRef>
+          <a:effectRef idx="0">
+            <a:schemeClr val="accent1"/>
+          </a:effectRef>
+          <a:fontRef idx="minor">
+            <a:schemeClr val="lt1"/>
+          </a:fontRef>
+        </p:style>
+        <p:txBody>
+          <a:bodyPr rtlCol="0" anchor="ctr"/>
+          <a:lstStyle/>
+          <a:p>
+            <a:pPr algn="ctr"/>
+            <a:endParaRPr lang="en-US"/>
+          </a:p>
+        </p:txBody>
+      </p:sp>
+      <p:cxnSp>
+        <p:nvCxnSpPr>
+          <p:cNvPr id="4" name="Straight Arrow Connector 3">
+            <a:extLst>
+              <a:ext uri="{FF2B5EF4-FFF2-40B4-BE49-F238E27FC236}">
+                <a16:creationId xmlns:a16="http://schemas.microsoft.com/office/drawing/2014/main" id="{338E4F06-7AB4-429D-B833-E44AC22D4DBF}"/>
+              </a:ext>
+            </a:extLst>
+          </p:cNvPr>
+          <p:cNvCxnSpPr>
+            <a:cxnSpLocks/>
+            <a:stCxn id="18" idx="0"/>
+            <a:endCxn id="17" idx="2"/>
+          </p:cNvCxnSpPr>
+          <p:nvPr/>
+        </p:nvCxnSpPr>
+        <p:spPr>
+          <a:xfrm flipH="1" flipV="1">
+            <a:off x="2921376" y="4147649"/>
+            <a:ext cx="1141701" cy="1099473"/>
+          </a:xfrm>
+          <a:prstGeom prst="straightConnector1">
+            <a:avLst/>
+          </a:prstGeom>
+          <a:ln w="57150">
+            <a:solidFill>
+              <a:schemeClr val="accent2"/>
+            </a:solidFill>
+            <a:tailEnd type="triangle"/>
+          </a:ln>
+        </p:spPr>
+        <p:style>
+          <a:lnRef idx="1">
+            <a:schemeClr val="accent1"/>
+          </a:lnRef>
+          <a:fillRef idx="0">
+            <a:schemeClr val="accent1"/>
+          </a:fillRef>
+          <a:effectRef idx="0">
+            <a:schemeClr val="accent1"/>
+          </a:effectRef>
+          <a:fontRef idx="minor">
+            <a:schemeClr val="tx1"/>
+          </a:fontRef>
+        </p:style>
+      </p:cxnSp>
+      <p:sp>
+        <p:nvSpPr>
+          <p:cNvPr id="15" name="TextBox 14">
+            <a:extLst>
+              <a:ext uri="{FF2B5EF4-FFF2-40B4-BE49-F238E27FC236}">
+                <a16:creationId xmlns:a16="http://schemas.microsoft.com/office/drawing/2014/main" id="{0BB6D872-8365-4BDA-90E7-C06616E6B656}"/>
+              </a:ext>
+            </a:extLst>
+          </p:cNvPr>
+          <p:cNvSpPr txBox="1"/>
+          <p:nvPr/>
+        </p:nvSpPr>
+        <p:spPr>
+          <a:xfrm>
+            <a:off x="3369987" y="4327439"/>
+            <a:ext cx="1596095" cy="369332"/>
+          </a:xfrm>
+          <a:prstGeom prst="rect">
+            <a:avLst/>
+          </a:prstGeom>
+          <a:noFill/>
+        </p:spPr>
+        <p:txBody>
+          <a:bodyPr wrap="square" rtlCol="0">
+            <a:spAutoFit/>
+          </a:bodyPr>
+          <a:lstStyle/>
+          <a:p>
+            <a:r>
+              <a:rPr lang="en-US" dirty="0">
+                <a:solidFill>
+                  <a:schemeClr val="bg1"/>
+                </a:solidFill>
+              </a:rPr>
+              <a:t>Graph output</a:t>
+            </a:r>
+          </a:p>
+        </p:txBody>
+      </p:sp>
+      <p:pic>
+        <p:nvPicPr>
+          <p:cNvPr id="3" name="Picture 2">
+            <a:extLst>
+              <a:ext uri="{FF2B5EF4-FFF2-40B4-BE49-F238E27FC236}">
+                <a16:creationId xmlns:a16="http://schemas.microsoft.com/office/drawing/2014/main" id="{F1DA5DEC-0435-6068-A1FC-13FA6D074CFC}"/>
+              </a:ext>
+            </a:extLst>
+          </p:cNvPr>
+          <p:cNvPicPr>
+            <a:picLocks noChangeAspect="1"/>
+          </p:cNvPicPr>
+          <p:nvPr/>
+        </p:nvPicPr>
+        <p:blipFill rotWithShape="1">
+          <a:blip r:embed="rId4"/>
+          <a:srcRect l="34318" t="17155" r="6621" b="2511"/>
+          <a:stretch/>
+        </p:blipFill>
+        <p:spPr>
+          <a:xfrm>
+            <a:off x="6261002" y="2764446"/>
+            <a:ext cx="2615953" cy="2140036"/>
+          </a:xfrm>
+          <a:prstGeom prst="rect">
+            <a:avLst/>
+          </a:prstGeom>
+          <a:ln w="57150">
+            <a:solidFill>
+              <a:schemeClr val="bg1"/>
+            </a:solidFill>
+          </a:ln>
+        </p:spPr>
+      </p:pic>
     </p:spTree>
     <p:extLst>
       <p:ext uri="{BB962C8B-B14F-4D97-AF65-F5344CB8AC3E}">
-        <p14:creationId xmlns:p14="http://schemas.microsoft.com/office/powerpoint/2010/main" val="3091087595"/>
+        <p14:creationId xmlns:p14="http://schemas.microsoft.com/office/powerpoint/2010/main" val="3105869128"/>
       </p:ext>
     </p:extLst>
   </p:cSld>
